--- a/Report - Operation_and_Metric_Analytics.pptx
+++ b/Report - Operation_and_Metric_Analytics.pptx
@@ -5,7 +5,7 @@
     <p:sldMasterId id="2147483650" r:id="rId1"/>
   </p:sldMasterIdLst>
   <p:notesMasterIdLst>
-    <p:notesMasterId r:id="rId32"/>
+    <p:notesMasterId r:id="rId33"/>
   </p:notesMasterIdLst>
   <p:sldIdLst>
     <p:sldId id="278" r:id="rId2"/>
@@ -17,27 +17,28 @@
     <p:sldId id="338" r:id="rId8"/>
     <p:sldId id="337" r:id="rId9"/>
     <p:sldId id="357" r:id="rId10"/>
-    <p:sldId id="353" r:id="rId11"/>
-    <p:sldId id="339" r:id="rId12"/>
+    <p:sldId id="339" r:id="rId11"/>
+    <p:sldId id="358" r:id="rId12"/>
     <p:sldId id="340" r:id="rId13"/>
     <p:sldId id="341" r:id="rId14"/>
     <p:sldId id="342" r:id="rId15"/>
     <p:sldId id="343" r:id="rId16"/>
     <p:sldId id="344" r:id="rId17"/>
-    <p:sldId id="345" r:id="rId18"/>
-    <p:sldId id="346" r:id="rId19"/>
-    <p:sldId id="347" r:id="rId20"/>
-    <p:sldId id="348" r:id="rId21"/>
-    <p:sldId id="354" r:id="rId22"/>
-    <p:sldId id="349" r:id="rId23"/>
-    <p:sldId id="350" r:id="rId24"/>
-    <p:sldId id="355" r:id="rId25"/>
-    <p:sldId id="356" r:id="rId26"/>
-    <p:sldId id="351" r:id="rId27"/>
-    <p:sldId id="352" r:id="rId28"/>
-    <p:sldId id="332" r:id="rId29"/>
-    <p:sldId id="333" r:id="rId30"/>
-    <p:sldId id="293" r:id="rId31"/>
+    <p:sldId id="353" r:id="rId18"/>
+    <p:sldId id="345" r:id="rId19"/>
+    <p:sldId id="346" r:id="rId20"/>
+    <p:sldId id="347" r:id="rId21"/>
+    <p:sldId id="348" r:id="rId22"/>
+    <p:sldId id="354" r:id="rId23"/>
+    <p:sldId id="349" r:id="rId24"/>
+    <p:sldId id="350" r:id="rId25"/>
+    <p:sldId id="355" r:id="rId26"/>
+    <p:sldId id="356" r:id="rId27"/>
+    <p:sldId id="351" r:id="rId28"/>
+    <p:sldId id="352" r:id="rId29"/>
+    <p:sldId id="332" r:id="rId30"/>
+    <p:sldId id="333" r:id="rId31"/>
+    <p:sldId id="293" r:id="rId32"/>
   </p:sldIdLst>
   <p:sldSz cx="12192000" cy="6858000"/>
   <p:notesSz cx="13716000" cy="24384000"/>
@@ -23348,10 +23349,59 @@
       </p:grpSpPr>
       <p:sp>
         <p:nvSpPr>
+          <p:cNvPr id="7" name="Rectangle 6">
+            <a:extLst>
+              <a:ext uri="{FF2B5EF4-FFF2-40B4-BE49-F238E27FC236}">
+                <a16:creationId xmlns:a16="http://schemas.microsoft.com/office/drawing/2014/main" id="{9188DFD6-2733-9425-D029-39399B4E550D}"/>
+              </a:ext>
+            </a:extLst>
+          </p:cNvPr>
+          <p:cNvSpPr/>
+          <p:nvPr/>
+        </p:nvSpPr>
+        <p:spPr>
+          <a:xfrm>
+            <a:off x="552723" y="728437"/>
+            <a:ext cx="11242113" cy="795564"/>
+          </a:xfrm>
+          <a:prstGeom prst="rect">
+            <a:avLst/>
+          </a:prstGeom>
+          <a:solidFill>
+            <a:srgbClr val="AAC4E9"/>
+          </a:solidFill>
+        </p:spPr>
+        <p:style>
+          <a:lnRef idx="2">
+            <a:schemeClr val="accent1">
+              <a:shade val="15000"/>
+            </a:schemeClr>
+          </a:lnRef>
+          <a:fillRef idx="1">
+            <a:schemeClr val="accent1"/>
+          </a:fillRef>
+          <a:effectRef idx="0">
+            <a:schemeClr val="accent1"/>
+          </a:effectRef>
+          <a:fontRef idx="minor">
+            <a:schemeClr val="lt1"/>
+          </a:fontRef>
+        </p:style>
+        <p:txBody>
+          <a:bodyPr rtlCol="0" anchor="ctr"/>
+          <a:lstStyle/>
+          <a:p>
+            <a:pPr algn="ctr"/>
+            <a:endParaRPr lang="en-IN" dirty="0"/>
+          </a:p>
+        </p:txBody>
+      </p:sp>
+      <p:sp>
+        <p:nvSpPr>
           <p:cNvPr id="2" name="Title 1">
             <a:extLst>
               <a:ext uri="{FF2B5EF4-FFF2-40B4-BE49-F238E27FC236}">
-                <a16:creationId xmlns:a16="http://schemas.microsoft.com/office/drawing/2014/main" id="{D53B219B-7E3A-7E84-6386-37313F0CFB09}"/>
+                <a16:creationId xmlns:a16="http://schemas.microsoft.com/office/drawing/2014/main" id="{B4B3367A-E398-B7CE-074D-4A6E1F9F17E6}"/>
               </a:ext>
             </a:extLst>
           </p:cNvPr>
@@ -23364,33 +23414,113 @@
         </p:nvSpPr>
         <p:spPr>
           <a:xfrm>
-            <a:off x="2895600" y="2455075"/>
-            <a:ext cx="6400800" cy="1392995"/>
+            <a:off x="552723" y="667779"/>
+            <a:ext cx="11380197" cy="922027"/>
           </a:xfrm>
         </p:spPr>
         <p:txBody>
           <a:bodyPr/>
           <a:lstStyle/>
           <a:p>
-            <a:r>
-              <a:rPr lang="en-US" sz="4400" b="1" dirty="0">
+            <a:pPr algn="l"/>
+            <a:r>
+              <a:rPr kumimoji="0" lang="en-US" sz="2000" b="1" i="0" u="sng" strike="noStrike" kern="1200" cap="all" spc="0" normalizeH="0" baseline="0" noProof="0" dirty="0">
+                <a:ln>
+                  <a:noFill/>
+                </a:ln>
                 <a:solidFill>
-                  <a:schemeClr val="accent6"/>
+                  <a:srgbClr val="DF8C8C"/>
                 </a:solidFill>
-                <a:latin typeface="Arial Black" panose="020B0604020202020204" pitchFamily="34" charset="0"/>
-                <a:cs typeface="Arial Black" panose="020B0604020202020204" pitchFamily="34" charset="0"/>
+                <a:effectLst/>
+                <a:uLnTx/>
+                <a:uFillTx/>
+                <a:latin typeface="Arial Black"/>
+                <a:ea typeface="+mj-ea"/>
+                <a:cs typeface="+mj-cs"/>
               </a:rPr>
-              <a:t>marketing</a:t>
-            </a:r>
+              <a:t>Jobs Reviewed Over Time: </a:t>
+            </a:r>
+            <a:br>
+              <a:rPr kumimoji="0" lang="en-US" sz="2000" b="1" i="0" u="sng" strike="noStrike" kern="1200" cap="all" spc="0" normalizeH="0" baseline="0" noProof="0" dirty="0">
+                <a:ln>
+                  <a:noFill/>
+                </a:ln>
+                <a:solidFill>
+                  <a:srgbClr val="DF8C8C"/>
+                </a:solidFill>
+                <a:effectLst/>
+                <a:uLnTx/>
+                <a:uFillTx/>
+                <a:latin typeface="Arial Black"/>
+                <a:ea typeface="+mj-ea"/>
+                <a:cs typeface="+mj-cs"/>
+              </a:rPr>
+            </a:br>
+            <a:r>
+              <a:rPr lang="en-US" sz="1600" b="0" dirty="0">
+                <a:solidFill>
+                  <a:srgbClr val="000000">
+                    <a:lumMod val="85000"/>
+                    <a:lumOff val="15000"/>
+                  </a:srgbClr>
+                </a:solidFill>
+                <a:latin typeface="Arial Black"/>
+              </a:rPr>
+              <a:t>Create</a:t>
+            </a:r>
+            <a:r>
+              <a:rPr kumimoji="0" lang="en-US" sz="1600" b="0" i="0" u="none" strike="noStrike" kern="1200" cap="all" spc="0" normalizeH="0" baseline="0" noProof="0" dirty="0">
+                <a:ln>
+                  <a:noFill/>
+                </a:ln>
+                <a:solidFill>
+                  <a:srgbClr val="000000">
+                    <a:lumMod val="85000"/>
+                    <a:lumOff val="15000"/>
+                  </a:srgbClr>
+                </a:solidFill>
+                <a:effectLst/>
+                <a:uLnTx/>
+                <a:uFillTx/>
+                <a:latin typeface="Arial Black"/>
+                <a:ea typeface="+mj-ea"/>
+                <a:cs typeface="+mj-cs"/>
+              </a:rPr>
+              <a:t> an SQL query to calculate the number of jobs reviewed per hour for each day in November 2020.</a:t>
+            </a:r>
+            <a:br>
+              <a:rPr kumimoji="0" lang="en-US" sz="1600" b="0" i="0" u="none" strike="noStrike" kern="1200" cap="all" spc="0" normalizeH="0" baseline="0" noProof="0" dirty="0">
+                <a:ln>
+                  <a:noFill/>
+                </a:ln>
+                <a:solidFill>
+                  <a:srgbClr val="000000">
+                    <a:lumMod val="85000"/>
+                    <a:lumOff val="15000"/>
+                  </a:srgbClr>
+                </a:solidFill>
+                <a:effectLst/>
+                <a:uLnTx/>
+                <a:uFillTx/>
+                <a:latin typeface="Arial Black"/>
+                <a:ea typeface="+mj-ea"/>
+                <a:cs typeface="+mj-cs"/>
+              </a:rPr>
+            </a:br>
+            <a:endParaRPr lang="en-IN" sz="2000" dirty="0">
+              <a:solidFill>
+                <a:srgbClr val="00B0F0"/>
+              </a:solidFill>
+            </a:endParaRPr>
           </a:p>
         </p:txBody>
       </p:sp>
       <p:sp>
         <p:nvSpPr>
-          <p:cNvPr id="3" name="Text Placeholder 2">
+          <p:cNvPr id="3" name="Content Placeholder 2">
             <a:extLst>
               <a:ext uri="{FF2B5EF4-FFF2-40B4-BE49-F238E27FC236}">
-                <a16:creationId xmlns:a16="http://schemas.microsoft.com/office/drawing/2014/main" id="{A2E339BF-E6D7-DD0E-AF02-6813852EE723}"/>
+                <a16:creationId xmlns:a16="http://schemas.microsoft.com/office/drawing/2014/main" id="{14040B9D-6C90-E727-B66B-09BC523F9813}"/>
               </a:ext>
             </a:extLst>
           </p:cNvPr>
@@ -23398,59 +23528,769 @@
             <a:spLocks noGrp="1"/>
           </p:cNvSpPr>
           <p:nvPr>
-            <p:ph type="body" idx="1"/>
+            <p:ph sz="half" idx="1"/>
           </p:nvPr>
         </p:nvSpPr>
         <p:spPr>
           <a:xfrm>
-            <a:off x="2659387" y="3243989"/>
-            <a:ext cx="6400800" cy="512064"/>
+            <a:off x="536448" y="1589806"/>
+            <a:ext cx="11119104" cy="1933347"/>
           </a:xfrm>
         </p:spPr>
         <p:txBody>
           <a:bodyPr/>
           <a:lstStyle/>
           <a:p>
-            <a:pPr algn="l"/>
-            <a:r>
-              <a:rPr lang="en-US" sz="2400" dirty="0"/>
-              <a:t>	1. Rewarding Most Loyal Users </a:t>
-            </a:r>
-          </a:p>
-          <a:p>
-            <a:pPr algn="l"/>
-            <a:r>
-              <a:rPr lang="en-US" sz="2400" dirty="0"/>
-              <a:t>	2. Remind Inactive Users to Start Posting </a:t>
-            </a:r>
-          </a:p>
-          <a:p>
-            <a:pPr algn="l"/>
-            <a:r>
-              <a:rPr lang="en-US" sz="2400" dirty="0"/>
-              <a:t>	3. Declaring the contest winners </a:t>
-            </a:r>
-          </a:p>
-          <a:p>
-            <a:pPr algn="l"/>
-            <a:r>
-              <a:rPr lang="en-US" sz="2400" dirty="0"/>
-              <a:t>	4. Hashtag Researching </a:t>
-            </a:r>
-          </a:p>
-          <a:p>
-            <a:pPr algn="l"/>
-            <a:r>
-              <a:rPr lang="en-US" sz="2400" dirty="0"/>
-              <a:t>	5. Launch AD Campaign </a:t>
-            </a:r>
+            <a:r>
+              <a:rPr lang="en-US" dirty="0"/>
+              <a:t>Steps for finding the most loyal users of Instagram (i.e., 5 oldest users) : </a:t>
+            </a:r>
+          </a:p>
+          <a:p>
+            <a:pPr marL="0" indent="0">
+              <a:buNone/>
+            </a:pPr>
+            <a:r>
+              <a:rPr lang="en-US" dirty="0"/>
+              <a:t>	Step 1) I have selected `operation &amp; metric analytics` database for accessing data.</a:t>
+            </a:r>
+          </a:p>
+          <a:p>
+            <a:pPr marL="0" indent="0">
+              <a:buNone/>
+            </a:pPr>
+            <a:r>
+              <a:rPr lang="en-US" dirty="0"/>
+              <a:t>	Step 2) To calculate a number of jobs reviewed per hour we just have to calculate the total number of	             </a:t>
+            </a:r>
+            <a:r>
+              <a:rPr lang="en-US" dirty="0" err="1"/>
+              <a:t>job_id</a:t>
+            </a:r>
+            <a:r>
+              <a:rPr lang="en-US" dirty="0"/>
+              <a:t> from </a:t>
+            </a:r>
+            <a:r>
+              <a:rPr lang="en-US" dirty="0" err="1"/>
+              <a:t>job_data</a:t>
+            </a:r>
+            <a:r>
+              <a:rPr lang="en-US" dirty="0"/>
+              <a:t> and then divide it by 24*30.</a:t>
+            </a:r>
+          </a:p>
+          <a:p>
+            <a:pPr marL="0" indent="0">
+              <a:buNone/>
+            </a:pPr>
+            <a:r>
+              <a:rPr lang="en-US" dirty="0"/>
+              <a:t>	Step 3) Using SELECT and COUNT commands I have executed the following Query.</a:t>
+            </a:r>
+          </a:p>
+          <a:p>
+            <a:pPr marL="0" indent="0">
+              <a:buNone/>
+            </a:pPr>
+            <a:r>
+              <a:rPr lang="en-US" dirty="0"/>
+              <a:t>	Step 4) It is giving an expected output of 0.0111 jobs.</a:t>
+            </a:r>
+          </a:p>
+          <a:p>
+            <a:pPr marL="0" indent="0">
+              <a:buNone/>
+            </a:pPr>
+            <a:endParaRPr lang="en-US" dirty="0"/>
+          </a:p>
+          <a:p>
+            <a:pPr marL="0" indent="0">
+              <a:buNone/>
+            </a:pPr>
+            <a:endParaRPr lang="en-US" dirty="0"/>
+          </a:p>
+          <a:p>
+            <a:pPr marL="0" indent="0">
+              <a:buNone/>
+            </a:pPr>
+            <a:endParaRPr lang="en-US" dirty="0"/>
           </a:p>
         </p:txBody>
       </p:sp>
+      <p:sp>
+        <p:nvSpPr>
+          <p:cNvPr id="6" name="Rectangle 5">
+            <a:extLst>
+              <a:ext uri="{FF2B5EF4-FFF2-40B4-BE49-F238E27FC236}">
+                <a16:creationId xmlns:a16="http://schemas.microsoft.com/office/drawing/2014/main" id="{C1F076FB-8F7F-3119-0F15-4A9EFE7EE5F1}"/>
+              </a:ext>
+            </a:extLst>
+          </p:cNvPr>
+          <p:cNvSpPr/>
+          <p:nvPr/>
+        </p:nvSpPr>
+        <p:spPr>
+          <a:xfrm>
+            <a:off x="3806237" y="71720"/>
+            <a:ext cx="4655336" cy="550438"/>
+          </a:xfrm>
+          <a:prstGeom prst="rect">
+            <a:avLst/>
+          </a:prstGeom>
+          <a:solidFill>
+            <a:srgbClr val="F5CDCE"/>
+          </a:solidFill>
+          <a:scene3d>
+            <a:camera prst="orthographicFront"/>
+            <a:lightRig rig="threePt" dir="t"/>
+          </a:scene3d>
+          <a:sp3d>
+            <a:bevelT w="165100" prst="coolSlant"/>
+          </a:sp3d>
+        </p:spPr>
+        <p:style>
+          <a:lnRef idx="2">
+            <a:schemeClr val="accent1">
+              <a:shade val="15000"/>
+            </a:schemeClr>
+          </a:lnRef>
+          <a:fillRef idx="1">
+            <a:schemeClr val="accent1"/>
+          </a:fillRef>
+          <a:effectRef idx="0">
+            <a:schemeClr val="accent1"/>
+          </a:effectRef>
+          <a:fontRef idx="minor">
+            <a:schemeClr val="lt1"/>
+          </a:fontRef>
+        </p:style>
+        <p:txBody>
+          <a:bodyPr rtlCol="0" anchor="ctr"/>
+          <a:lstStyle/>
+          <a:p>
+            <a:pPr algn="ctr"/>
+            <a:endParaRPr lang="en-IN"/>
+          </a:p>
+        </p:txBody>
+      </p:sp>
+      <p:sp>
+        <p:nvSpPr>
+          <p:cNvPr id="5" name="Slide Number Placeholder 4">
+            <a:extLst>
+              <a:ext uri="{FF2B5EF4-FFF2-40B4-BE49-F238E27FC236}">
+                <a16:creationId xmlns:a16="http://schemas.microsoft.com/office/drawing/2014/main" id="{8F7B6822-5084-6171-ECBD-CA814C69D183}"/>
+              </a:ext>
+            </a:extLst>
+          </p:cNvPr>
+          <p:cNvSpPr>
+            <a:spLocks noGrp="1"/>
+          </p:cNvSpPr>
+          <p:nvPr>
+            <p:ph type="sldNum" sz="quarter" idx="12"/>
+          </p:nvPr>
+        </p:nvSpPr>
+        <p:spPr/>
+        <p:txBody>
+          <a:bodyPr/>
+          <a:lstStyle/>
+          <a:p>
+            <a:fld id="{48F63A3B-78C7-47BE-AE5E-E10140E04643}" type="slidenum">
+              <a:rPr lang="en-US" smtClean="0"/>
+              <a:t>10</a:t>
+            </a:fld>
+            <a:endParaRPr lang="en-US" dirty="0"/>
+          </a:p>
+        </p:txBody>
+      </p:sp>
+      <p:sp>
+        <p:nvSpPr>
+          <p:cNvPr id="9" name="Rectangle: Rounded Corners 8">
+            <a:extLst>
+              <a:ext uri="{FF2B5EF4-FFF2-40B4-BE49-F238E27FC236}">
+                <a16:creationId xmlns:a16="http://schemas.microsoft.com/office/drawing/2014/main" id="{2CF20CC9-103C-611F-3BEA-37C975AA9957}"/>
+              </a:ext>
+            </a:extLst>
+          </p:cNvPr>
+          <p:cNvSpPr/>
+          <p:nvPr/>
+        </p:nvSpPr>
+        <p:spPr>
+          <a:xfrm>
+            <a:off x="550228" y="3970783"/>
+            <a:ext cx="4925970" cy="2650538"/>
+          </a:xfrm>
+          <a:prstGeom prst="roundRect">
+            <a:avLst/>
+          </a:prstGeom>
+          <a:effectLst>
+            <a:outerShdw blurRad="152400" dist="317500" dir="5400000" sx="90000" sy="-19000" rotWithShape="0">
+              <a:prstClr val="black">
+                <a:alpha val="15000"/>
+              </a:prstClr>
+            </a:outerShdw>
+          </a:effectLst>
+        </p:spPr>
+        <p:style>
+          <a:lnRef idx="2">
+            <a:schemeClr val="accent1">
+              <a:shade val="15000"/>
+            </a:schemeClr>
+          </a:lnRef>
+          <a:fillRef idx="1">
+            <a:schemeClr val="accent1"/>
+          </a:fillRef>
+          <a:effectRef idx="0">
+            <a:schemeClr val="accent1"/>
+          </a:effectRef>
+          <a:fontRef idx="minor">
+            <a:schemeClr val="lt1"/>
+          </a:fontRef>
+        </p:style>
+        <p:txBody>
+          <a:bodyPr rtlCol="0" anchor="ctr"/>
+          <a:lstStyle/>
+          <a:p>
+            <a:pPr algn="just"/>
+            <a:endParaRPr lang="en-IN" dirty="0">
+              <a:solidFill>
+                <a:srgbClr val="202C8F"/>
+              </a:solidFill>
+            </a:endParaRPr>
+          </a:p>
+        </p:txBody>
+      </p:sp>
+      <p:sp>
+        <p:nvSpPr>
+          <p:cNvPr id="10" name="TextBox 9">
+            <a:extLst>
+              <a:ext uri="{FF2B5EF4-FFF2-40B4-BE49-F238E27FC236}">
+                <a16:creationId xmlns:a16="http://schemas.microsoft.com/office/drawing/2014/main" id="{42E07593-0F8D-90BE-5E8E-3609076B7CCC}"/>
+              </a:ext>
+            </a:extLst>
+          </p:cNvPr>
+          <p:cNvSpPr txBox="1"/>
+          <p:nvPr/>
+        </p:nvSpPr>
+        <p:spPr>
+          <a:xfrm>
+            <a:off x="612153" y="3961048"/>
+            <a:ext cx="4492101" cy="369332"/>
+          </a:xfrm>
+          <a:prstGeom prst="rect">
+            <a:avLst/>
+          </a:prstGeom>
+          <a:noFill/>
+        </p:spPr>
+        <p:txBody>
+          <a:bodyPr wrap="square" rtlCol="0">
+            <a:spAutoFit/>
+          </a:bodyPr>
+          <a:lstStyle/>
+          <a:p>
+            <a:r>
+              <a:rPr lang="en-US" b="1" u="sng" dirty="0">
+                <a:highlight>
+                  <a:srgbClr val="AAC4E9"/>
+                </a:highlight>
+              </a:rPr>
+              <a:t>Query (to find </a:t>
+            </a:r>
+            <a:r>
+              <a:rPr lang="en-IN" b="1" u="sng" dirty="0">
+                <a:highlight>
+                  <a:srgbClr val="AAC4E9"/>
+                </a:highlight>
+              </a:rPr>
+              <a:t> 5 oldest Instagram users) :</a:t>
+            </a:r>
+          </a:p>
+        </p:txBody>
+      </p:sp>
+      <p:sp>
+        <p:nvSpPr>
+          <p:cNvPr id="12" name="TextBox 11">
+            <a:extLst>
+              <a:ext uri="{FF2B5EF4-FFF2-40B4-BE49-F238E27FC236}">
+                <a16:creationId xmlns:a16="http://schemas.microsoft.com/office/drawing/2014/main" id="{DF1172C6-2773-1215-C236-E0CB7113BEBE}"/>
+              </a:ext>
+            </a:extLst>
+          </p:cNvPr>
+          <p:cNvSpPr txBox="1"/>
+          <p:nvPr/>
+        </p:nvSpPr>
+        <p:spPr>
+          <a:xfrm>
+            <a:off x="767162" y="4690298"/>
+            <a:ext cx="4492101" cy="1477328"/>
+          </a:xfrm>
+          <a:prstGeom prst="rect">
+            <a:avLst/>
+          </a:prstGeom>
+          <a:noFill/>
+        </p:spPr>
+        <p:txBody>
+          <a:bodyPr wrap="square" numCol="1" rtlCol="0">
+            <a:spAutoFit/>
+          </a:bodyPr>
+          <a:lstStyle/>
+          <a:p>
+            <a:r>
+              <a:rPr lang="en-US" dirty="0">
+                <a:solidFill>
+                  <a:srgbClr val="202C8F"/>
+                </a:solidFill>
+              </a:rPr>
+              <a:t>SELECT </a:t>
+            </a:r>
+          </a:p>
+          <a:p>
+            <a:r>
+              <a:rPr lang="en-US" dirty="0">
+                <a:solidFill>
+                  <a:srgbClr val="202C8F"/>
+                </a:solidFill>
+              </a:rPr>
+              <a:t>    COUNT(</a:t>
+            </a:r>
+            <a:r>
+              <a:rPr lang="en-US" dirty="0" err="1">
+                <a:solidFill>
+                  <a:srgbClr val="202C8F"/>
+                </a:solidFill>
+              </a:rPr>
+              <a:t>job_id</a:t>
+            </a:r>
+            <a:r>
+              <a:rPr lang="en-US" dirty="0">
+                <a:solidFill>
+                  <a:srgbClr val="202C8F"/>
+                </a:solidFill>
+              </a:rPr>
+              <a:t>) / (24 * 30) AS </a:t>
+            </a:r>
+            <a:r>
+              <a:rPr lang="en-US" dirty="0" err="1">
+                <a:solidFill>
+                  <a:srgbClr val="202C8F"/>
+                </a:solidFill>
+              </a:rPr>
+              <a:t>No_of_jobs_reviewed</a:t>
+            </a:r>
+            <a:endParaRPr lang="en-US" dirty="0">
+              <a:solidFill>
+                <a:srgbClr val="202C8F"/>
+              </a:solidFill>
+            </a:endParaRPr>
+          </a:p>
+          <a:p>
+            <a:r>
+              <a:rPr lang="en-US" dirty="0">
+                <a:solidFill>
+                  <a:srgbClr val="202C8F"/>
+                </a:solidFill>
+              </a:rPr>
+              <a:t>FROM</a:t>
+            </a:r>
+          </a:p>
+          <a:p>
+            <a:r>
+              <a:rPr lang="en-US" dirty="0">
+                <a:solidFill>
+                  <a:srgbClr val="202C8F"/>
+                </a:solidFill>
+              </a:rPr>
+              <a:t>    </a:t>
+            </a:r>
+            <a:r>
+              <a:rPr lang="en-US" dirty="0" err="1">
+                <a:solidFill>
+                  <a:srgbClr val="202C8F"/>
+                </a:solidFill>
+              </a:rPr>
+              <a:t>job_data</a:t>
+            </a:r>
+            <a:r>
+              <a:rPr lang="en-US" dirty="0">
+                <a:solidFill>
+                  <a:srgbClr val="202C8F"/>
+                </a:solidFill>
+              </a:rPr>
+              <a:t>;</a:t>
+            </a:r>
+          </a:p>
+        </p:txBody>
+      </p:sp>
+      <p:sp>
+        <p:nvSpPr>
+          <p:cNvPr id="8" name="Footer Placeholder 3">
+            <a:extLst>
+              <a:ext uri="{FF2B5EF4-FFF2-40B4-BE49-F238E27FC236}">
+                <a16:creationId xmlns:a16="http://schemas.microsoft.com/office/drawing/2014/main" id="{9F0327CF-462F-CD26-04EC-539F0F589D1E}"/>
+              </a:ext>
+            </a:extLst>
+          </p:cNvPr>
+          <p:cNvSpPr>
+            <a:spLocks noGrp="1"/>
+          </p:cNvSpPr>
+          <p:nvPr>
+            <p:ph type="ftr" sz="quarter" idx="11"/>
+          </p:nvPr>
+        </p:nvSpPr>
+        <p:spPr>
+          <a:xfrm>
+            <a:off x="3896142" y="236679"/>
+            <a:ext cx="4565431" cy="220521"/>
+          </a:xfrm>
+        </p:spPr>
+        <p:txBody>
+          <a:bodyPr/>
+          <a:lstStyle/>
+          <a:p>
+            <a:r>
+              <a:rPr lang="en-US" sz="3200" b="1" dirty="0">
+                <a:latin typeface="+mj-lt"/>
+              </a:rPr>
+              <a:t>Job Data Analytics</a:t>
+            </a:r>
+          </a:p>
+        </p:txBody>
+      </p:sp>
+      <p:sp>
+        <p:nvSpPr>
+          <p:cNvPr id="11" name="Content Placeholder 2">
+            <a:extLst>
+              <a:ext uri="{FF2B5EF4-FFF2-40B4-BE49-F238E27FC236}">
+                <a16:creationId xmlns:a16="http://schemas.microsoft.com/office/drawing/2014/main" id="{9A7F18C8-B538-C611-48DC-704C562B0028}"/>
+              </a:ext>
+            </a:extLst>
+          </p:cNvPr>
+          <p:cNvSpPr txBox="1">
+            <a:spLocks/>
+          </p:cNvSpPr>
+          <p:nvPr/>
+        </p:nvSpPr>
+        <p:spPr>
+          <a:xfrm>
+            <a:off x="7087747" y="4202223"/>
+            <a:ext cx="11119104" cy="1714173"/>
+          </a:xfrm>
+          <a:prstGeom prst="rect">
+            <a:avLst/>
+          </a:prstGeom>
+        </p:spPr>
+        <p:txBody>
+          <a:bodyPr vert="horz" lIns="91440" tIns="45720" rIns="91440" bIns="45720" rtlCol="0">
+            <a:noAutofit/>
+          </a:bodyPr>
+          <a:lstStyle>
+            <a:lvl1pPr marL="347472" indent="-347472" algn="l" defTabSz="914400" rtl="0" eaLnBrk="1" latinLnBrk="0" hangingPunct="1">
+              <a:lnSpc>
+                <a:spcPct val="100000"/>
+              </a:lnSpc>
+              <a:spcBef>
+                <a:spcPts val="360"/>
+              </a:spcBef>
+              <a:buFont typeface="Arial" panose="020B0604020202020204" pitchFamily="34" charset="0"/>
+              <a:buChar char="•"/>
+              <a:defRPr sz="1800" kern="1200">
+                <a:solidFill>
+                  <a:schemeClr val="accent6"/>
+                </a:solidFill>
+                <a:latin typeface="+mn-lt"/>
+                <a:ea typeface="+mn-ea"/>
+                <a:cs typeface="+mn-cs"/>
+              </a:defRPr>
+            </a:lvl1pPr>
+            <a:lvl2pPr marL="685800" indent="-347472" algn="l" defTabSz="914400" rtl="0" eaLnBrk="1" latinLnBrk="0" hangingPunct="1">
+              <a:lnSpc>
+                <a:spcPct val="100000"/>
+              </a:lnSpc>
+              <a:spcBef>
+                <a:spcPts val="360"/>
+              </a:spcBef>
+              <a:buFont typeface="Arial" panose="020B0604020202020204" pitchFamily="34" charset="0"/>
+              <a:buChar char="•"/>
+              <a:defRPr sz="1600" kern="1200">
+                <a:solidFill>
+                  <a:schemeClr val="accent6"/>
+                </a:solidFill>
+                <a:latin typeface="+mn-lt"/>
+                <a:ea typeface="+mn-ea"/>
+                <a:cs typeface="+mn-cs"/>
+              </a:defRPr>
+            </a:lvl2pPr>
+            <a:lvl3pPr marL="1143000" indent="-347472" algn="l" defTabSz="914400" rtl="0" eaLnBrk="1" latinLnBrk="0" hangingPunct="1">
+              <a:lnSpc>
+                <a:spcPct val="100000"/>
+              </a:lnSpc>
+              <a:spcBef>
+                <a:spcPts val="360"/>
+              </a:spcBef>
+              <a:buFont typeface="Arial" panose="020B0604020202020204" pitchFamily="34" charset="0"/>
+              <a:buChar char="•"/>
+              <a:defRPr sz="1400" kern="1200">
+                <a:solidFill>
+                  <a:schemeClr val="accent6"/>
+                </a:solidFill>
+                <a:latin typeface="+mn-lt"/>
+                <a:ea typeface="+mn-ea"/>
+                <a:cs typeface="+mn-cs"/>
+              </a:defRPr>
+            </a:lvl3pPr>
+            <a:lvl4pPr marL="1600200" indent="-347472" algn="l" defTabSz="914400" rtl="0" eaLnBrk="1" latinLnBrk="0" hangingPunct="1">
+              <a:lnSpc>
+                <a:spcPct val="100000"/>
+              </a:lnSpc>
+              <a:spcBef>
+                <a:spcPts val="360"/>
+              </a:spcBef>
+              <a:buFont typeface="Arial" panose="020B0604020202020204" pitchFamily="34" charset="0"/>
+              <a:buChar char="•"/>
+              <a:defRPr sz="1200" kern="1200">
+                <a:solidFill>
+                  <a:schemeClr val="accent6"/>
+                </a:solidFill>
+                <a:latin typeface="+mn-lt"/>
+                <a:ea typeface="+mn-ea"/>
+                <a:cs typeface="+mn-cs"/>
+              </a:defRPr>
+            </a:lvl4pPr>
+            <a:lvl5pPr marL="2057400" indent="-347472" algn="l" defTabSz="914400" rtl="0" eaLnBrk="1" latinLnBrk="0" hangingPunct="1">
+              <a:lnSpc>
+                <a:spcPct val="100000"/>
+              </a:lnSpc>
+              <a:spcBef>
+                <a:spcPts val="360"/>
+              </a:spcBef>
+              <a:buFont typeface="Arial" panose="020B0604020202020204" pitchFamily="34" charset="0"/>
+              <a:buChar char="•"/>
+              <a:defRPr sz="1200" kern="1200">
+                <a:solidFill>
+                  <a:schemeClr val="accent6"/>
+                </a:solidFill>
+                <a:latin typeface="+mn-lt"/>
+                <a:ea typeface="+mn-ea"/>
+                <a:cs typeface="+mn-cs"/>
+              </a:defRPr>
+            </a:lvl5pPr>
+            <a:lvl6pPr marL="2514600" indent="-228600" algn="l" defTabSz="914400" rtl="0" eaLnBrk="1" latinLnBrk="0" hangingPunct="1">
+              <a:lnSpc>
+                <a:spcPct val="90000"/>
+              </a:lnSpc>
+              <a:spcBef>
+                <a:spcPts val="500"/>
+              </a:spcBef>
+              <a:buFont typeface="Arial" panose="020B0604020202020204" pitchFamily="34" charset="0"/>
+              <a:buChar char="•"/>
+              <a:defRPr sz="1800" kern="1200">
+                <a:solidFill>
+                  <a:schemeClr val="tx1"/>
+                </a:solidFill>
+                <a:latin typeface="+mn-lt"/>
+                <a:ea typeface="+mn-ea"/>
+                <a:cs typeface="+mn-cs"/>
+              </a:defRPr>
+            </a:lvl6pPr>
+            <a:lvl7pPr marL="2971800" indent="-228600" algn="l" defTabSz="914400" rtl="0" eaLnBrk="1" latinLnBrk="0" hangingPunct="1">
+              <a:lnSpc>
+                <a:spcPct val="90000"/>
+              </a:lnSpc>
+              <a:spcBef>
+                <a:spcPts val="500"/>
+              </a:spcBef>
+              <a:buFont typeface="Arial" panose="020B0604020202020204" pitchFamily="34" charset="0"/>
+              <a:buChar char="•"/>
+              <a:defRPr sz="1800" kern="1200">
+                <a:solidFill>
+                  <a:schemeClr val="tx1"/>
+                </a:solidFill>
+                <a:latin typeface="+mn-lt"/>
+                <a:ea typeface="+mn-ea"/>
+                <a:cs typeface="+mn-cs"/>
+              </a:defRPr>
+            </a:lvl7pPr>
+            <a:lvl8pPr marL="3429000" indent="-228600" algn="l" defTabSz="914400" rtl="0" eaLnBrk="1" latinLnBrk="0" hangingPunct="1">
+              <a:lnSpc>
+                <a:spcPct val="90000"/>
+              </a:lnSpc>
+              <a:spcBef>
+                <a:spcPts val="500"/>
+              </a:spcBef>
+              <a:buFont typeface="Arial" panose="020B0604020202020204" pitchFamily="34" charset="0"/>
+              <a:buChar char="•"/>
+              <a:defRPr sz="1800" kern="1200">
+                <a:solidFill>
+                  <a:schemeClr val="tx1"/>
+                </a:solidFill>
+                <a:latin typeface="+mn-lt"/>
+                <a:ea typeface="+mn-ea"/>
+                <a:cs typeface="+mn-cs"/>
+              </a:defRPr>
+            </a:lvl8pPr>
+            <a:lvl9pPr marL="3886200" indent="-228600" algn="l" defTabSz="914400" rtl="0" eaLnBrk="1" latinLnBrk="0" hangingPunct="1">
+              <a:lnSpc>
+                <a:spcPct val="90000"/>
+              </a:lnSpc>
+              <a:spcBef>
+                <a:spcPts val="500"/>
+              </a:spcBef>
+              <a:buFont typeface="Arial" panose="020B0604020202020204" pitchFamily="34" charset="0"/>
+              <a:buChar char="•"/>
+              <a:defRPr sz="1800" kern="1200">
+                <a:solidFill>
+                  <a:schemeClr val="tx1"/>
+                </a:solidFill>
+                <a:latin typeface="+mn-lt"/>
+                <a:ea typeface="+mn-ea"/>
+                <a:cs typeface="+mn-cs"/>
+              </a:defRPr>
+            </a:lvl9pPr>
+          </a:lstStyle>
+          <a:p>
+            <a:pPr marL="0" indent="0">
+              <a:buFont typeface="Arial" panose="020B0604020202020204" pitchFamily="34" charset="0"/>
+              <a:buNone/>
+            </a:pPr>
+            <a:r>
+              <a:rPr lang="en-US" sz="2200" b="1" u="sng" dirty="0">
+                <a:solidFill>
+                  <a:schemeClr val="tx1"/>
+                </a:solidFill>
+                <a:highlight>
+                  <a:srgbClr val="AAC4E9"/>
+                </a:highlight>
+              </a:rPr>
+              <a:t>Output/Result Table :</a:t>
+            </a:r>
+          </a:p>
+          <a:p>
+            <a:pPr marL="0" indent="0">
+              <a:buFont typeface="Arial" panose="020B0604020202020204" pitchFamily="34" charset="0"/>
+              <a:buNone/>
+            </a:pPr>
+            <a:endParaRPr lang="en-US" dirty="0"/>
+          </a:p>
+        </p:txBody>
+      </p:sp>
+      <p:graphicFrame>
+        <p:nvGraphicFramePr>
+          <p:cNvPr id="13" name="Table 13">
+            <a:extLst>
+              <a:ext uri="{FF2B5EF4-FFF2-40B4-BE49-F238E27FC236}">
+                <a16:creationId xmlns:a16="http://schemas.microsoft.com/office/drawing/2014/main" id="{FAD57E59-0114-92B8-37C2-3D6334A4156B}"/>
+              </a:ext>
+            </a:extLst>
+          </p:cNvPr>
+          <p:cNvGraphicFramePr>
+            <a:graphicFrameLocks noGrp="1"/>
+          </p:cNvGraphicFramePr>
+          <p:nvPr>
+            <p:extLst>
+              <p:ext uri="{D42A27DB-BD31-4B8C-83A1-F6EECF244321}">
+                <p14:modId xmlns:p14="http://schemas.microsoft.com/office/powerpoint/2010/main" val="2829486687"/>
+              </p:ext>
+            </p:extLst>
+          </p:nvPr>
+        </p:nvGraphicFramePr>
+        <p:xfrm>
+          <a:off x="6242821" y="4892651"/>
+          <a:ext cx="4571343" cy="1280160"/>
+        </p:xfrm>
+        <a:graphic>
+          <a:graphicData uri="http://schemas.openxmlformats.org/drawingml/2006/table">
+            <a:tbl>
+              <a:tblPr firstRow="1" bandRow="1">
+                <a:tableStyleId>{5C22544A-7EE6-4342-B048-85BDC9FD1C3A}</a:tableStyleId>
+              </a:tblPr>
+              <a:tblGrid>
+                <a:gridCol w="4571343">
+                  <a:extLst>
+                    <a:ext uri="{9D8B030D-6E8A-4147-A177-3AD203B41FA5}">
+                      <a16:colId xmlns:a16="http://schemas.microsoft.com/office/drawing/2014/main" val="2762836795"/>
+                    </a:ext>
+                  </a:extLst>
+                </a:gridCol>
+              </a:tblGrid>
+              <a:tr h="370840">
+                <a:tc>
+                  <a:txBody>
+                    <a:bodyPr/>
+                    <a:lstStyle/>
+                    <a:p>
+                      <a:pPr marL="0" marR="0" lvl="0" indent="0" algn="ctr" defTabSz="914400" rtl="0" eaLnBrk="1" fontAlgn="auto" latinLnBrk="0" hangingPunct="1">
+                        <a:lnSpc>
+                          <a:spcPct val="100000"/>
+                        </a:lnSpc>
+                        <a:spcBef>
+                          <a:spcPts val="0"/>
+                        </a:spcBef>
+                        <a:spcAft>
+                          <a:spcPts val="0"/>
+                        </a:spcAft>
+                        <a:buClrTx/>
+                        <a:buSzTx/>
+                        <a:buFontTx/>
+                        <a:buNone/>
+                        <a:tabLst/>
+                        <a:defRPr/>
+                      </a:pPr>
+                      <a:r>
+                        <a:rPr lang="en-US" sz="2400" dirty="0" err="1">
+                          <a:solidFill>
+                            <a:srgbClr val="202C8F"/>
+                          </a:solidFill>
+                        </a:rPr>
+                        <a:t>No_of_jobs_reviewed</a:t>
+                      </a:r>
+                      <a:endParaRPr lang="en-US" sz="2400" dirty="0">
+                        <a:solidFill>
+                          <a:srgbClr val="202C8F"/>
+                        </a:solidFill>
+                      </a:endParaRPr>
+                    </a:p>
+                    <a:p>
+                      <a:endParaRPr lang="en-IN" sz="2400" dirty="0"/>
+                    </a:p>
+                  </a:txBody>
+                  <a:tcPr/>
+                </a:tc>
+                <a:extLst>
+                  <a:ext uri="{0D108BD9-81ED-4DB2-BD59-A6C34878D82A}">
+                    <a16:rowId xmlns:a16="http://schemas.microsoft.com/office/drawing/2014/main" val="2632110853"/>
+                  </a:ext>
+                </a:extLst>
+              </a:tr>
+              <a:tr h="370840">
+                <a:tc>
+                  <a:txBody>
+                    <a:bodyPr/>
+                    <a:lstStyle/>
+                    <a:p>
+                      <a:pPr algn="ctr"/>
+                      <a:r>
+                        <a:rPr lang="en-US" sz="2400" dirty="0"/>
+                        <a:t>0.0111</a:t>
+                      </a:r>
+                      <a:endParaRPr lang="en-IN" sz="2400" dirty="0"/>
+                    </a:p>
+                  </a:txBody>
+                  <a:tcPr/>
+                </a:tc>
+                <a:extLst>
+                  <a:ext uri="{0D108BD9-81ED-4DB2-BD59-A6C34878D82A}">
+                    <a16:rowId xmlns:a16="http://schemas.microsoft.com/office/drawing/2014/main" val="630753553"/>
+                  </a:ext>
+                </a:extLst>
+              </a:tr>
+            </a:tbl>
+          </a:graphicData>
+        </a:graphic>
+      </p:graphicFrame>
     </p:spTree>
     <p:extLst>
       <p:ext uri="{BB962C8B-B14F-4D97-AF65-F5344CB8AC3E}">
-        <p14:creationId xmlns:p14="http://schemas.microsoft.com/office/powerpoint/2010/main" val="189076556"/>
+        <p14:creationId xmlns:p14="http://schemas.microsoft.com/office/powerpoint/2010/main" val="3180329487"/>
       </p:ext>
     </p:extLst>
   </p:cSld>
@@ -23559,32 +24399,68 @@
                   <a:srgbClr val="DF8C8C"/>
                 </a:solidFill>
               </a:rPr>
-              <a:t>Rewarding most loyal users : </a:t>
-            </a:r>
-            <a:r>
-              <a:rPr lang="en-US" sz="1600" b="0" i="0" dirty="0">
+              <a:t>Throughput Analysis </a:t>
+            </a:r>
+            <a:r>
+              <a:rPr kumimoji="0" lang="en-US" sz="2000" b="1" i="0" u="sng" strike="noStrike" kern="1200" cap="all" spc="0" normalizeH="0" baseline="0" noProof="0" dirty="0">
+                <a:ln>
+                  <a:noFill/>
+                </a:ln>
+                <a:solidFill>
+                  <a:srgbClr val="DF8C8C"/>
+                </a:solidFill>
+                <a:effectLst/>
+                <a:uLnTx/>
+                <a:uFillTx/>
+                <a:latin typeface="Arial Black"/>
+                <a:ea typeface="+mj-ea"/>
+                <a:cs typeface="+mj-cs"/>
+              </a:rPr>
+              <a:t>: </a:t>
+            </a:r>
+            <a:r>
+              <a:rPr lang="en-US" sz="1600" b="0" dirty="0">
+                <a:solidFill>
+                  <a:srgbClr val="000000">
+                    <a:lumMod val="85000"/>
+                    <a:lumOff val="15000"/>
+                  </a:srgbClr>
+                </a:solidFill>
+                <a:latin typeface="Arial Black"/>
+              </a:rPr>
+              <a:t>Create</a:t>
+            </a:r>
+            <a:r>
+              <a:rPr kumimoji="0" lang="en-US" sz="1600" b="0" i="0" u="none" strike="noStrike" kern="1200" cap="all" spc="0" normalizeH="0" baseline="0" noProof="0" dirty="0">
+                <a:ln>
+                  <a:noFill/>
+                </a:ln>
+                <a:solidFill>
+                  <a:srgbClr val="000000">
+                    <a:lumMod val="85000"/>
+                    <a:lumOff val="15000"/>
+                  </a:srgbClr>
+                </a:solidFill>
+                <a:effectLst/>
+                <a:uLnTx/>
+                <a:uFillTx/>
+                <a:latin typeface="Arial Black"/>
+                <a:ea typeface="+mj-ea"/>
+                <a:cs typeface="+mj-cs"/>
+              </a:rPr>
+              <a:t> </a:t>
+            </a:r>
+            <a:r>
+              <a:rPr lang="en-US" sz="1600" b="0" dirty="0">
                 <a:solidFill>
                   <a:schemeClr val="tx1">
                     <a:lumMod val="85000"/>
                     <a:lumOff val="15000"/>
                   </a:schemeClr>
                 </a:solidFill>
-                <a:effectLst/>
-                <a:latin typeface="+mj-lt"/>
               </a:rPr>
-              <a:t>People who have been using the platform for the longest time. That means, Finding 5 oldest users of the Instagram from the database.</a:t>
-            </a:r>
-            <a:br>
-              <a:rPr lang="en-IN" sz="1800" dirty="0">
-                <a:solidFill>
-                  <a:schemeClr val="tx1">
-                    <a:lumMod val="85000"/>
-                    <a:lumOff val="15000"/>
-                  </a:schemeClr>
-                </a:solidFill>
-                <a:latin typeface="+mj-lt"/>
-              </a:rPr>
-            </a:br>
+              <a:t>an SQL query to calculate the 7-day rolling average of throughput. Also, explain why you prefer using the daily metric or the 7-day rolling average for throughput.</a:t>
+            </a:r>
             <a:endParaRPr lang="en-IN" sz="2000" dirty="0">
               <a:solidFill>
                 <a:srgbClr val="00B0F0"/>
@@ -23621,7 +24497,7 @@
           <a:p>
             <a:r>
               <a:rPr lang="en-US" dirty="0"/>
-              <a:t>Steps for finding the most loyal users of Instagram (i.e. 5 oldest users) : </a:t>
+              <a:t>Steps for finding the most loyal users of Instagram (i.e., 5 oldest users) : </a:t>
             </a:r>
           </a:p>
           <a:p>
@@ -23630,23 +24506,7 @@
             </a:pPr>
             <a:r>
               <a:rPr lang="en-US" dirty="0"/>
-              <a:t>	Step 1) I have selected the </a:t>
-            </a:r>
-            <a:r>
-              <a:rPr lang="en-US" dirty="0" err="1"/>
-              <a:t>ig_clone</a:t>
-            </a:r>
-            <a:r>
-              <a:rPr lang="en-US" dirty="0"/>
-              <a:t> database for accessing data (use </a:t>
-            </a:r>
-            <a:r>
-              <a:rPr lang="en-US" dirty="0" err="1"/>
-              <a:t>ig_clone</a:t>
-            </a:r>
-            <a:r>
-              <a:rPr lang="en-US" dirty="0"/>
-              <a:t>).</a:t>
+              <a:t>	Step 1) I have selected `operation &amp; metric analytics` database for accessing data.</a:t>
             </a:r>
           </a:p>
           <a:p>
@@ -23655,15 +24515,23 @@
             </a:pPr>
             <a:r>
               <a:rPr lang="en-US" dirty="0"/>
-              <a:t>	Step 2) I have used the data from the users table by selecting the username and </a:t>
+              <a:t>	Step 2) To calculate a number of jobs reviewed per hour we just have to calculate the total number of	             </a:t>
             </a:r>
             <a:r>
               <a:rPr lang="en-US" dirty="0" err="1"/>
-              <a:t>created_at</a:t>
+              <a:t>job_id</a:t>
             </a:r>
             <a:r>
               <a:rPr lang="en-US" dirty="0"/>
-              <a:t> columns.</a:t>
+              <a:t> from </a:t>
+            </a:r>
+            <a:r>
+              <a:rPr lang="en-US" dirty="0" err="1"/>
+              <a:t>job_data</a:t>
+            </a:r>
+            <a:r>
+              <a:rPr lang="en-US" dirty="0"/>
+              <a:t> and then divide it by 24*30.</a:t>
             </a:r>
           </a:p>
           <a:p>
@@ -23672,7 +24540,7 @@
             </a:pPr>
             <a:r>
               <a:rPr lang="en-US" dirty="0"/>
-              <a:t>	Step 3) Then used “IS NOT NULL” command to filter empty usernames.</a:t>
+              <a:t>	Step 3) Using SELECT and COUNT commands I have executed the following Query.</a:t>
             </a:r>
           </a:p>
           <a:p>
@@ -23681,16 +24549,7 @@
             </a:pPr>
             <a:r>
               <a:rPr lang="en-US" dirty="0"/>
-              <a:t>	Step 4) Then used “ORDER BY” command to order the result in ascending order.</a:t>
-            </a:r>
-          </a:p>
-          <a:p>
-            <a:pPr marL="0" indent="0">
-              <a:buNone/>
-            </a:pPr>
-            <a:r>
-              <a:rPr lang="en-US" dirty="0"/>
-              <a:t>	Step 5) Then used “LIMIT” command to select top 5 results.</a:t>
+              <a:t>	Step 4) It is giving an expected output of 0.0111 jobs.</a:t>
             </a:r>
           </a:p>
           <a:p>
@@ -23727,8 +24586,8 @@
         </p:nvSpPr>
         <p:spPr>
           <a:xfrm>
-            <a:off x="4425338" y="117341"/>
-            <a:ext cx="2677425" cy="550438"/>
+            <a:off x="3806237" y="71720"/>
+            <a:ext cx="4655336" cy="550438"/>
           </a:xfrm>
           <a:prstGeom prst="rect">
             <a:avLst/>
@@ -23771,41 +24630,6 @@
       </p:sp>
       <p:sp>
         <p:nvSpPr>
-          <p:cNvPr id="4" name="Footer Placeholder 3">
-            <a:extLst>
-              <a:ext uri="{FF2B5EF4-FFF2-40B4-BE49-F238E27FC236}">
-                <a16:creationId xmlns:a16="http://schemas.microsoft.com/office/drawing/2014/main" id="{5CADA85B-C3A2-FC5A-1070-4AF5622A1D5A}"/>
-              </a:ext>
-            </a:extLst>
-          </p:cNvPr>
-          <p:cNvSpPr>
-            <a:spLocks noGrp="1"/>
-          </p:cNvSpPr>
-          <p:nvPr>
-            <p:ph type="ftr" sz="quarter" idx="11"/>
-          </p:nvPr>
-        </p:nvSpPr>
-        <p:spPr>
-          <a:xfrm>
-            <a:off x="4569691" y="236679"/>
-            <a:ext cx="3200400" cy="274320"/>
-          </a:xfrm>
-        </p:spPr>
-        <p:txBody>
-          <a:bodyPr/>
-          <a:lstStyle/>
-          <a:p>
-            <a:r>
-              <a:rPr lang="en-US" sz="3200" b="1" dirty="0">
-                <a:latin typeface="+mj-lt"/>
-              </a:rPr>
-              <a:t>Marketing</a:t>
-            </a:r>
-          </a:p>
-        </p:txBody>
-      </p:sp>
-      <p:sp>
-        <p:nvSpPr>
           <p:cNvPr id="5" name="Slide Number Placeholder 4">
             <a:extLst>
               <a:ext uri="{FF2B5EF4-FFF2-40B4-BE49-F238E27FC236}">
@@ -23847,8 +24671,8 @@
         </p:nvSpPr>
         <p:spPr>
           <a:xfrm>
-            <a:off x="89090" y="3991626"/>
-            <a:ext cx="11566462" cy="2650538"/>
+            <a:off x="550228" y="3970783"/>
+            <a:ext cx="4925970" cy="2650538"/>
           </a:xfrm>
           <a:prstGeom prst="roundRect">
             <a:avLst/>
@@ -23904,7 +24728,7 @@
         </p:nvSpPr>
         <p:spPr>
           <a:xfrm>
-            <a:off x="295271" y="3666616"/>
+            <a:off x="612153" y="3961048"/>
             <a:ext cx="4492101" cy="369332"/>
           </a:xfrm>
           <a:prstGeom prst="rect">
@@ -23951,8 +24775,8 @@
         </p:nvSpPr>
         <p:spPr>
           <a:xfrm>
-            <a:off x="452761" y="4092479"/>
-            <a:ext cx="10085033" cy="2585323"/>
+            <a:off x="767162" y="4690298"/>
+            <a:ext cx="4492101" cy="1477328"/>
           </a:xfrm>
           <a:prstGeom prst="rect">
             <a:avLst/>
@@ -23960,7 +24784,7 @@
           <a:noFill/>
         </p:spPr>
         <p:txBody>
-          <a:bodyPr wrap="square" numCol="2" rtlCol="0">
+          <a:bodyPr wrap="square" numCol="1" rtlCol="0">
             <a:spAutoFit/>
           </a:bodyPr>
           <a:lstStyle/>
@@ -23971,7 +24795,17 @@
                   <a:srgbClr val="202C8F"/>
                 </a:solidFill>
               </a:rPr>
-              <a:t>use </a:t>
+              <a:t>SELECT </a:t>
+            </a:r>
+          </a:p>
+          <a:p>
+            <a:r>
+              <a:rPr lang="en-US" dirty="0">
+                <a:solidFill>
+                  <a:srgbClr val="202C8F"/>
+                </a:solidFill>
+              </a:rPr>
+              <a:t>    COUNT(</a:t>
             </a:r>
             <a:r>
               <a:rPr lang="en-US" dirty="0" err="1">
@@ -23979,7 +24813,56 @@
                   <a:srgbClr val="202C8F"/>
                 </a:solidFill>
               </a:rPr>
-              <a:t>ig_clone</a:t>
+              <a:t>job_id</a:t>
+            </a:r>
+            <a:r>
+              <a:rPr lang="en-US" dirty="0">
+                <a:solidFill>
+                  <a:srgbClr val="202C8F"/>
+                </a:solidFill>
+              </a:rPr>
+              <a:t>) / (24 * 30) AS </a:t>
+            </a:r>
+            <a:r>
+              <a:rPr lang="en-US" dirty="0" err="1">
+                <a:solidFill>
+                  <a:srgbClr val="202C8F"/>
+                </a:solidFill>
+              </a:rPr>
+              <a:t>No_of_jobs_reviewed</a:t>
+            </a:r>
+            <a:endParaRPr lang="en-US" dirty="0">
+              <a:solidFill>
+                <a:srgbClr val="202C8F"/>
+              </a:solidFill>
+            </a:endParaRPr>
+          </a:p>
+          <a:p>
+            <a:r>
+              <a:rPr lang="en-US" dirty="0">
+                <a:solidFill>
+                  <a:srgbClr val="202C8F"/>
+                </a:solidFill>
+              </a:rPr>
+              <a:t>FROM</a:t>
+            </a:r>
+          </a:p>
+          <a:p>
+            <a:r>
+              <a:rPr lang="en-US" dirty="0">
+                <a:solidFill>
+                  <a:srgbClr val="202C8F"/>
+                </a:solidFill>
+              </a:rPr>
+              <a:t>    </a:t>
+            </a:r>
+            <a:r>
+              <a:rPr lang="en-US" dirty="0" err="1">
+                <a:solidFill>
+                  <a:srgbClr val="202C8F"/>
+                </a:solidFill>
+              </a:rPr>
+              <a:t>job_data</a:t>
             </a:r>
             <a:r>
               <a:rPr lang="en-US" dirty="0">
@@ -23990,135 +24873,372 @@
               <a:t>;</a:t>
             </a:r>
           </a:p>
-          <a:p>
-            <a:r>
-              <a:rPr lang="en-US" dirty="0">
-                <a:solidFill>
-                  <a:srgbClr val="202C8F"/>
-                </a:solidFill>
-              </a:rPr>
-              <a:t>SELECT </a:t>
-            </a:r>
-          </a:p>
-          <a:p>
-            <a:r>
-              <a:rPr lang="en-US" dirty="0">
-                <a:solidFill>
-                  <a:srgbClr val="202C8F"/>
-                </a:solidFill>
-              </a:rPr>
-              <a:t>    username, </a:t>
-            </a:r>
-            <a:r>
-              <a:rPr lang="en-US" dirty="0" err="1">
-                <a:solidFill>
-                  <a:srgbClr val="202C8F"/>
-                </a:solidFill>
-              </a:rPr>
-              <a:t>created_at</a:t>
-            </a:r>
-            <a:endParaRPr lang="en-US" dirty="0">
-              <a:solidFill>
-                <a:srgbClr val="202C8F"/>
-              </a:solidFill>
-            </a:endParaRPr>
-          </a:p>
-          <a:p>
-            <a:r>
-              <a:rPr lang="en-US" dirty="0">
-                <a:solidFill>
-                  <a:srgbClr val="202C8F"/>
-                </a:solidFill>
-              </a:rPr>
-              <a:t>FROM</a:t>
-            </a:r>
-          </a:p>
-          <a:p>
-            <a:r>
-              <a:rPr lang="en-US" dirty="0">
-                <a:solidFill>
-                  <a:srgbClr val="202C8F"/>
-                </a:solidFill>
-              </a:rPr>
-              <a:t>    users</a:t>
-            </a:r>
-          </a:p>
-          <a:p>
-            <a:r>
-              <a:rPr lang="en-US" dirty="0">
-                <a:solidFill>
-                  <a:srgbClr val="202C8F"/>
-                </a:solidFill>
-              </a:rPr>
-              <a:t>WHERE</a:t>
-            </a:r>
-          </a:p>
-          <a:p>
-            <a:r>
-              <a:rPr lang="en-US" dirty="0">
-                <a:solidFill>
-                  <a:srgbClr val="202C8F"/>
-                </a:solidFill>
-              </a:rPr>
-              <a:t>    username IS NOT NULL</a:t>
-            </a:r>
-          </a:p>
-          <a:p>
-            <a:r>
-              <a:rPr lang="en-US" dirty="0">
-                <a:solidFill>
-                  <a:srgbClr val="202C8F"/>
-                </a:solidFill>
-              </a:rPr>
-              <a:t>ORDER BY </a:t>
-            </a:r>
-            <a:r>
-              <a:rPr lang="en-US" dirty="0" err="1">
-                <a:solidFill>
-                  <a:srgbClr val="202C8F"/>
-                </a:solidFill>
-              </a:rPr>
-              <a:t>created_at</a:t>
-            </a:r>
-            <a:r>
-              <a:rPr lang="en-US" dirty="0">
-                <a:solidFill>
-                  <a:srgbClr val="202C8F"/>
-                </a:solidFill>
-              </a:rPr>
-              <a:t> ASC</a:t>
-            </a:r>
-          </a:p>
-          <a:p>
-            <a:r>
-              <a:rPr lang="en-US" dirty="0">
-                <a:solidFill>
-                  <a:srgbClr val="202C8F"/>
-                </a:solidFill>
-              </a:rPr>
-              <a:t>LIMIT 5;</a:t>
-            </a:r>
-          </a:p>
-          <a:p>
-            <a:endParaRPr lang="en-US" dirty="0">
-              <a:solidFill>
-                <a:srgbClr val="202C8F"/>
-              </a:solidFill>
-            </a:endParaRPr>
-          </a:p>
-          <a:p>
-            <a:endParaRPr lang="en-IN" dirty="0">
-              <a:solidFill>
-                <a:srgbClr val="202C8F"/>
-              </a:solidFill>
-            </a:endParaRPr>
-          </a:p>
         </p:txBody>
       </p:sp>
+      <p:sp>
+        <p:nvSpPr>
+          <p:cNvPr id="8" name="Footer Placeholder 3">
+            <a:extLst>
+              <a:ext uri="{FF2B5EF4-FFF2-40B4-BE49-F238E27FC236}">
+                <a16:creationId xmlns:a16="http://schemas.microsoft.com/office/drawing/2014/main" id="{9F0327CF-462F-CD26-04EC-539F0F589D1E}"/>
+              </a:ext>
+            </a:extLst>
+          </p:cNvPr>
+          <p:cNvSpPr>
+            <a:spLocks noGrp="1"/>
+          </p:cNvSpPr>
+          <p:nvPr>
+            <p:ph type="ftr" sz="quarter" idx="11"/>
+          </p:nvPr>
+        </p:nvSpPr>
+        <p:spPr>
+          <a:xfrm>
+            <a:off x="3896142" y="236679"/>
+            <a:ext cx="4565431" cy="220521"/>
+          </a:xfrm>
+        </p:spPr>
+        <p:txBody>
+          <a:bodyPr/>
+          <a:lstStyle/>
+          <a:p>
+            <a:r>
+              <a:rPr lang="en-US" sz="3200" b="1" dirty="0">
+                <a:latin typeface="+mj-lt"/>
+              </a:rPr>
+              <a:t>Job Data Analytics</a:t>
+            </a:r>
+          </a:p>
+        </p:txBody>
+      </p:sp>
+      <p:sp>
+        <p:nvSpPr>
+          <p:cNvPr id="11" name="Content Placeholder 2">
+            <a:extLst>
+              <a:ext uri="{FF2B5EF4-FFF2-40B4-BE49-F238E27FC236}">
+                <a16:creationId xmlns:a16="http://schemas.microsoft.com/office/drawing/2014/main" id="{9A7F18C8-B538-C611-48DC-704C562B0028}"/>
+              </a:ext>
+            </a:extLst>
+          </p:cNvPr>
+          <p:cNvSpPr txBox="1">
+            <a:spLocks/>
+          </p:cNvSpPr>
+          <p:nvPr/>
+        </p:nvSpPr>
+        <p:spPr>
+          <a:xfrm>
+            <a:off x="7087747" y="4202223"/>
+            <a:ext cx="11119104" cy="1714173"/>
+          </a:xfrm>
+          <a:prstGeom prst="rect">
+            <a:avLst/>
+          </a:prstGeom>
+        </p:spPr>
+        <p:txBody>
+          <a:bodyPr vert="horz" lIns="91440" tIns="45720" rIns="91440" bIns="45720" rtlCol="0">
+            <a:noAutofit/>
+          </a:bodyPr>
+          <a:lstStyle>
+            <a:lvl1pPr marL="347472" indent="-347472" algn="l" defTabSz="914400" rtl="0" eaLnBrk="1" latinLnBrk="0" hangingPunct="1">
+              <a:lnSpc>
+                <a:spcPct val="100000"/>
+              </a:lnSpc>
+              <a:spcBef>
+                <a:spcPts val="360"/>
+              </a:spcBef>
+              <a:buFont typeface="Arial" panose="020B0604020202020204" pitchFamily="34" charset="0"/>
+              <a:buChar char="•"/>
+              <a:defRPr sz="1800" kern="1200">
+                <a:solidFill>
+                  <a:schemeClr val="accent6"/>
+                </a:solidFill>
+                <a:latin typeface="+mn-lt"/>
+                <a:ea typeface="+mn-ea"/>
+                <a:cs typeface="+mn-cs"/>
+              </a:defRPr>
+            </a:lvl1pPr>
+            <a:lvl2pPr marL="685800" indent="-347472" algn="l" defTabSz="914400" rtl="0" eaLnBrk="1" latinLnBrk="0" hangingPunct="1">
+              <a:lnSpc>
+                <a:spcPct val="100000"/>
+              </a:lnSpc>
+              <a:spcBef>
+                <a:spcPts val="360"/>
+              </a:spcBef>
+              <a:buFont typeface="Arial" panose="020B0604020202020204" pitchFamily="34" charset="0"/>
+              <a:buChar char="•"/>
+              <a:defRPr sz="1600" kern="1200">
+                <a:solidFill>
+                  <a:schemeClr val="accent6"/>
+                </a:solidFill>
+                <a:latin typeface="+mn-lt"/>
+                <a:ea typeface="+mn-ea"/>
+                <a:cs typeface="+mn-cs"/>
+              </a:defRPr>
+            </a:lvl2pPr>
+            <a:lvl3pPr marL="1143000" indent="-347472" algn="l" defTabSz="914400" rtl="0" eaLnBrk="1" latinLnBrk="0" hangingPunct="1">
+              <a:lnSpc>
+                <a:spcPct val="100000"/>
+              </a:lnSpc>
+              <a:spcBef>
+                <a:spcPts val="360"/>
+              </a:spcBef>
+              <a:buFont typeface="Arial" panose="020B0604020202020204" pitchFamily="34" charset="0"/>
+              <a:buChar char="•"/>
+              <a:defRPr sz="1400" kern="1200">
+                <a:solidFill>
+                  <a:schemeClr val="accent6"/>
+                </a:solidFill>
+                <a:latin typeface="+mn-lt"/>
+                <a:ea typeface="+mn-ea"/>
+                <a:cs typeface="+mn-cs"/>
+              </a:defRPr>
+            </a:lvl3pPr>
+            <a:lvl4pPr marL="1600200" indent="-347472" algn="l" defTabSz="914400" rtl="0" eaLnBrk="1" latinLnBrk="0" hangingPunct="1">
+              <a:lnSpc>
+                <a:spcPct val="100000"/>
+              </a:lnSpc>
+              <a:spcBef>
+                <a:spcPts val="360"/>
+              </a:spcBef>
+              <a:buFont typeface="Arial" panose="020B0604020202020204" pitchFamily="34" charset="0"/>
+              <a:buChar char="•"/>
+              <a:defRPr sz="1200" kern="1200">
+                <a:solidFill>
+                  <a:schemeClr val="accent6"/>
+                </a:solidFill>
+                <a:latin typeface="+mn-lt"/>
+                <a:ea typeface="+mn-ea"/>
+                <a:cs typeface="+mn-cs"/>
+              </a:defRPr>
+            </a:lvl4pPr>
+            <a:lvl5pPr marL="2057400" indent="-347472" algn="l" defTabSz="914400" rtl="0" eaLnBrk="1" latinLnBrk="0" hangingPunct="1">
+              <a:lnSpc>
+                <a:spcPct val="100000"/>
+              </a:lnSpc>
+              <a:spcBef>
+                <a:spcPts val="360"/>
+              </a:spcBef>
+              <a:buFont typeface="Arial" panose="020B0604020202020204" pitchFamily="34" charset="0"/>
+              <a:buChar char="•"/>
+              <a:defRPr sz="1200" kern="1200">
+                <a:solidFill>
+                  <a:schemeClr val="accent6"/>
+                </a:solidFill>
+                <a:latin typeface="+mn-lt"/>
+                <a:ea typeface="+mn-ea"/>
+                <a:cs typeface="+mn-cs"/>
+              </a:defRPr>
+            </a:lvl5pPr>
+            <a:lvl6pPr marL="2514600" indent="-228600" algn="l" defTabSz="914400" rtl="0" eaLnBrk="1" latinLnBrk="0" hangingPunct="1">
+              <a:lnSpc>
+                <a:spcPct val="90000"/>
+              </a:lnSpc>
+              <a:spcBef>
+                <a:spcPts val="500"/>
+              </a:spcBef>
+              <a:buFont typeface="Arial" panose="020B0604020202020204" pitchFamily="34" charset="0"/>
+              <a:buChar char="•"/>
+              <a:defRPr sz="1800" kern="1200">
+                <a:solidFill>
+                  <a:schemeClr val="tx1"/>
+                </a:solidFill>
+                <a:latin typeface="+mn-lt"/>
+                <a:ea typeface="+mn-ea"/>
+                <a:cs typeface="+mn-cs"/>
+              </a:defRPr>
+            </a:lvl6pPr>
+            <a:lvl7pPr marL="2971800" indent="-228600" algn="l" defTabSz="914400" rtl="0" eaLnBrk="1" latinLnBrk="0" hangingPunct="1">
+              <a:lnSpc>
+                <a:spcPct val="90000"/>
+              </a:lnSpc>
+              <a:spcBef>
+                <a:spcPts val="500"/>
+              </a:spcBef>
+              <a:buFont typeface="Arial" panose="020B0604020202020204" pitchFamily="34" charset="0"/>
+              <a:buChar char="•"/>
+              <a:defRPr sz="1800" kern="1200">
+                <a:solidFill>
+                  <a:schemeClr val="tx1"/>
+                </a:solidFill>
+                <a:latin typeface="+mn-lt"/>
+                <a:ea typeface="+mn-ea"/>
+                <a:cs typeface="+mn-cs"/>
+              </a:defRPr>
+            </a:lvl7pPr>
+            <a:lvl8pPr marL="3429000" indent="-228600" algn="l" defTabSz="914400" rtl="0" eaLnBrk="1" latinLnBrk="0" hangingPunct="1">
+              <a:lnSpc>
+                <a:spcPct val="90000"/>
+              </a:lnSpc>
+              <a:spcBef>
+                <a:spcPts val="500"/>
+              </a:spcBef>
+              <a:buFont typeface="Arial" panose="020B0604020202020204" pitchFamily="34" charset="0"/>
+              <a:buChar char="•"/>
+              <a:defRPr sz="1800" kern="1200">
+                <a:solidFill>
+                  <a:schemeClr val="tx1"/>
+                </a:solidFill>
+                <a:latin typeface="+mn-lt"/>
+                <a:ea typeface="+mn-ea"/>
+                <a:cs typeface="+mn-cs"/>
+              </a:defRPr>
+            </a:lvl8pPr>
+            <a:lvl9pPr marL="3886200" indent="-228600" algn="l" defTabSz="914400" rtl="0" eaLnBrk="1" latinLnBrk="0" hangingPunct="1">
+              <a:lnSpc>
+                <a:spcPct val="90000"/>
+              </a:lnSpc>
+              <a:spcBef>
+                <a:spcPts val="500"/>
+              </a:spcBef>
+              <a:buFont typeface="Arial" panose="020B0604020202020204" pitchFamily="34" charset="0"/>
+              <a:buChar char="•"/>
+              <a:defRPr sz="1800" kern="1200">
+                <a:solidFill>
+                  <a:schemeClr val="tx1"/>
+                </a:solidFill>
+                <a:latin typeface="+mn-lt"/>
+                <a:ea typeface="+mn-ea"/>
+                <a:cs typeface="+mn-cs"/>
+              </a:defRPr>
+            </a:lvl9pPr>
+          </a:lstStyle>
+          <a:p>
+            <a:pPr marL="0" indent="0">
+              <a:buFont typeface="Arial" panose="020B0604020202020204" pitchFamily="34" charset="0"/>
+              <a:buNone/>
+            </a:pPr>
+            <a:r>
+              <a:rPr lang="en-US" sz="2200" b="1" u="sng" dirty="0">
+                <a:solidFill>
+                  <a:schemeClr val="tx1"/>
+                </a:solidFill>
+                <a:highlight>
+                  <a:srgbClr val="AAC4E9"/>
+                </a:highlight>
+              </a:rPr>
+              <a:t>Output/Result Table :</a:t>
+            </a:r>
+          </a:p>
+          <a:p>
+            <a:pPr marL="0" indent="0">
+              <a:buFont typeface="Arial" panose="020B0604020202020204" pitchFamily="34" charset="0"/>
+              <a:buNone/>
+            </a:pPr>
+            <a:endParaRPr lang="en-US" dirty="0"/>
+          </a:p>
+        </p:txBody>
+      </p:sp>
+      <p:graphicFrame>
+        <p:nvGraphicFramePr>
+          <p:cNvPr id="13" name="Table 13">
+            <a:extLst>
+              <a:ext uri="{FF2B5EF4-FFF2-40B4-BE49-F238E27FC236}">
+                <a16:creationId xmlns:a16="http://schemas.microsoft.com/office/drawing/2014/main" id="{FAD57E59-0114-92B8-37C2-3D6334A4156B}"/>
+              </a:ext>
+            </a:extLst>
+          </p:cNvPr>
+          <p:cNvGraphicFramePr>
+            <a:graphicFrameLocks noGrp="1"/>
+          </p:cNvGraphicFramePr>
+          <p:nvPr/>
+        </p:nvGraphicFramePr>
+        <p:xfrm>
+          <a:off x="6242821" y="4892651"/>
+          <a:ext cx="4571343" cy="1280160"/>
+        </p:xfrm>
+        <a:graphic>
+          <a:graphicData uri="http://schemas.openxmlformats.org/drawingml/2006/table">
+            <a:tbl>
+              <a:tblPr firstRow="1" bandRow="1">
+                <a:tableStyleId>{5C22544A-7EE6-4342-B048-85BDC9FD1C3A}</a:tableStyleId>
+              </a:tblPr>
+              <a:tblGrid>
+                <a:gridCol w="4571343">
+                  <a:extLst>
+                    <a:ext uri="{9D8B030D-6E8A-4147-A177-3AD203B41FA5}">
+                      <a16:colId xmlns:a16="http://schemas.microsoft.com/office/drawing/2014/main" val="2762836795"/>
+                    </a:ext>
+                  </a:extLst>
+                </a:gridCol>
+              </a:tblGrid>
+              <a:tr h="370840">
+                <a:tc>
+                  <a:txBody>
+                    <a:bodyPr/>
+                    <a:lstStyle/>
+                    <a:p>
+                      <a:pPr marL="0" marR="0" lvl="0" indent="0" algn="ctr" defTabSz="914400" rtl="0" eaLnBrk="1" fontAlgn="auto" latinLnBrk="0" hangingPunct="1">
+                        <a:lnSpc>
+                          <a:spcPct val="100000"/>
+                        </a:lnSpc>
+                        <a:spcBef>
+                          <a:spcPts val="0"/>
+                        </a:spcBef>
+                        <a:spcAft>
+                          <a:spcPts val="0"/>
+                        </a:spcAft>
+                        <a:buClrTx/>
+                        <a:buSzTx/>
+                        <a:buFontTx/>
+                        <a:buNone/>
+                        <a:tabLst/>
+                        <a:defRPr/>
+                      </a:pPr>
+                      <a:r>
+                        <a:rPr lang="en-US" sz="2400" dirty="0" err="1">
+                          <a:solidFill>
+                            <a:srgbClr val="202C8F"/>
+                          </a:solidFill>
+                        </a:rPr>
+                        <a:t>No_of_jobs_reviewed</a:t>
+                      </a:r>
+                      <a:endParaRPr lang="en-US" sz="2400" dirty="0">
+                        <a:solidFill>
+                          <a:srgbClr val="202C8F"/>
+                        </a:solidFill>
+                      </a:endParaRPr>
+                    </a:p>
+                    <a:p>
+                      <a:endParaRPr lang="en-IN" sz="2400" dirty="0"/>
+                    </a:p>
+                  </a:txBody>
+                  <a:tcPr/>
+                </a:tc>
+                <a:extLst>
+                  <a:ext uri="{0D108BD9-81ED-4DB2-BD59-A6C34878D82A}">
+                    <a16:rowId xmlns:a16="http://schemas.microsoft.com/office/drawing/2014/main" val="2632110853"/>
+                  </a:ext>
+                </a:extLst>
+              </a:tr>
+              <a:tr h="370840">
+                <a:tc>
+                  <a:txBody>
+                    <a:bodyPr/>
+                    <a:lstStyle/>
+                    <a:p>
+                      <a:pPr algn="ctr"/>
+                      <a:r>
+                        <a:rPr lang="en-US" sz="2400" dirty="0"/>
+                        <a:t>0.0111</a:t>
+                      </a:r>
+                      <a:endParaRPr lang="en-IN" sz="2400" dirty="0"/>
+                    </a:p>
+                  </a:txBody>
+                  <a:tcPr/>
+                </a:tc>
+                <a:extLst>
+                  <a:ext uri="{0D108BD9-81ED-4DB2-BD59-A6C34878D82A}">
+                    <a16:rowId xmlns:a16="http://schemas.microsoft.com/office/drawing/2014/main" val="630753553"/>
+                  </a:ext>
+                </a:extLst>
+              </a:tr>
+            </a:tbl>
+          </a:graphicData>
+        </a:graphic>
+      </p:graphicFrame>
     </p:spTree>
     <p:extLst>
       <p:ext uri="{BB962C8B-B14F-4D97-AF65-F5344CB8AC3E}">
-        <p14:creationId xmlns:p14="http://schemas.microsoft.com/office/powerpoint/2010/main" val="3180329487"/>
+        <p14:creationId xmlns:p14="http://schemas.microsoft.com/office/powerpoint/2010/main" val="2842444470"/>
       </p:ext>
     </p:extLst>
   </p:cSld>
@@ -28276,59 +29396,10 @@
       </p:grpSpPr>
       <p:sp>
         <p:nvSpPr>
-          <p:cNvPr id="7" name="Rectangle 6">
-            <a:extLst>
-              <a:ext uri="{FF2B5EF4-FFF2-40B4-BE49-F238E27FC236}">
-                <a16:creationId xmlns:a16="http://schemas.microsoft.com/office/drawing/2014/main" id="{9188DFD6-2733-9425-D029-39399B4E550D}"/>
-              </a:ext>
-            </a:extLst>
-          </p:cNvPr>
-          <p:cNvSpPr/>
-          <p:nvPr/>
-        </p:nvSpPr>
-        <p:spPr>
-          <a:xfrm>
-            <a:off x="552723" y="728437"/>
-            <a:ext cx="11242113" cy="795564"/>
-          </a:xfrm>
-          <a:prstGeom prst="rect">
-            <a:avLst/>
-          </a:prstGeom>
-          <a:solidFill>
-            <a:srgbClr val="AAC4E9"/>
-          </a:solidFill>
-        </p:spPr>
-        <p:style>
-          <a:lnRef idx="2">
-            <a:schemeClr val="accent1">
-              <a:shade val="15000"/>
-            </a:schemeClr>
-          </a:lnRef>
-          <a:fillRef idx="1">
-            <a:schemeClr val="accent1"/>
-          </a:fillRef>
-          <a:effectRef idx="0">
-            <a:schemeClr val="accent1"/>
-          </a:effectRef>
-          <a:fontRef idx="minor">
-            <a:schemeClr val="lt1"/>
-          </a:fontRef>
-        </p:style>
-        <p:txBody>
-          <a:bodyPr rtlCol="0" anchor="ctr"/>
-          <a:lstStyle/>
-          <a:p>
-            <a:pPr algn="ctr"/>
-            <a:endParaRPr lang="en-IN" dirty="0"/>
-          </a:p>
-        </p:txBody>
-      </p:sp>
-      <p:sp>
-        <p:nvSpPr>
           <p:cNvPr id="2" name="Title 1">
             <a:extLst>
               <a:ext uri="{FF2B5EF4-FFF2-40B4-BE49-F238E27FC236}">
-                <a16:creationId xmlns:a16="http://schemas.microsoft.com/office/drawing/2014/main" id="{B4B3367A-E398-B7CE-074D-4A6E1F9F17E6}"/>
+                <a16:creationId xmlns:a16="http://schemas.microsoft.com/office/drawing/2014/main" id="{D53B219B-7E3A-7E84-6386-37313F0CFB09}"/>
               </a:ext>
             </a:extLst>
           </p:cNvPr>
@@ -28341,50 +29412,33 @@
         </p:nvSpPr>
         <p:spPr>
           <a:xfrm>
-            <a:off x="552723" y="667779"/>
-            <a:ext cx="11380197" cy="922027"/>
+            <a:off x="2895600" y="2455075"/>
+            <a:ext cx="6400800" cy="1392995"/>
           </a:xfrm>
         </p:spPr>
         <p:txBody>
           <a:bodyPr/>
           <a:lstStyle/>
           <a:p>
-            <a:pPr algn="l"/>
-            <a:r>
-              <a:rPr lang="en-US" sz="2000" u="sng" dirty="0">
+            <a:r>
+              <a:rPr lang="en-US" sz="4400" b="1" dirty="0">
                 <a:solidFill>
-                  <a:srgbClr val="DF8C8C"/>
+                  <a:schemeClr val="accent6"/>
                 </a:solidFill>
+                <a:latin typeface="Arial Black" panose="020B0604020202020204" pitchFamily="34" charset="0"/>
+                <a:cs typeface="Arial Black" panose="020B0604020202020204" pitchFamily="34" charset="0"/>
               </a:rPr>
-              <a:t>Hashtag Researching : </a:t>
-            </a:r>
-            <a:r>
-              <a:rPr lang="en-US" sz="1600" b="0" i="0" dirty="0">
-                <a:solidFill>
-                  <a:schemeClr val="tx1">
-                    <a:lumMod val="85000"/>
-                    <a:lumOff val="15000"/>
-                  </a:schemeClr>
-                </a:solidFill>
-                <a:effectLst/>
-                <a:latin typeface="+mj-lt"/>
-              </a:rPr>
-              <a:t>A partner brand wants to know, which hashtags to use in the post to reach the most people on the platform. Thus, finding the top 5 most commonly used hashtags on the platform.</a:t>
-            </a:r>
-            <a:endParaRPr lang="en-IN" sz="2000" dirty="0">
-              <a:solidFill>
-                <a:srgbClr val="00B0F0"/>
-              </a:solidFill>
-            </a:endParaRPr>
+              <a:t>marketing</a:t>
+            </a:r>
           </a:p>
         </p:txBody>
       </p:sp>
       <p:sp>
         <p:nvSpPr>
-          <p:cNvPr id="3" name="Content Placeholder 2">
+          <p:cNvPr id="3" name="Text Placeholder 2">
             <a:extLst>
               <a:ext uri="{FF2B5EF4-FFF2-40B4-BE49-F238E27FC236}">
-                <a16:creationId xmlns:a16="http://schemas.microsoft.com/office/drawing/2014/main" id="{14040B9D-6C90-E727-B66B-09BC523F9813}"/>
+                <a16:creationId xmlns:a16="http://schemas.microsoft.com/office/drawing/2014/main" id="{A2E339BF-E6D7-DD0E-AF02-6813852EE723}"/>
               </a:ext>
             </a:extLst>
           </p:cNvPr>
@@ -28392,512 +29446,59 @@
             <a:spLocks noGrp="1"/>
           </p:cNvSpPr>
           <p:nvPr>
-            <p:ph sz="half" idx="1"/>
+            <p:ph type="body" idx="1"/>
           </p:nvPr>
         </p:nvSpPr>
         <p:spPr>
           <a:xfrm>
-            <a:off x="536448" y="1650464"/>
-            <a:ext cx="11119104" cy="1714173"/>
+            <a:off x="2659387" y="3243989"/>
+            <a:ext cx="6400800" cy="512064"/>
           </a:xfrm>
         </p:spPr>
         <p:txBody>
           <a:bodyPr/>
           <a:lstStyle/>
           <a:p>
-            <a:r>
-              <a:rPr lang="en-US" dirty="0"/>
-              <a:t>Steps for Hashtag Researching.(i.e. finding top 5 most used hashtags on Instagram.) : </a:t>
-            </a:r>
-          </a:p>
-          <a:p>
-            <a:pPr marL="0" indent="0">
-              <a:buNone/>
-            </a:pPr>
-            <a:r>
-              <a:rPr lang="en-US" dirty="0"/>
-              <a:t>	Step 1) I have selected ‘</a:t>
-            </a:r>
-            <a:r>
-              <a:rPr lang="en-US" dirty="0" err="1"/>
-              <a:t>tag_id</a:t>
-            </a:r>
-            <a:r>
-              <a:rPr lang="en-US" dirty="0"/>
-              <a:t>’ column from ‘</a:t>
-            </a:r>
-            <a:r>
-              <a:rPr lang="en-US" dirty="0" err="1"/>
-              <a:t>photo_tags</a:t>
-            </a:r>
-            <a:r>
-              <a:rPr lang="en-US" dirty="0"/>
-              <a:t>’ table &amp; ‘</a:t>
-            </a:r>
-            <a:r>
-              <a:rPr lang="en-US" dirty="0" err="1"/>
-              <a:t>tag_name</a:t>
-            </a:r>
-            <a:r>
-              <a:rPr lang="en-US" dirty="0"/>
-              <a:t>’ column from ‘tags’ table.</a:t>
-            </a:r>
-          </a:p>
-          <a:p>
-            <a:pPr marL="0" indent="0">
-              <a:buNone/>
-            </a:pPr>
-            <a:r>
-              <a:rPr lang="en-US" dirty="0"/>
-              <a:t>	Step 2) Then I used COUNT function to count the total number of tags in the table.</a:t>
-            </a:r>
-          </a:p>
-          <a:p>
-            <a:pPr marL="0" indent="0">
-              <a:buNone/>
-            </a:pPr>
-            <a:r>
-              <a:rPr lang="en-US" dirty="0"/>
-              <a:t>	Step 3) Then I have performed INNER JOIN on the both tables as “photo_tags.tag_id = tags.id”.</a:t>
-            </a:r>
-          </a:p>
-          <a:p>
-            <a:pPr marL="0" indent="0">
-              <a:buNone/>
-            </a:pPr>
-            <a:r>
-              <a:rPr lang="en-US" dirty="0"/>
-              <a:t>	Step 4) I used GROUP BY command to group the tags in the table.</a:t>
-            </a:r>
-          </a:p>
-          <a:p>
-            <a:pPr marL="0" indent="0">
-              <a:buNone/>
-            </a:pPr>
-            <a:r>
-              <a:rPr lang="en-US" dirty="0"/>
-              <a:t>	Step 5)Then ordered those tags by TOTAL in descending order. Then using LIMIT command I got the 	            top 5 most used hashtags.</a:t>
-            </a:r>
-          </a:p>
-          <a:p>
-            <a:pPr marL="0" indent="0">
-              <a:buNone/>
-            </a:pPr>
-            <a:endParaRPr lang="en-US" dirty="0"/>
-          </a:p>
-          <a:p>
-            <a:pPr marL="0" indent="0">
-              <a:buNone/>
-            </a:pPr>
-            <a:endParaRPr lang="en-US" dirty="0"/>
-          </a:p>
-        </p:txBody>
-      </p:sp>
-      <p:sp>
-        <p:nvSpPr>
-          <p:cNvPr id="6" name="Rectangle 5">
-            <a:extLst>
-              <a:ext uri="{FF2B5EF4-FFF2-40B4-BE49-F238E27FC236}">
-                <a16:creationId xmlns:a16="http://schemas.microsoft.com/office/drawing/2014/main" id="{C1F076FB-8F7F-3119-0F15-4A9EFE7EE5F1}"/>
-              </a:ext>
-            </a:extLst>
-          </p:cNvPr>
-          <p:cNvSpPr/>
-          <p:nvPr/>
-        </p:nvSpPr>
-        <p:spPr>
-          <a:xfrm>
-            <a:off x="4425338" y="117341"/>
-            <a:ext cx="2677425" cy="550438"/>
-          </a:xfrm>
-          <a:prstGeom prst="rect">
-            <a:avLst/>
-          </a:prstGeom>
-          <a:solidFill>
-            <a:srgbClr val="F5CDCE"/>
-          </a:solidFill>
-          <a:scene3d>
-            <a:camera prst="orthographicFront"/>
-            <a:lightRig rig="threePt" dir="t"/>
-          </a:scene3d>
-          <a:sp3d>
-            <a:bevelT w="165100" prst="coolSlant"/>
-          </a:sp3d>
-        </p:spPr>
-        <p:style>
-          <a:lnRef idx="2">
-            <a:schemeClr val="accent1">
-              <a:shade val="15000"/>
-            </a:schemeClr>
-          </a:lnRef>
-          <a:fillRef idx="1">
-            <a:schemeClr val="accent1"/>
-          </a:fillRef>
-          <a:effectRef idx="0">
-            <a:schemeClr val="accent1"/>
-          </a:effectRef>
-          <a:fontRef idx="minor">
-            <a:schemeClr val="lt1"/>
-          </a:fontRef>
-        </p:style>
-        <p:txBody>
-          <a:bodyPr rtlCol="0" anchor="ctr"/>
-          <a:lstStyle/>
-          <a:p>
-            <a:pPr algn="ctr"/>
-            <a:endParaRPr lang="en-IN"/>
-          </a:p>
-        </p:txBody>
-      </p:sp>
-      <p:sp>
-        <p:nvSpPr>
-          <p:cNvPr id="4" name="Footer Placeholder 3">
-            <a:extLst>
-              <a:ext uri="{FF2B5EF4-FFF2-40B4-BE49-F238E27FC236}">
-                <a16:creationId xmlns:a16="http://schemas.microsoft.com/office/drawing/2014/main" id="{5CADA85B-C3A2-FC5A-1070-4AF5622A1D5A}"/>
-              </a:ext>
-            </a:extLst>
-          </p:cNvPr>
-          <p:cNvSpPr>
-            <a:spLocks noGrp="1"/>
-          </p:cNvSpPr>
-          <p:nvPr>
-            <p:ph type="ftr" sz="quarter" idx="11"/>
-          </p:nvPr>
-        </p:nvSpPr>
-        <p:spPr>
-          <a:xfrm>
-            <a:off x="4569691" y="236679"/>
-            <a:ext cx="3200400" cy="274320"/>
-          </a:xfrm>
-        </p:spPr>
-        <p:txBody>
-          <a:bodyPr/>
-          <a:lstStyle/>
-          <a:p>
-            <a:r>
-              <a:rPr lang="en-US" sz="3200" b="1" dirty="0">
-                <a:latin typeface="+mj-lt"/>
-              </a:rPr>
-              <a:t>Marketing</a:t>
-            </a:r>
-          </a:p>
-        </p:txBody>
-      </p:sp>
-      <p:sp>
-        <p:nvSpPr>
-          <p:cNvPr id="5" name="Slide Number Placeholder 4">
-            <a:extLst>
-              <a:ext uri="{FF2B5EF4-FFF2-40B4-BE49-F238E27FC236}">
-                <a16:creationId xmlns:a16="http://schemas.microsoft.com/office/drawing/2014/main" id="{8F7B6822-5084-6171-ECBD-CA814C69D183}"/>
-              </a:ext>
-            </a:extLst>
-          </p:cNvPr>
-          <p:cNvSpPr>
-            <a:spLocks noGrp="1"/>
-          </p:cNvSpPr>
-          <p:nvPr>
-            <p:ph type="sldNum" sz="quarter" idx="12"/>
-          </p:nvPr>
-        </p:nvSpPr>
-        <p:spPr/>
-        <p:txBody>
-          <a:bodyPr/>
-          <a:lstStyle/>
-          <a:p>
-            <a:fld id="{48F63A3B-78C7-47BE-AE5E-E10140E04643}" type="slidenum">
-              <a:rPr lang="en-US" smtClean="0"/>
-              <a:t>17</a:t>
-            </a:fld>
-            <a:endParaRPr lang="en-US" dirty="0"/>
-          </a:p>
-        </p:txBody>
-      </p:sp>
-      <p:sp>
-        <p:nvSpPr>
-          <p:cNvPr id="9" name="Rectangle: Rounded Corners 8">
-            <a:extLst>
-              <a:ext uri="{FF2B5EF4-FFF2-40B4-BE49-F238E27FC236}">
-                <a16:creationId xmlns:a16="http://schemas.microsoft.com/office/drawing/2014/main" id="{2CF20CC9-103C-611F-3BEA-37C975AA9957}"/>
-              </a:ext>
-            </a:extLst>
-          </p:cNvPr>
-          <p:cNvSpPr/>
-          <p:nvPr/>
-        </p:nvSpPr>
-        <p:spPr>
-          <a:xfrm>
-            <a:off x="432271" y="4392358"/>
-            <a:ext cx="10889314" cy="2310679"/>
-          </a:xfrm>
-          <a:prstGeom prst="roundRect">
-            <a:avLst/>
-          </a:prstGeom>
-          <a:effectLst>
-            <a:outerShdw blurRad="152400" dist="317500" dir="5400000" sx="90000" sy="-19000" rotWithShape="0">
-              <a:prstClr val="black">
-                <a:alpha val="15000"/>
-              </a:prstClr>
-            </a:outerShdw>
-          </a:effectLst>
-        </p:spPr>
-        <p:style>
-          <a:lnRef idx="2">
-            <a:schemeClr val="accent1">
-              <a:shade val="15000"/>
-            </a:schemeClr>
-          </a:lnRef>
-          <a:fillRef idx="1">
-            <a:schemeClr val="accent1"/>
-          </a:fillRef>
-          <a:effectRef idx="0">
-            <a:schemeClr val="accent1"/>
-          </a:effectRef>
-          <a:fontRef idx="minor">
-            <a:schemeClr val="lt1"/>
-          </a:fontRef>
-        </p:style>
-        <p:txBody>
-          <a:bodyPr rtlCol="0" anchor="ctr"/>
-          <a:lstStyle/>
-          <a:p>
-            <a:pPr algn="ctr"/>
-            <a:endParaRPr lang="en-IN"/>
-          </a:p>
-        </p:txBody>
-      </p:sp>
-      <p:sp>
-        <p:nvSpPr>
-          <p:cNvPr id="10" name="TextBox 9">
-            <a:extLst>
-              <a:ext uri="{FF2B5EF4-FFF2-40B4-BE49-F238E27FC236}">
-                <a16:creationId xmlns:a16="http://schemas.microsoft.com/office/drawing/2014/main" id="{42E07593-0F8D-90BE-5E8E-3609076B7CCC}"/>
-              </a:ext>
-            </a:extLst>
-          </p:cNvPr>
-          <p:cNvSpPr txBox="1"/>
-          <p:nvPr/>
-        </p:nvSpPr>
-        <p:spPr>
-          <a:xfrm>
-            <a:off x="552723" y="4007173"/>
-            <a:ext cx="4492101" cy="369332"/>
-          </a:xfrm>
-          <a:prstGeom prst="rect">
-            <a:avLst/>
-          </a:prstGeom>
-          <a:noFill/>
-        </p:spPr>
-        <p:txBody>
-          <a:bodyPr wrap="square" rtlCol="0">
-            <a:spAutoFit/>
-          </a:bodyPr>
-          <a:lstStyle/>
-          <a:p>
-            <a:r>
-              <a:rPr lang="en-US" b="1" u="sng" dirty="0">
-                <a:highlight>
-                  <a:srgbClr val="AAC4E9"/>
-                </a:highlight>
-              </a:rPr>
-              <a:t>Query/Program</a:t>
-            </a:r>
-            <a:r>
-              <a:rPr lang="en-IN" b="1" u="sng" dirty="0">
-                <a:highlight>
-                  <a:srgbClr val="AAC4E9"/>
-                </a:highlight>
-              </a:rPr>
-              <a:t> :</a:t>
-            </a:r>
-          </a:p>
-        </p:txBody>
-      </p:sp>
-      <p:sp>
-        <p:nvSpPr>
-          <p:cNvPr id="8" name="TextBox 7">
-            <a:extLst>
-              <a:ext uri="{FF2B5EF4-FFF2-40B4-BE49-F238E27FC236}">
-                <a16:creationId xmlns:a16="http://schemas.microsoft.com/office/drawing/2014/main" id="{C0A1B21E-B1D4-64D7-1267-5B15DD3D22B7}"/>
-              </a:ext>
-            </a:extLst>
-          </p:cNvPr>
-          <p:cNvSpPr txBox="1"/>
-          <p:nvPr/>
-        </p:nvSpPr>
-        <p:spPr>
-          <a:xfrm>
-            <a:off x="758507" y="4532034"/>
-            <a:ext cx="10680637" cy="2031325"/>
-          </a:xfrm>
-          <a:prstGeom prst="rect">
-            <a:avLst/>
-          </a:prstGeom>
-          <a:noFill/>
-        </p:spPr>
-        <p:txBody>
-          <a:bodyPr wrap="square" numCol="2" rtlCol="0">
-            <a:spAutoFit/>
-          </a:bodyPr>
-          <a:lstStyle/>
-          <a:p>
-            <a:r>
-              <a:rPr lang="en-US" dirty="0">
-                <a:solidFill>
-                  <a:srgbClr val="202C8F"/>
-                </a:solidFill>
-              </a:rPr>
-              <a:t>SELECT photo_tags.tag_id AS </a:t>
-            </a:r>
-            <a:r>
-              <a:rPr lang="en-US" dirty="0" err="1">
-                <a:solidFill>
-                  <a:srgbClr val="202C8F"/>
-                </a:solidFill>
-              </a:rPr>
-              <a:t>tag_id</a:t>
-            </a:r>
-            <a:r>
-              <a:rPr lang="en-US" dirty="0">
-                <a:solidFill>
-                  <a:srgbClr val="202C8F"/>
-                </a:solidFill>
-              </a:rPr>
-              <a:t>,</a:t>
-            </a:r>
-          </a:p>
-          <a:p>
-            <a:r>
-              <a:rPr lang="en-US" dirty="0">
-                <a:solidFill>
-                  <a:srgbClr val="202C8F"/>
-                </a:solidFill>
-              </a:rPr>
-              <a:t>    </a:t>
-            </a:r>
-            <a:r>
-              <a:rPr lang="en-US" dirty="0" err="1">
-                <a:solidFill>
-                  <a:srgbClr val="202C8F"/>
-                </a:solidFill>
-              </a:rPr>
-              <a:t>tags.tag_name</a:t>
-            </a:r>
-            <a:r>
-              <a:rPr lang="en-US" dirty="0">
-                <a:solidFill>
-                  <a:srgbClr val="202C8F"/>
-                </a:solidFill>
-              </a:rPr>
-              <a:t> AS </a:t>
-            </a:r>
-            <a:r>
-              <a:rPr lang="en-US" dirty="0" err="1">
-                <a:solidFill>
-                  <a:srgbClr val="202C8F"/>
-                </a:solidFill>
-              </a:rPr>
-              <a:t>tag_name</a:t>
-            </a:r>
-            <a:r>
-              <a:rPr lang="en-US" dirty="0">
-                <a:solidFill>
-                  <a:srgbClr val="202C8F"/>
-                </a:solidFill>
-              </a:rPr>
-              <a:t>, COUNT(*) AS total</a:t>
-            </a:r>
-          </a:p>
-          <a:p>
-            <a:r>
-              <a:rPr lang="en-US" dirty="0">
-                <a:solidFill>
-                  <a:srgbClr val="202C8F"/>
-                </a:solidFill>
-              </a:rPr>
-              <a:t>FROM </a:t>
-            </a:r>
-            <a:r>
-              <a:rPr lang="en-US" dirty="0" err="1">
-                <a:solidFill>
-                  <a:srgbClr val="202C8F"/>
-                </a:solidFill>
-              </a:rPr>
-              <a:t>photo_tags</a:t>
-            </a:r>
-            <a:r>
-              <a:rPr lang="en-US" dirty="0">
-                <a:solidFill>
-                  <a:srgbClr val="202C8F"/>
-                </a:solidFill>
-              </a:rPr>
-              <a:t> INNER JOIN</a:t>
-            </a:r>
-          </a:p>
-          <a:p>
-            <a:r>
-              <a:rPr lang="en-US" dirty="0">
-                <a:solidFill>
-                  <a:srgbClr val="202C8F"/>
-                </a:solidFill>
-              </a:rPr>
-              <a:t>    tags ON photo_tags.tag_id = tags.id</a:t>
-            </a:r>
-          </a:p>
-          <a:p>
-            <a:r>
-              <a:rPr lang="en-US" dirty="0">
-                <a:solidFill>
-                  <a:srgbClr val="202C8F"/>
-                </a:solidFill>
-              </a:rPr>
-              <a:t>GROUP BY </a:t>
-            </a:r>
-            <a:r>
-              <a:rPr lang="en-US" dirty="0" err="1">
-                <a:solidFill>
-                  <a:srgbClr val="202C8F"/>
-                </a:solidFill>
-              </a:rPr>
-              <a:t>tag_name</a:t>
-            </a:r>
-            <a:endParaRPr lang="en-US" dirty="0">
-              <a:solidFill>
-                <a:srgbClr val="202C8F"/>
-              </a:solidFill>
-            </a:endParaRPr>
-          </a:p>
-          <a:p>
-            <a:r>
-              <a:rPr lang="en-US" dirty="0">
-                <a:solidFill>
-                  <a:srgbClr val="202C8F"/>
-                </a:solidFill>
-              </a:rPr>
-              <a:t>ORDER BY total DESC</a:t>
-            </a:r>
-          </a:p>
-          <a:p>
-            <a:r>
-              <a:rPr lang="en-US" dirty="0">
-                <a:solidFill>
-                  <a:srgbClr val="202C8F"/>
-                </a:solidFill>
-              </a:rPr>
-              <a:t>LIMIT 5;</a:t>
-            </a:r>
-            <a:endParaRPr lang="en-IN" dirty="0">
-              <a:solidFill>
-                <a:srgbClr val="202C8F"/>
-              </a:solidFill>
-            </a:endParaRPr>
+            <a:pPr algn="l"/>
+            <a:r>
+              <a:rPr lang="en-US" sz="2400" dirty="0"/>
+              <a:t>	1. Rewarding Most Loyal Users </a:t>
+            </a:r>
+          </a:p>
+          <a:p>
+            <a:pPr algn="l"/>
+            <a:r>
+              <a:rPr lang="en-US" sz="2400" dirty="0"/>
+              <a:t>	2. Remind Inactive Users to Start Posting </a:t>
+            </a:r>
+          </a:p>
+          <a:p>
+            <a:pPr algn="l"/>
+            <a:r>
+              <a:rPr lang="en-US" sz="2400" dirty="0"/>
+              <a:t>	3. Declaring the contest winners </a:t>
+            </a:r>
+          </a:p>
+          <a:p>
+            <a:pPr algn="l"/>
+            <a:r>
+              <a:rPr lang="en-US" sz="2400" dirty="0"/>
+              <a:t>	4. Hashtag Researching </a:t>
+            </a:r>
+          </a:p>
+          <a:p>
+            <a:pPr algn="l"/>
+            <a:r>
+              <a:rPr lang="en-US" sz="2400" dirty="0"/>
+              <a:t>	5. Launch AD Campaign </a:t>
+            </a:r>
           </a:p>
         </p:txBody>
       </p:sp>
     </p:spTree>
     <p:extLst>
       <p:ext uri="{BB962C8B-B14F-4D97-AF65-F5344CB8AC3E}">
-        <p14:creationId xmlns:p14="http://schemas.microsoft.com/office/powerpoint/2010/main" val="1056453249"/>
+        <p14:creationId xmlns:p14="http://schemas.microsoft.com/office/powerpoint/2010/main" val="189076556"/>
       </p:ext>
     </p:extLst>
   </p:cSld>
@@ -29001,39 +29602,23 @@
           <a:p>
             <a:pPr algn="l"/>
             <a:r>
-              <a:rPr kumimoji="0" lang="en-US" sz="2000" b="1" i="0" u="sng" strike="noStrike" kern="1200" cap="all" spc="0" normalizeH="0" baseline="0" noProof="0" dirty="0">
-                <a:ln>
-                  <a:noFill/>
-                </a:ln>
+              <a:rPr lang="en-US" sz="2000" u="sng" dirty="0">
                 <a:solidFill>
                   <a:srgbClr val="DF8C8C"/>
                 </a:solidFill>
-                <a:effectLst/>
-                <a:uLnTx/>
-                <a:uFillTx/>
-                <a:latin typeface="Arial Black"/>
-                <a:ea typeface="+mj-ea"/>
-                <a:cs typeface="+mj-cs"/>
               </a:rPr>
               <a:t>Hashtag Researching : </a:t>
             </a:r>
             <a:r>
-              <a:rPr kumimoji="0" lang="en-US" sz="1600" b="0" i="0" u="none" strike="noStrike" kern="1200" cap="all" spc="0" normalizeH="0" baseline="0" noProof="0" dirty="0">
-                <a:ln>
-                  <a:noFill/>
-                </a:ln>
+              <a:rPr lang="en-US" sz="1600" b="0" i="0" dirty="0">
                 <a:solidFill>
-                  <a:srgbClr val="000000">
+                  <a:schemeClr val="tx1">
                     <a:lumMod val="85000"/>
                     <a:lumOff val="15000"/>
-                  </a:srgbClr>
+                  </a:schemeClr>
                 </a:solidFill>
                 <a:effectLst/>
-                <a:uLnTx/>
-                <a:uFillTx/>
-                <a:latin typeface="Arial Black"/>
-                <a:ea typeface="+mj-ea"/>
-                <a:cs typeface="+mj-cs"/>
+                <a:latin typeface="+mj-lt"/>
               </a:rPr>
               <a:t>A partner brand wants to know, which hashtags to use in the post to reach the most people on the platform. Thus, finding the top 5 most commonly used hashtags on the platform.</a:t>
             </a:r>
@@ -29063,7 +29648,7 @@
         </p:nvSpPr>
         <p:spPr>
           <a:xfrm>
-            <a:off x="536448" y="1800385"/>
+            <a:off x="536448" y="1650464"/>
             <a:ext cx="11119104" cy="1714173"/>
           </a:xfrm>
         </p:spPr>
@@ -29071,20 +29656,85 @@
           <a:bodyPr/>
           <a:lstStyle/>
           <a:p>
+            <a:r>
+              <a:rPr lang="en-US" dirty="0"/>
+              <a:t>Steps for Hashtag Researching.(i.e. finding top 5 most used hashtags on Instagram.) : </a:t>
+            </a:r>
+          </a:p>
+          <a:p>
             <a:pPr marL="0" indent="0">
               <a:buNone/>
             </a:pPr>
             <a:r>
-              <a:rPr lang="en-US" sz="2200" b="1" u="sng" dirty="0">
-                <a:solidFill>
-                  <a:schemeClr val="tx1"/>
-                </a:solidFill>
-                <a:highlight>
-                  <a:srgbClr val="AAC4E9"/>
-                </a:highlight>
-              </a:rPr>
-              <a:t>Output/Result Table :</a:t>
-            </a:r>
+              <a:rPr lang="en-US" dirty="0"/>
+              <a:t>	Step 1) I have selected ‘</a:t>
+            </a:r>
+            <a:r>
+              <a:rPr lang="en-US" dirty="0" err="1"/>
+              <a:t>tag_id</a:t>
+            </a:r>
+            <a:r>
+              <a:rPr lang="en-US" dirty="0"/>
+              <a:t>’ column from ‘</a:t>
+            </a:r>
+            <a:r>
+              <a:rPr lang="en-US" dirty="0" err="1"/>
+              <a:t>photo_tags</a:t>
+            </a:r>
+            <a:r>
+              <a:rPr lang="en-US" dirty="0"/>
+              <a:t>’ table &amp; ‘</a:t>
+            </a:r>
+            <a:r>
+              <a:rPr lang="en-US" dirty="0" err="1"/>
+              <a:t>tag_name</a:t>
+            </a:r>
+            <a:r>
+              <a:rPr lang="en-US" dirty="0"/>
+              <a:t>’ column from ‘tags’ table.</a:t>
+            </a:r>
+          </a:p>
+          <a:p>
+            <a:pPr marL="0" indent="0">
+              <a:buNone/>
+            </a:pPr>
+            <a:r>
+              <a:rPr lang="en-US" dirty="0"/>
+              <a:t>	Step 2) Then I used COUNT function to count the total number of tags in the table.</a:t>
+            </a:r>
+          </a:p>
+          <a:p>
+            <a:pPr marL="0" indent="0">
+              <a:buNone/>
+            </a:pPr>
+            <a:r>
+              <a:rPr lang="en-US" dirty="0"/>
+              <a:t>	Step 3) Then I have performed INNER JOIN on the both tables as “photo_tags.tag_id = tags.id”.</a:t>
+            </a:r>
+          </a:p>
+          <a:p>
+            <a:pPr marL="0" indent="0">
+              <a:buNone/>
+            </a:pPr>
+            <a:r>
+              <a:rPr lang="en-US" dirty="0"/>
+              <a:t>	Step 4) I used GROUP BY command to group the tags in the table.</a:t>
+            </a:r>
+          </a:p>
+          <a:p>
+            <a:pPr marL="0" indent="0">
+              <a:buNone/>
+            </a:pPr>
+            <a:r>
+              <a:rPr lang="en-US" dirty="0"/>
+              <a:t>	Step 5)Then ordered those tags by TOTAL in descending order. Then using LIMIT command I got the 	            top 5 most used hashtags.</a:t>
+            </a:r>
+          </a:p>
+          <a:p>
+            <a:pPr marL="0" indent="0">
+              <a:buNone/>
+            </a:pPr>
+            <a:endParaRPr lang="en-US" dirty="0"/>
           </a:p>
           <a:p>
             <a:pPr marL="0" indent="0">
@@ -29209,6 +29859,607 @@
             <a:fld id="{48F63A3B-78C7-47BE-AE5E-E10140E04643}" type="slidenum">
               <a:rPr lang="en-US" smtClean="0"/>
               <a:t>18</a:t>
+            </a:fld>
+            <a:endParaRPr lang="en-US" dirty="0"/>
+          </a:p>
+        </p:txBody>
+      </p:sp>
+      <p:sp>
+        <p:nvSpPr>
+          <p:cNvPr id="9" name="Rectangle: Rounded Corners 8">
+            <a:extLst>
+              <a:ext uri="{FF2B5EF4-FFF2-40B4-BE49-F238E27FC236}">
+                <a16:creationId xmlns:a16="http://schemas.microsoft.com/office/drawing/2014/main" id="{2CF20CC9-103C-611F-3BEA-37C975AA9957}"/>
+              </a:ext>
+            </a:extLst>
+          </p:cNvPr>
+          <p:cNvSpPr/>
+          <p:nvPr/>
+        </p:nvSpPr>
+        <p:spPr>
+          <a:xfrm>
+            <a:off x="432271" y="4392358"/>
+            <a:ext cx="10889314" cy="2310679"/>
+          </a:xfrm>
+          <a:prstGeom prst="roundRect">
+            <a:avLst/>
+          </a:prstGeom>
+          <a:effectLst>
+            <a:outerShdw blurRad="152400" dist="317500" dir="5400000" sx="90000" sy="-19000" rotWithShape="0">
+              <a:prstClr val="black">
+                <a:alpha val="15000"/>
+              </a:prstClr>
+            </a:outerShdw>
+          </a:effectLst>
+        </p:spPr>
+        <p:style>
+          <a:lnRef idx="2">
+            <a:schemeClr val="accent1">
+              <a:shade val="15000"/>
+            </a:schemeClr>
+          </a:lnRef>
+          <a:fillRef idx="1">
+            <a:schemeClr val="accent1"/>
+          </a:fillRef>
+          <a:effectRef idx="0">
+            <a:schemeClr val="accent1"/>
+          </a:effectRef>
+          <a:fontRef idx="minor">
+            <a:schemeClr val="lt1"/>
+          </a:fontRef>
+        </p:style>
+        <p:txBody>
+          <a:bodyPr rtlCol="0" anchor="ctr"/>
+          <a:lstStyle/>
+          <a:p>
+            <a:pPr algn="ctr"/>
+            <a:endParaRPr lang="en-IN"/>
+          </a:p>
+        </p:txBody>
+      </p:sp>
+      <p:sp>
+        <p:nvSpPr>
+          <p:cNvPr id="10" name="TextBox 9">
+            <a:extLst>
+              <a:ext uri="{FF2B5EF4-FFF2-40B4-BE49-F238E27FC236}">
+                <a16:creationId xmlns:a16="http://schemas.microsoft.com/office/drawing/2014/main" id="{42E07593-0F8D-90BE-5E8E-3609076B7CCC}"/>
+              </a:ext>
+            </a:extLst>
+          </p:cNvPr>
+          <p:cNvSpPr txBox="1"/>
+          <p:nvPr/>
+        </p:nvSpPr>
+        <p:spPr>
+          <a:xfrm>
+            <a:off x="552723" y="4007173"/>
+            <a:ext cx="4492101" cy="369332"/>
+          </a:xfrm>
+          <a:prstGeom prst="rect">
+            <a:avLst/>
+          </a:prstGeom>
+          <a:noFill/>
+        </p:spPr>
+        <p:txBody>
+          <a:bodyPr wrap="square" rtlCol="0">
+            <a:spAutoFit/>
+          </a:bodyPr>
+          <a:lstStyle/>
+          <a:p>
+            <a:r>
+              <a:rPr lang="en-US" b="1" u="sng" dirty="0">
+                <a:highlight>
+                  <a:srgbClr val="AAC4E9"/>
+                </a:highlight>
+              </a:rPr>
+              <a:t>Query/Program</a:t>
+            </a:r>
+            <a:r>
+              <a:rPr lang="en-IN" b="1" u="sng" dirty="0">
+                <a:highlight>
+                  <a:srgbClr val="AAC4E9"/>
+                </a:highlight>
+              </a:rPr>
+              <a:t> :</a:t>
+            </a:r>
+          </a:p>
+        </p:txBody>
+      </p:sp>
+      <p:sp>
+        <p:nvSpPr>
+          <p:cNvPr id="8" name="TextBox 7">
+            <a:extLst>
+              <a:ext uri="{FF2B5EF4-FFF2-40B4-BE49-F238E27FC236}">
+                <a16:creationId xmlns:a16="http://schemas.microsoft.com/office/drawing/2014/main" id="{C0A1B21E-B1D4-64D7-1267-5B15DD3D22B7}"/>
+              </a:ext>
+            </a:extLst>
+          </p:cNvPr>
+          <p:cNvSpPr txBox="1"/>
+          <p:nvPr/>
+        </p:nvSpPr>
+        <p:spPr>
+          <a:xfrm>
+            <a:off x="758507" y="4532034"/>
+            <a:ext cx="10680637" cy="2031325"/>
+          </a:xfrm>
+          <a:prstGeom prst="rect">
+            <a:avLst/>
+          </a:prstGeom>
+          <a:noFill/>
+        </p:spPr>
+        <p:txBody>
+          <a:bodyPr wrap="square" numCol="2" rtlCol="0">
+            <a:spAutoFit/>
+          </a:bodyPr>
+          <a:lstStyle/>
+          <a:p>
+            <a:r>
+              <a:rPr lang="en-US" dirty="0">
+                <a:solidFill>
+                  <a:srgbClr val="202C8F"/>
+                </a:solidFill>
+              </a:rPr>
+              <a:t>SELECT photo_tags.tag_id AS </a:t>
+            </a:r>
+            <a:r>
+              <a:rPr lang="en-US" dirty="0" err="1">
+                <a:solidFill>
+                  <a:srgbClr val="202C8F"/>
+                </a:solidFill>
+              </a:rPr>
+              <a:t>tag_id</a:t>
+            </a:r>
+            <a:r>
+              <a:rPr lang="en-US" dirty="0">
+                <a:solidFill>
+                  <a:srgbClr val="202C8F"/>
+                </a:solidFill>
+              </a:rPr>
+              <a:t>,</a:t>
+            </a:r>
+          </a:p>
+          <a:p>
+            <a:r>
+              <a:rPr lang="en-US" dirty="0">
+                <a:solidFill>
+                  <a:srgbClr val="202C8F"/>
+                </a:solidFill>
+              </a:rPr>
+              <a:t>    </a:t>
+            </a:r>
+            <a:r>
+              <a:rPr lang="en-US" dirty="0" err="1">
+                <a:solidFill>
+                  <a:srgbClr val="202C8F"/>
+                </a:solidFill>
+              </a:rPr>
+              <a:t>tags.tag_name</a:t>
+            </a:r>
+            <a:r>
+              <a:rPr lang="en-US" dirty="0">
+                <a:solidFill>
+                  <a:srgbClr val="202C8F"/>
+                </a:solidFill>
+              </a:rPr>
+              <a:t> AS </a:t>
+            </a:r>
+            <a:r>
+              <a:rPr lang="en-US" dirty="0" err="1">
+                <a:solidFill>
+                  <a:srgbClr val="202C8F"/>
+                </a:solidFill>
+              </a:rPr>
+              <a:t>tag_name</a:t>
+            </a:r>
+            <a:r>
+              <a:rPr lang="en-US" dirty="0">
+                <a:solidFill>
+                  <a:srgbClr val="202C8F"/>
+                </a:solidFill>
+              </a:rPr>
+              <a:t>, COUNT(*) AS total</a:t>
+            </a:r>
+          </a:p>
+          <a:p>
+            <a:r>
+              <a:rPr lang="en-US" dirty="0">
+                <a:solidFill>
+                  <a:srgbClr val="202C8F"/>
+                </a:solidFill>
+              </a:rPr>
+              <a:t>FROM </a:t>
+            </a:r>
+            <a:r>
+              <a:rPr lang="en-US" dirty="0" err="1">
+                <a:solidFill>
+                  <a:srgbClr val="202C8F"/>
+                </a:solidFill>
+              </a:rPr>
+              <a:t>photo_tags</a:t>
+            </a:r>
+            <a:r>
+              <a:rPr lang="en-US" dirty="0">
+                <a:solidFill>
+                  <a:srgbClr val="202C8F"/>
+                </a:solidFill>
+              </a:rPr>
+              <a:t> INNER JOIN</a:t>
+            </a:r>
+          </a:p>
+          <a:p>
+            <a:r>
+              <a:rPr lang="en-US" dirty="0">
+                <a:solidFill>
+                  <a:srgbClr val="202C8F"/>
+                </a:solidFill>
+              </a:rPr>
+              <a:t>    tags ON photo_tags.tag_id = tags.id</a:t>
+            </a:r>
+          </a:p>
+          <a:p>
+            <a:r>
+              <a:rPr lang="en-US" dirty="0">
+                <a:solidFill>
+                  <a:srgbClr val="202C8F"/>
+                </a:solidFill>
+              </a:rPr>
+              <a:t>GROUP BY </a:t>
+            </a:r>
+            <a:r>
+              <a:rPr lang="en-US" dirty="0" err="1">
+                <a:solidFill>
+                  <a:srgbClr val="202C8F"/>
+                </a:solidFill>
+              </a:rPr>
+              <a:t>tag_name</a:t>
+            </a:r>
+            <a:endParaRPr lang="en-US" dirty="0">
+              <a:solidFill>
+                <a:srgbClr val="202C8F"/>
+              </a:solidFill>
+            </a:endParaRPr>
+          </a:p>
+          <a:p>
+            <a:r>
+              <a:rPr lang="en-US" dirty="0">
+                <a:solidFill>
+                  <a:srgbClr val="202C8F"/>
+                </a:solidFill>
+              </a:rPr>
+              <a:t>ORDER BY total DESC</a:t>
+            </a:r>
+          </a:p>
+          <a:p>
+            <a:r>
+              <a:rPr lang="en-US" dirty="0">
+                <a:solidFill>
+                  <a:srgbClr val="202C8F"/>
+                </a:solidFill>
+              </a:rPr>
+              <a:t>LIMIT 5;</a:t>
+            </a:r>
+            <a:endParaRPr lang="en-IN" dirty="0">
+              <a:solidFill>
+                <a:srgbClr val="202C8F"/>
+              </a:solidFill>
+            </a:endParaRPr>
+          </a:p>
+        </p:txBody>
+      </p:sp>
+    </p:spTree>
+    <p:extLst>
+      <p:ext uri="{BB962C8B-B14F-4D97-AF65-F5344CB8AC3E}">
+        <p14:creationId xmlns:p14="http://schemas.microsoft.com/office/powerpoint/2010/main" val="1056453249"/>
+      </p:ext>
+    </p:extLst>
+  </p:cSld>
+  <p:clrMapOvr>
+    <a:masterClrMapping/>
+  </p:clrMapOvr>
+</p:sld>
+</file>
+
+<file path=ppt/slides/slide19.xml><?xml version="1.0" encoding="utf-8"?>
+<p:sld xmlns:a="http://schemas.openxmlformats.org/drawingml/2006/main" xmlns:r="http://schemas.openxmlformats.org/officeDocument/2006/relationships" xmlns:p="http://schemas.openxmlformats.org/presentationml/2006/main">
+  <p:cSld>
+    <p:spTree>
+      <p:nvGrpSpPr>
+        <p:cNvPr id="1" name=""/>
+        <p:cNvGrpSpPr/>
+        <p:nvPr/>
+      </p:nvGrpSpPr>
+      <p:grpSpPr>
+        <a:xfrm>
+          <a:off x="0" y="0"/>
+          <a:ext cx="0" cy="0"/>
+          <a:chOff x="0" y="0"/>
+          <a:chExt cx="0" cy="0"/>
+        </a:xfrm>
+      </p:grpSpPr>
+      <p:sp>
+        <p:nvSpPr>
+          <p:cNvPr id="7" name="Rectangle 6">
+            <a:extLst>
+              <a:ext uri="{FF2B5EF4-FFF2-40B4-BE49-F238E27FC236}">
+                <a16:creationId xmlns:a16="http://schemas.microsoft.com/office/drawing/2014/main" id="{9188DFD6-2733-9425-D029-39399B4E550D}"/>
+              </a:ext>
+            </a:extLst>
+          </p:cNvPr>
+          <p:cNvSpPr/>
+          <p:nvPr/>
+        </p:nvSpPr>
+        <p:spPr>
+          <a:xfrm>
+            <a:off x="552723" y="728437"/>
+            <a:ext cx="11242113" cy="795564"/>
+          </a:xfrm>
+          <a:prstGeom prst="rect">
+            <a:avLst/>
+          </a:prstGeom>
+          <a:solidFill>
+            <a:srgbClr val="AAC4E9"/>
+          </a:solidFill>
+        </p:spPr>
+        <p:style>
+          <a:lnRef idx="2">
+            <a:schemeClr val="accent1">
+              <a:shade val="15000"/>
+            </a:schemeClr>
+          </a:lnRef>
+          <a:fillRef idx="1">
+            <a:schemeClr val="accent1"/>
+          </a:fillRef>
+          <a:effectRef idx="0">
+            <a:schemeClr val="accent1"/>
+          </a:effectRef>
+          <a:fontRef idx="minor">
+            <a:schemeClr val="lt1"/>
+          </a:fontRef>
+        </p:style>
+        <p:txBody>
+          <a:bodyPr rtlCol="0" anchor="ctr"/>
+          <a:lstStyle/>
+          <a:p>
+            <a:pPr algn="ctr"/>
+            <a:endParaRPr lang="en-IN" dirty="0"/>
+          </a:p>
+        </p:txBody>
+      </p:sp>
+      <p:sp>
+        <p:nvSpPr>
+          <p:cNvPr id="2" name="Title 1">
+            <a:extLst>
+              <a:ext uri="{FF2B5EF4-FFF2-40B4-BE49-F238E27FC236}">
+                <a16:creationId xmlns:a16="http://schemas.microsoft.com/office/drawing/2014/main" id="{B4B3367A-E398-B7CE-074D-4A6E1F9F17E6}"/>
+              </a:ext>
+            </a:extLst>
+          </p:cNvPr>
+          <p:cNvSpPr>
+            <a:spLocks noGrp="1"/>
+          </p:cNvSpPr>
+          <p:nvPr>
+            <p:ph type="title"/>
+          </p:nvPr>
+        </p:nvSpPr>
+        <p:spPr>
+          <a:xfrm>
+            <a:off x="552723" y="667779"/>
+            <a:ext cx="11380197" cy="922027"/>
+          </a:xfrm>
+        </p:spPr>
+        <p:txBody>
+          <a:bodyPr/>
+          <a:lstStyle/>
+          <a:p>
+            <a:pPr algn="l"/>
+            <a:r>
+              <a:rPr kumimoji="0" lang="en-US" sz="2000" b="1" i="0" u="sng" strike="noStrike" kern="1200" cap="all" spc="0" normalizeH="0" baseline="0" noProof="0" dirty="0">
+                <a:ln>
+                  <a:noFill/>
+                </a:ln>
+                <a:solidFill>
+                  <a:srgbClr val="DF8C8C"/>
+                </a:solidFill>
+                <a:effectLst/>
+                <a:uLnTx/>
+                <a:uFillTx/>
+                <a:latin typeface="Arial Black"/>
+                <a:ea typeface="+mj-ea"/>
+                <a:cs typeface="+mj-cs"/>
+              </a:rPr>
+              <a:t>Hashtag Researching : </a:t>
+            </a:r>
+            <a:r>
+              <a:rPr kumimoji="0" lang="en-US" sz="1600" b="0" i="0" u="none" strike="noStrike" kern="1200" cap="all" spc="0" normalizeH="0" baseline="0" noProof="0" dirty="0">
+                <a:ln>
+                  <a:noFill/>
+                </a:ln>
+                <a:solidFill>
+                  <a:srgbClr val="000000">
+                    <a:lumMod val="85000"/>
+                    <a:lumOff val="15000"/>
+                  </a:srgbClr>
+                </a:solidFill>
+                <a:effectLst/>
+                <a:uLnTx/>
+                <a:uFillTx/>
+                <a:latin typeface="Arial Black"/>
+                <a:ea typeface="+mj-ea"/>
+                <a:cs typeface="+mj-cs"/>
+              </a:rPr>
+              <a:t>A partner brand wants to know, which hashtags to use in the post to reach the most people on the platform. Thus, finding the top 5 most commonly used hashtags on the platform.</a:t>
+            </a:r>
+            <a:endParaRPr lang="en-IN" sz="2000" dirty="0">
+              <a:solidFill>
+                <a:srgbClr val="00B0F0"/>
+              </a:solidFill>
+            </a:endParaRPr>
+          </a:p>
+        </p:txBody>
+      </p:sp>
+      <p:sp>
+        <p:nvSpPr>
+          <p:cNvPr id="3" name="Content Placeholder 2">
+            <a:extLst>
+              <a:ext uri="{FF2B5EF4-FFF2-40B4-BE49-F238E27FC236}">
+                <a16:creationId xmlns:a16="http://schemas.microsoft.com/office/drawing/2014/main" id="{14040B9D-6C90-E727-B66B-09BC523F9813}"/>
+              </a:ext>
+            </a:extLst>
+          </p:cNvPr>
+          <p:cNvSpPr>
+            <a:spLocks noGrp="1"/>
+          </p:cNvSpPr>
+          <p:nvPr>
+            <p:ph sz="half" idx="1"/>
+          </p:nvPr>
+        </p:nvSpPr>
+        <p:spPr>
+          <a:xfrm>
+            <a:off x="536448" y="1800385"/>
+            <a:ext cx="11119104" cy="1714173"/>
+          </a:xfrm>
+        </p:spPr>
+        <p:txBody>
+          <a:bodyPr/>
+          <a:lstStyle/>
+          <a:p>
+            <a:pPr marL="0" indent="0">
+              <a:buNone/>
+            </a:pPr>
+            <a:r>
+              <a:rPr lang="en-US" sz="2200" b="1" u="sng" dirty="0">
+                <a:solidFill>
+                  <a:schemeClr val="tx1"/>
+                </a:solidFill>
+                <a:highlight>
+                  <a:srgbClr val="AAC4E9"/>
+                </a:highlight>
+              </a:rPr>
+              <a:t>Output/Result Table :</a:t>
+            </a:r>
+          </a:p>
+          <a:p>
+            <a:pPr marL="0" indent="0">
+              <a:buNone/>
+            </a:pPr>
+            <a:endParaRPr lang="en-US" dirty="0"/>
+          </a:p>
+        </p:txBody>
+      </p:sp>
+      <p:sp>
+        <p:nvSpPr>
+          <p:cNvPr id="6" name="Rectangle 5">
+            <a:extLst>
+              <a:ext uri="{FF2B5EF4-FFF2-40B4-BE49-F238E27FC236}">
+                <a16:creationId xmlns:a16="http://schemas.microsoft.com/office/drawing/2014/main" id="{C1F076FB-8F7F-3119-0F15-4A9EFE7EE5F1}"/>
+              </a:ext>
+            </a:extLst>
+          </p:cNvPr>
+          <p:cNvSpPr/>
+          <p:nvPr/>
+        </p:nvSpPr>
+        <p:spPr>
+          <a:xfrm>
+            <a:off x="4425338" y="117341"/>
+            <a:ext cx="2677425" cy="550438"/>
+          </a:xfrm>
+          <a:prstGeom prst="rect">
+            <a:avLst/>
+          </a:prstGeom>
+          <a:solidFill>
+            <a:srgbClr val="F5CDCE"/>
+          </a:solidFill>
+          <a:scene3d>
+            <a:camera prst="orthographicFront"/>
+            <a:lightRig rig="threePt" dir="t"/>
+          </a:scene3d>
+          <a:sp3d>
+            <a:bevelT w="165100" prst="coolSlant"/>
+          </a:sp3d>
+        </p:spPr>
+        <p:style>
+          <a:lnRef idx="2">
+            <a:schemeClr val="accent1">
+              <a:shade val="15000"/>
+            </a:schemeClr>
+          </a:lnRef>
+          <a:fillRef idx="1">
+            <a:schemeClr val="accent1"/>
+          </a:fillRef>
+          <a:effectRef idx="0">
+            <a:schemeClr val="accent1"/>
+          </a:effectRef>
+          <a:fontRef idx="minor">
+            <a:schemeClr val="lt1"/>
+          </a:fontRef>
+        </p:style>
+        <p:txBody>
+          <a:bodyPr rtlCol="0" anchor="ctr"/>
+          <a:lstStyle/>
+          <a:p>
+            <a:pPr algn="ctr"/>
+            <a:endParaRPr lang="en-IN"/>
+          </a:p>
+        </p:txBody>
+      </p:sp>
+      <p:sp>
+        <p:nvSpPr>
+          <p:cNvPr id="4" name="Footer Placeholder 3">
+            <a:extLst>
+              <a:ext uri="{FF2B5EF4-FFF2-40B4-BE49-F238E27FC236}">
+                <a16:creationId xmlns:a16="http://schemas.microsoft.com/office/drawing/2014/main" id="{5CADA85B-C3A2-FC5A-1070-4AF5622A1D5A}"/>
+              </a:ext>
+            </a:extLst>
+          </p:cNvPr>
+          <p:cNvSpPr>
+            <a:spLocks noGrp="1"/>
+          </p:cNvSpPr>
+          <p:nvPr>
+            <p:ph type="ftr" sz="quarter" idx="11"/>
+          </p:nvPr>
+        </p:nvSpPr>
+        <p:spPr>
+          <a:xfrm>
+            <a:off x="4569691" y="236679"/>
+            <a:ext cx="3200400" cy="274320"/>
+          </a:xfrm>
+        </p:spPr>
+        <p:txBody>
+          <a:bodyPr/>
+          <a:lstStyle/>
+          <a:p>
+            <a:r>
+              <a:rPr lang="en-US" sz="3200" b="1" dirty="0">
+                <a:latin typeface="+mj-lt"/>
+              </a:rPr>
+              <a:t>Marketing</a:t>
+            </a:r>
+          </a:p>
+        </p:txBody>
+      </p:sp>
+      <p:sp>
+        <p:nvSpPr>
+          <p:cNvPr id="5" name="Slide Number Placeholder 4">
+            <a:extLst>
+              <a:ext uri="{FF2B5EF4-FFF2-40B4-BE49-F238E27FC236}">
+                <a16:creationId xmlns:a16="http://schemas.microsoft.com/office/drawing/2014/main" id="{8F7B6822-5084-6171-ECBD-CA814C69D183}"/>
+              </a:ext>
+            </a:extLst>
+          </p:cNvPr>
+          <p:cNvSpPr>
+            <a:spLocks noGrp="1"/>
+          </p:cNvSpPr>
+          <p:nvPr>
+            <p:ph type="sldNum" sz="quarter" idx="12"/>
+          </p:nvPr>
+        </p:nvSpPr>
+        <p:spPr/>
+        <p:txBody>
+          <a:bodyPr/>
+          <a:lstStyle/>
+          <a:p>
+            <a:fld id="{48F63A3B-78C7-47BE-AE5E-E10140E04643}" type="slidenum">
+              <a:rPr lang="en-US" smtClean="0"/>
+              <a:t>19</a:t>
             </a:fld>
             <a:endParaRPr lang="en-US" dirty="0"/>
           </a:p>
@@ -29700,7 +30951,191 @@
 </p:sld>
 </file>
 
-<file path=ppt/slides/slide19.xml><?xml version="1.0" encoding="utf-8"?>
+<file path=ppt/slides/slide2.xml><?xml version="1.0" encoding="utf-8"?>
+<p:sld xmlns:a="http://schemas.openxmlformats.org/drawingml/2006/main" xmlns:r="http://schemas.openxmlformats.org/officeDocument/2006/relationships" xmlns:p="http://schemas.openxmlformats.org/presentationml/2006/main">
+  <p:cSld>
+    <p:spTree>
+      <p:nvGrpSpPr>
+        <p:cNvPr id="1" name=""/>
+        <p:cNvGrpSpPr/>
+        <p:nvPr/>
+      </p:nvGrpSpPr>
+      <p:grpSpPr>
+        <a:xfrm>
+          <a:off x="0" y="0"/>
+          <a:ext cx="0" cy="0"/>
+          <a:chOff x="0" y="0"/>
+          <a:chExt cx="0" cy="0"/>
+        </a:xfrm>
+      </p:grpSpPr>
+      <p:sp>
+        <p:nvSpPr>
+          <p:cNvPr id="2" name="Title 1">
+            <a:extLst>
+              <a:ext uri="{FF2B5EF4-FFF2-40B4-BE49-F238E27FC236}">
+                <a16:creationId xmlns:a16="http://schemas.microsoft.com/office/drawing/2014/main" id="{85C565E9-D88A-55D3-9D42-BD1C24B6DE9F}"/>
+              </a:ext>
+            </a:extLst>
+          </p:cNvPr>
+          <p:cNvSpPr>
+            <a:spLocks noGrp="1"/>
+          </p:cNvSpPr>
+          <p:nvPr>
+            <p:ph type="title"/>
+          </p:nvPr>
+        </p:nvSpPr>
+        <p:spPr>
+          <a:xfrm>
+            <a:off x="1499616" y="743702"/>
+            <a:ext cx="7085092" cy="768096"/>
+          </a:xfrm>
+        </p:spPr>
+        <p:txBody>
+          <a:bodyPr/>
+          <a:lstStyle/>
+          <a:p>
+            <a:r>
+              <a:rPr lang="en-US" sz="3600" b="1" dirty="0">
+                <a:solidFill>
+                  <a:schemeClr val="accent6"/>
+                </a:solidFill>
+                <a:latin typeface="Arial Black" panose="020B0604020202020204" pitchFamily="34" charset="0"/>
+                <a:ea typeface="Arial Regular" pitchFamily="34" charset="-122"/>
+                <a:cs typeface="Arial Black" panose="020B0604020202020204" pitchFamily="34" charset="0"/>
+              </a:rPr>
+              <a:t>TABLE OF CONTENT</a:t>
+            </a:r>
+            <a:endParaRPr lang="en-US" sz="3600" b="1" dirty="0">
+              <a:solidFill>
+                <a:schemeClr val="accent6"/>
+              </a:solidFill>
+              <a:latin typeface="Arial Black" panose="020B0604020202020204" pitchFamily="34" charset="0"/>
+              <a:cs typeface="Arial Black" panose="020B0604020202020204" pitchFamily="34" charset="0"/>
+            </a:endParaRPr>
+          </a:p>
+        </p:txBody>
+      </p:sp>
+      <p:sp>
+        <p:nvSpPr>
+          <p:cNvPr id="3" name="Content Placeholder 2">
+            <a:extLst>
+              <a:ext uri="{FF2B5EF4-FFF2-40B4-BE49-F238E27FC236}">
+                <a16:creationId xmlns:a16="http://schemas.microsoft.com/office/drawing/2014/main" id="{4D1F66E5-D2D7-172B-46BA-FEBFE092CC7F}"/>
+              </a:ext>
+            </a:extLst>
+          </p:cNvPr>
+          <p:cNvSpPr>
+            <a:spLocks noGrp="1"/>
+          </p:cNvSpPr>
+          <p:nvPr>
+            <p:ph idx="1"/>
+          </p:nvPr>
+        </p:nvSpPr>
+        <p:spPr>
+          <a:xfrm>
+            <a:off x="1499616" y="1325367"/>
+            <a:ext cx="5693664" cy="3122168"/>
+          </a:xfrm>
+        </p:spPr>
+        <p:txBody>
+          <a:bodyPr/>
+          <a:lstStyle/>
+          <a:p>
+            <a:pPr marL="342900" indent="-342900">
+              <a:buFont typeface="Wingdings" panose="05000000000000000000" pitchFamily="2" charset="2"/>
+              <a:buChar char="q"/>
+            </a:pPr>
+            <a:r>
+              <a:rPr lang="en-US" dirty="0"/>
+              <a:t>Project Description</a:t>
+            </a:r>
+          </a:p>
+          <a:p>
+            <a:pPr marL="342900" indent="-342900">
+              <a:buFont typeface="Wingdings" panose="05000000000000000000" pitchFamily="2" charset="2"/>
+              <a:buChar char="q"/>
+            </a:pPr>
+            <a:r>
+              <a:rPr lang="en-US" dirty="0"/>
+              <a:t>Approach</a:t>
+            </a:r>
+          </a:p>
+          <a:p>
+            <a:pPr marL="342900" indent="-342900">
+              <a:buFont typeface="Wingdings" panose="05000000000000000000" pitchFamily="2" charset="2"/>
+              <a:buChar char="q"/>
+            </a:pPr>
+            <a:r>
+              <a:rPr lang="en-US" dirty="0"/>
+              <a:t>Tech Stack Used</a:t>
+            </a:r>
+          </a:p>
+          <a:p>
+            <a:pPr marL="342900" indent="-342900">
+              <a:buFont typeface="Wingdings" panose="05000000000000000000" pitchFamily="2" charset="2"/>
+              <a:buChar char="q"/>
+            </a:pPr>
+            <a:r>
+              <a:rPr lang="en-US" dirty="0"/>
+              <a:t>Analysis</a:t>
+            </a:r>
+          </a:p>
+          <a:p>
+            <a:pPr marL="690372" lvl="1" indent="-342900">
+              <a:buFont typeface="Wingdings" panose="05000000000000000000" pitchFamily="2" charset="2"/>
+              <a:buChar char="q"/>
+            </a:pPr>
+            <a:r>
+              <a:rPr lang="en-US" sz="2200" dirty="0"/>
+              <a:t>Case Study 1: Job Data Analysis</a:t>
+            </a:r>
+          </a:p>
+          <a:p>
+            <a:pPr marL="690372" lvl="1" indent="-342900">
+              <a:buFont typeface="Wingdings" panose="05000000000000000000" pitchFamily="2" charset="2"/>
+              <a:buChar char="q"/>
+            </a:pPr>
+            <a:r>
+              <a:rPr lang="en-US" sz="2200" dirty="0"/>
+              <a:t>Case Study 2: Investigating Metric Spike</a:t>
+            </a:r>
+          </a:p>
+          <a:p>
+            <a:pPr marL="342900" indent="-342900">
+              <a:buFont typeface="Wingdings" panose="05000000000000000000" pitchFamily="2" charset="2"/>
+              <a:buChar char="q"/>
+            </a:pPr>
+            <a:r>
+              <a:rPr lang="en-US" dirty="0"/>
+              <a:t>Insights</a:t>
+            </a:r>
+          </a:p>
+          <a:p>
+            <a:pPr marL="342900" indent="-342900">
+              <a:buFont typeface="Wingdings" panose="05000000000000000000" pitchFamily="2" charset="2"/>
+              <a:buChar char="q"/>
+            </a:pPr>
+            <a:r>
+              <a:rPr lang="en-US" dirty="0"/>
+              <a:t>Conclusion &amp; Result</a:t>
+            </a:r>
+          </a:p>
+        </p:txBody>
+      </p:sp>
+    </p:spTree>
+    <p:extLst>
+      <p:ext uri="{BB962C8B-B14F-4D97-AF65-F5344CB8AC3E}">
+        <p14:creationId xmlns:p14="http://schemas.microsoft.com/office/powerpoint/2010/main" val="3855531800"/>
+      </p:ext>
+    </p:extLst>
+  </p:cSld>
+  <p:clrMapOvr>
+    <a:masterClrMapping/>
+  </p:clrMapOvr>
+</p:sld>
+</file>
+
+<file path=ppt/slides/slide20.xml><?xml version="1.0" encoding="utf-8"?>
 <p:sld xmlns:a="http://schemas.openxmlformats.org/drawingml/2006/main" xmlns:r="http://schemas.openxmlformats.org/officeDocument/2006/relationships" xmlns:p="http://schemas.openxmlformats.org/presentationml/2006/main">
   <p:cSld>
     <p:spTree>
@@ -30041,7 +31476,7 @@
           <a:p>
             <a:fld id="{48F63A3B-78C7-47BE-AE5E-E10140E04643}" type="slidenum">
               <a:rPr lang="en-US" smtClean="0"/>
-              <a:t>19</a:t>
+              <a:t>20</a:t>
             </a:fld>
             <a:endParaRPr lang="en-US" dirty="0"/>
           </a:p>
@@ -30289,191 +31724,7 @@
 </p:sld>
 </file>
 
-<file path=ppt/slides/slide2.xml><?xml version="1.0" encoding="utf-8"?>
-<p:sld xmlns:a="http://schemas.openxmlformats.org/drawingml/2006/main" xmlns:r="http://schemas.openxmlformats.org/officeDocument/2006/relationships" xmlns:p="http://schemas.openxmlformats.org/presentationml/2006/main">
-  <p:cSld>
-    <p:spTree>
-      <p:nvGrpSpPr>
-        <p:cNvPr id="1" name=""/>
-        <p:cNvGrpSpPr/>
-        <p:nvPr/>
-      </p:nvGrpSpPr>
-      <p:grpSpPr>
-        <a:xfrm>
-          <a:off x="0" y="0"/>
-          <a:ext cx="0" cy="0"/>
-          <a:chOff x="0" y="0"/>
-          <a:chExt cx="0" cy="0"/>
-        </a:xfrm>
-      </p:grpSpPr>
-      <p:sp>
-        <p:nvSpPr>
-          <p:cNvPr id="2" name="Title 1">
-            <a:extLst>
-              <a:ext uri="{FF2B5EF4-FFF2-40B4-BE49-F238E27FC236}">
-                <a16:creationId xmlns:a16="http://schemas.microsoft.com/office/drawing/2014/main" id="{85C565E9-D88A-55D3-9D42-BD1C24B6DE9F}"/>
-              </a:ext>
-            </a:extLst>
-          </p:cNvPr>
-          <p:cNvSpPr>
-            <a:spLocks noGrp="1"/>
-          </p:cNvSpPr>
-          <p:nvPr>
-            <p:ph type="title"/>
-          </p:nvPr>
-        </p:nvSpPr>
-        <p:spPr>
-          <a:xfrm>
-            <a:off x="1499616" y="743702"/>
-            <a:ext cx="7085092" cy="768096"/>
-          </a:xfrm>
-        </p:spPr>
-        <p:txBody>
-          <a:bodyPr/>
-          <a:lstStyle/>
-          <a:p>
-            <a:r>
-              <a:rPr lang="en-US" sz="3600" b="1" dirty="0">
-                <a:solidFill>
-                  <a:schemeClr val="accent6"/>
-                </a:solidFill>
-                <a:latin typeface="Arial Black" panose="020B0604020202020204" pitchFamily="34" charset="0"/>
-                <a:ea typeface="Arial Regular" pitchFamily="34" charset="-122"/>
-                <a:cs typeface="Arial Black" panose="020B0604020202020204" pitchFamily="34" charset="0"/>
-              </a:rPr>
-              <a:t>TABLE OF CONTENT</a:t>
-            </a:r>
-            <a:endParaRPr lang="en-US" sz="3600" b="1" dirty="0">
-              <a:solidFill>
-                <a:schemeClr val="accent6"/>
-              </a:solidFill>
-              <a:latin typeface="Arial Black" panose="020B0604020202020204" pitchFamily="34" charset="0"/>
-              <a:cs typeface="Arial Black" panose="020B0604020202020204" pitchFamily="34" charset="0"/>
-            </a:endParaRPr>
-          </a:p>
-        </p:txBody>
-      </p:sp>
-      <p:sp>
-        <p:nvSpPr>
-          <p:cNvPr id="3" name="Content Placeholder 2">
-            <a:extLst>
-              <a:ext uri="{FF2B5EF4-FFF2-40B4-BE49-F238E27FC236}">
-                <a16:creationId xmlns:a16="http://schemas.microsoft.com/office/drawing/2014/main" id="{4D1F66E5-D2D7-172B-46BA-FEBFE092CC7F}"/>
-              </a:ext>
-            </a:extLst>
-          </p:cNvPr>
-          <p:cNvSpPr>
-            <a:spLocks noGrp="1"/>
-          </p:cNvSpPr>
-          <p:nvPr>
-            <p:ph idx="1"/>
-          </p:nvPr>
-        </p:nvSpPr>
-        <p:spPr>
-          <a:xfrm>
-            <a:off x="1499616" y="1325367"/>
-            <a:ext cx="5693664" cy="3122168"/>
-          </a:xfrm>
-        </p:spPr>
-        <p:txBody>
-          <a:bodyPr/>
-          <a:lstStyle/>
-          <a:p>
-            <a:pPr marL="342900" indent="-342900">
-              <a:buFont typeface="Wingdings" panose="05000000000000000000" pitchFamily="2" charset="2"/>
-              <a:buChar char="q"/>
-            </a:pPr>
-            <a:r>
-              <a:rPr lang="en-US" dirty="0"/>
-              <a:t>Project Description</a:t>
-            </a:r>
-          </a:p>
-          <a:p>
-            <a:pPr marL="342900" indent="-342900">
-              <a:buFont typeface="Wingdings" panose="05000000000000000000" pitchFamily="2" charset="2"/>
-              <a:buChar char="q"/>
-            </a:pPr>
-            <a:r>
-              <a:rPr lang="en-US" dirty="0"/>
-              <a:t>Approach</a:t>
-            </a:r>
-          </a:p>
-          <a:p>
-            <a:pPr marL="342900" indent="-342900">
-              <a:buFont typeface="Wingdings" panose="05000000000000000000" pitchFamily="2" charset="2"/>
-              <a:buChar char="q"/>
-            </a:pPr>
-            <a:r>
-              <a:rPr lang="en-US" dirty="0"/>
-              <a:t>Tech Stack Used</a:t>
-            </a:r>
-          </a:p>
-          <a:p>
-            <a:pPr marL="342900" indent="-342900">
-              <a:buFont typeface="Wingdings" panose="05000000000000000000" pitchFamily="2" charset="2"/>
-              <a:buChar char="q"/>
-            </a:pPr>
-            <a:r>
-              <a:rPr lang="en-US" dirty="0"/>
-              <a:t>Analysis</a:t>
-            </a:r>
-          </a:p>
-          <a:p>
-            <a:pPr marL="690372" lvl="1" indent="-342900">
-              <a:buFont typeface="Wingdings" panose="05000000000000000000" pitchFamily="2" charset="2"/>
-              <a:buChar char="q"/>
-            </a:pPr>
-            <a:r>
-              <a:rPr lang="en-US" sz="2200" dirty="0"/>
-              <a:t>Case Study 1: Job Data Analysis</a:t>
-            </a:r>
-          </a:p>
-          <a:p>
-            <a:pPr marL="690372" lvl="1" indent="-342900">
-              <a:buFont typeface="Wingdings" panose="05000000000000000000" pitchFamily="2" charset="2"/>
-              <a:buChar char="q"/>
-            </a:pPr>
-            <a:r>
-              <a:rPr lang="en-US" sz="2200" dirty="0"/>
-              <a:t>Case Study 2: Investigating Metric Spike</a:t>
-            </a:r>
-          </a:p>
-          <a:p>
-            <a:pPr marL="342900" indent="-342900">
-              <a:buFont typeface="Wingdings" panose="05000000000000000000" pitchFamily="2" charset="2"/>
-              <a:buChar char="q"/>
-            </a:pPr>
-            <a:r>
-              <a:rPr lang="en-US" dirty="0"/>
-              <a:t>Insights</a:t>
-            </a:r>
-          </a:p>
-          <a:p>
-            <a:pPr marL="342900" indent="-342900">
-              <a:buFont typeface="Wingdings" panose="05000000000000000000" pitchFamily="2" charset="2"/>
-              <a:buChar char="q"/>
-            </a:pPr>
-            <a:r>
-              <a:rPr lang="en-US" dirty="0"/>
-              <a:t>Conclusion &amp; Result</a:t>
-            </a:r>
-          </a:p>
-        </p:txBody>
-      </p:sp>
-    </p:spTree>
-    <p:extLst>
-      <p:ext uri="{BB962C8B-B14F-4D97-AF65-F5344CB8AC3E}">
-        <p14:creationId xmlns:p14="http://schemas.microsoft.com/office/powerpoint/2010/main" val="3855531800"/>
-      </p:ext>
-    </p:extLst>
-  </p:cSld>
-  <p:clrMapOvr>
-    <a:masterClrMapping/>
-  </p:clrMapOvr>
-</p:sld>
-</file>
-
-<file path=ppt/slides/slide20.xml><?xml version="1.0" encoding="utf-8"?>
+<file path=ppt/slides/slide21.xml><?xml version="1.0" encoding="utf-8"?>
 <p:sld xmlns:a="http://schemas.openxmlformats.org/drawingml/2006/main" xmlns:r="http://schemas.openxmlformats.org/officeDocument/2006/relationships" xmlns:p="http://schemas.openxmlformats.org/presentationml/2006/main">
   <p:cSld>
     <p:spTree>
@@ -30653,7 +31904,7 @@
           <a:p>
             <a:fld id="{48F63A3B-78C7-47BE-AE5E-E10140E04643}" type="slidenum">
               <a:rPr lang="en-US" smtClean="0"/>
-              <a:t>20</a:t>
+              <a:t>21</a:t>
             </a:fld>
             <a:endParaRPr lang="en-US" dirty="0"/>
           </a:p>
@@ -31181,7 +32432,7 @@
 </p:sld>
 </file>
 
-<file path=ppt/slides/slide21.xml><?xml version="1.0" encoding="utf-8"?>
+<file path=ppt/slides/slide22.xml><?xml version="1.0" encoding="utf-8"?>
 <p:sld xmlns:a="http://schemas.openxmlformats.org/drawingml/2006/main" xmlns:r="http://schemas.openxmlformats.org/officeDocument/2006/relationships" xmlns:p="http://schemas.openxmlformats.org/presentationml/2006/main">
   <p:cSld>
     <p:spTree>
@@ -31298,7 +32549,7 @@
 </p:sld>
 </file>
 
-<file path=ppt/slides/slide22.xml><?xml version="1.0" encoding="utf-8"?>
+<file path=ppt/slides/slide23.xml><?xml version="1.0" encoding="utf-8"?>
 <p:sld xmlns:a="http://schemas.openxmlformats.org/drawingml/2006/main" xmlns:r="http://schemas.openxmlformats.org/officeDocument/2006/relationships" xmlns:p="http://schemas.openxmlformats.org/presentationml/2006/main">
   <p:cSld>
     <p:spTree>
@@ -31640,7 +32891,7 @@
           <a:p>
             <a:fld id="{48F63A3B-78C7-47BE-AE5E-E10140E04643}" type="slidenum">
               <a:rPr lang="en-US" smtClean="0"/>
-              <a:t>22</a:t>
+              <a:t>23</a:t>
             </a:fld>
             <a:endParaRPr lang="en-US" dirty="0"/>
           </a:p>
@@ -32025,7 +33276,7 @@
 </p:sld>
 </file>
 
-<file path=ppt/slides/slide23.xml><?xml version="1.0" encoding="utf-8"?>
+<file path=ppt/slides/slide24.xml><?xml version="1.0" encoding="utf-8"?>
 <p:sld xmlns:a="http://schemas.openxmlformats.org/drawingml/2006/main" xmlns:r="http://schemas.openxmlformats.org/officeDocument/2006/relationships" xmlns:p="http://schemas.openxmlformats.org/presentationml/2006/main">
   <p:cSld>
     <p:spTree>
@@ -32288,7 +33539,7 @@
           <a:p>
             <a:fld id="{48F63A3B-78C7-47BE-AE5E-E10140E04643}" type="slidenum">
               <a:rPr lang="en-US" smtClean="0"/>
-              <a:t>23</a:t>
+              <a:t>24</a:t>
             </a:fld>
             <a:endParaRPr lang="en-US" dirty="0"/>
           </a:p>
@@ -32939,7 +34190,7 @@
 </p:sld>
 </file>
 
-<file path=ppt/slides/slide24.xml><?xml version="1.0" encoding="utf-8"?>
+<file path=ppt/slides/slide25.xml><?xml version="1.0" encoding="utf-8"?>
 <p:sld xmlns:a="http://schemas.openxmlformats.org/drawingml/2006/main" xmlns:r="http://schemas.openxmlformats.org/officeDocument/2006/relationships" xmlns:p="http://schemas.openxmlformats.org/presentationml/2006/main">
   <p:cSld>
     <p:spTree>
@@ -33028,7 +34279,7 @@
           <a:p>
             <a:fld id="{48F63A3B-78C7-47BE-AE5E-E10140E04643}" type="slidenum">
               <a:rPr lang="en-US" smtClean="0"/>
-              <a:t>24</a:t>
+              <a:t>25</a:t>
             </a:fld>
             <a:endParaRPr lang="en-US" dirty="0"/>
           </a:p>
@@ -36644,7 +37895,7 @@
 </p:sld>
 </file>
 
-<file path=ppt/slides/slide25.xml><?xml version="1.0" encoding="utf-8"?>
+<file path=ppt/slides/slide26.xml><?xml version="1.0" encoding="utf-8"?>
 <p:sld xmlns:a="http://schemas.openxmlformats.org/drawingml/2006/main" xmlns:r="http://schemas.openxmlformats.org/officeDocument/2006/relationships" xmlns:p="http://schemas.openxmlformats.org/presentationml/2006/main">
   <p:cSld>
     <p:spTree>
@@ -38620,7 +39871,7 @@
           <a:p>
             <a:fld id="{48F63A3B-78C7-47BE-AE5E-E10140E04643}" type="slidenum">
               <a:rPr lang="en-US" smtClean="0"/>
-              <a:t>25</a:t>
+              <a:t>26</a:t>
             </a:fld>
             <a:endParaRPr lang="en-US" dirty="0"/>
           </a:p>
@@ -38811,592 +40062,6 @@
     <p:extLst>
       <p:ext uri="{BB962C8B-B14F-4D97-AF65-F5344CB8AC3E}">
         <p14:creationId xmlns:p14="http://schemas.microsoft.com/office/powerpoint/2010/main" val="2679613745"/>
-      </p:ext>
-    </p:extLst>
-  </p:cSld>
-  <p:clrMapOvr>
-    <a:masterClrMapping/>
-  </p:clrMapOvr>
-</p:sld>
-</file>
-
-<file path=ppt/slides/slide26.xml><?xml version="1.0" encoding="utf-8"?>
-<p:sld xmlns:a="http://schemas.openxmlformats.org/drawingml/2006/main" xmlns:r="http://schemas.openxmlformats.org/officeDocument/2006/relationships" xmlns:p="http://schemas.openxmlformats.org/presentationml/2006/main">
-  <p:cSld>
-    <p:spTree>
-      <p:nvGrpSpPr>
-        <p:cNvPr id="1" name=""/>
-        <p:cNvGrpSpPr/>
-        <p:nvPr/>
-      </p:nvGrpSpPr>
-      <p:grpSpPr>
-        <a:xfrm>
-          <a:off x="0" y="0"/>
-          <a:ext cx="0" cy="0"/>
-          <a:chOff x="0" y="0"/>
-          <a:chExt cx="0" cy="0"/>
-        </a:xfrm>
-      </p:grpSpPr>
-      <p:sp>
-        <p:nvSpPr>
-          <p:cNvPr id="7" name="Rectangle 6">
-            <a:extLst>
-              <a:ext uri="{FF2B5EF4-FFF2-40B4-BE49-F238E27FC236}">
-                <a16:creationId xmlns:a16="http://schemas.microsoft.com/office/drawing/2014/main" id="{9188DFD6-2733-9425-D029-39399B4E550D}"/>
-              </a:ext>
-            </a:extLst>
-          </p:cNvPr>
-          <p:cNvSpPr/>
-          <p:nvPr/>
-        </p:nvSpPr>
-        <p:spPr>
-          <a:xfrm>
-            <a:off x="552723" y="728437"/>
-            <a:ext cx="11242113" cy="795564"/>
-          </a:xfrm>
-          <a:prstGeom prst="rect">
-            <a:avLst/>
-          </a:prstGeom>
-          <a:solidFill>
-            <a:srgbClr val="AAC4E9"/>
-          </a:solidFill>
-        </p:spPr>
-        <p:style>
-          <a:lnRef idx="2">
-            <a:schemeClr val="accent1">
-              <a:shade val="15000"/>
-            </a:schemeClr>
-          </a:lnRef>
-          <a:fillRef idx="1">
-            <a:schemeClr val="accent1"/>
-          </a:fillRef>
-          <a:effectRef idx="0">
-            <a:schemeClr val="accent1"/>
-          </a:effectRef>
-          <a:fontRef idx="minor">
-            <a:schemeClr val="lt1"/>
-          </a:fontRef>
-        </p:style>
-        <p:txBody>
-          <a:bodyPr rtlCol="0" anchor="ctr"/>
-          <a:lstStyle/>
-          <a:p>
-            <a:pPr algn="ctr"/>
-            <a:endParaRPr lang="en-IN" dirty="0"/>
-          </a:p>
-        </p:txBody>
-      </p:sp>
-      <p:sp>
-        <p:nvSpPr>
-          <p:cNvPr id="2" name="Title 1">
-            <a:extLst>
-              <a:ext uri="{FF2B5EF4-FFF2-40B4-BE49-F238E27FC236}">
-                <a16:creationId xmlns:a16="http://schemas.microsoft.com/office/drawing/2014/main" id="{B4B3367A-E398-B7CE-074D-4A6E1F9F17E6}"/>
-              </a:ext>
-            </a:extLst>
-          </p:cNvPr>
-          <p:cNvSpPr>
-            <a:spLocks noGrp="1"/>
-          </p:cNvSpPr>
-          <p:nvPr>
-            <p:ph type="title"/>
-          </p:nvPr>
-        </p:nvSpPr>
-        <p:spPr>
-          <a:xfrm>
-            <a:off x="552723" y="667779"/>
-            <a:ext cx="11380197" cy="922027"/>
-          </a:xfrm>
-        </p:spPr>
-        <p:txBody>
-          <a:bodyPr/>
-          <a:lstStyle/>
-          <a:p>
-            <a:pPr algn="l"/>
-            <a:r>
-              <a:rPr lang="en-US" sz="2000" u="sng" dirty="0">
-                <a:solidFill>
-                  <a:srgbClr val="DF8C8C"/>
-                </a:solidFill>
-              </a:rPr>
-              <a:t>Bots &amp; Fake Accounts: </a:t>
-            </a:r>
-            <a:r>
-              <a:rPr lang="en-US" sz="1600" b="0" dirty="0">
-                <a:solidFill>
-                  <a:schemeClr val="tx1">
-                    <a:lumMod val="85000"/>
-                    <a:lumOff val="15000"/>
-                  </a:schemeClr>
-                </a:solidFill>
-              </a:rPr>
-              <a:t>The investors want to know if the platform is crowded with fake and dummy accounts</a:t>
-            </a:r>
-            <a:r>
-              <a:rPr lang="en-US" sz="1600" b="0" i="0" dirty="0">
-                <a:solidFill>
-                  <a:schemeClr val="tx1">
-                    <a:lumMod val="85000"/>
-                    <a:lumOff val="15000"/>
-                  </a:schemeClr>
-                </a:solidFill>
-                <a:effectLst/>
-                <a:latin typeface="+mj-lt"/>
-              </a:rPr>
-              <a:t>. By providing data on the users who have liked every single photo on the site. (Because normal users don’t like every photo)</a:t>
-            </a:r>
-            <a:endParaRPr lang="en-IN" sz="2000" dirty="0">
-              <a:solidFill>
-                <a:srgbClr val="00B0F0"/>
-              </a:solidFill>
-            </a:endParaRPr>
-          </a:p>
-        </p:txBody>
-      </p:sp>
-      <p:sp>
-        <p:nvSpPr>
-          <p:cNvPr id="3" name="Content Placeholder 2">
-            <a:extLst>
-              <a:ext uri="{FF2B5EF4-FFF2-40B4-BE49-F238E27FC236}">
-                <a16:creationId xmlns:a16="http://schemas.microsoft.com/office/drawing/2014/main" id="{14040B9D-6C90-E727-B66B-09BC523F9813}"/>
-              </a:ext>
-            </a:extLst>
-          </p:cNvPr>
-          <p:cNvSpPr>
-            <a:spLocks noGrp="1"/>
-          </p:cNvSpPr>
-          <p:nvPr>
-            <p:ph sz="half" idx="1"/>
-          </p:nvPr>
-        </p:nvSpPr>
-        <p:spPr>
-          <a:xfrm>
-            <a:off x="536448" y="1650464"/>
-            <a:ext cx="11466162" cy="1714173"/>
-          </a:xfrm>
-        </p:spPr>
-        <p:txBody>
-          <a:bodyPr/>
-          <a:lstStyle/>
-          <a:p>
-            <a:r>
-              <a:rPr lang="en-US" dirty="0"/>
-              <a:t>Steps for finding the inactive users (i.e. users who have never posted a single photo on Instagram.) : </a:t>
-            </a:r>
-          </a:p>
-          <a:p>
-            <a:pPr marL="0" indent="0">
-              <a:buNone/>
-            </a:pPr>
-            <a:r>
-              <a:rPr lang="en-US" dirty="0"/>
-              <a:t>	Step 1) I have selected id &amp; username columns from users column. </a:t>
-            </a:r>
-          </a:p>
-          <a:p>
-            <a:pPr marL="0" indent="0">
-              <a:buNone/>
-            </a:pPr>
-            <a:r>
-              <a:rPr lang="en-US" dirty="0"/>
-              <a:t>	Step 2) Then I derived a table of total number of likes by each users  from a Subquery as ‘total likes per user’.</a:t>
-            </a:r>
-          </a:p>
-          <a:p>
-            <a:pPr marL="0" indent="0">
-              <a:buNone/>
-            </a:pPr>
-            <a:r>
-              <a:rPr lang="en-US" dirty="0"/>
-              <a:t>	Step 3) Then after that column is derived I have applied HAVING command to filter those rows to get only 	             those rows which have maximum number of likes. (i.e. likes all photos.)</a:t>
-            </a:r>
-          </a:p>
-          <a:p>
-            <a:pPr marL="0" indent="0">
-              <a:buNone/>
-            </a:pPr>
-            <a:r>
-              <a:rPr lang="en-US" dirty="0"/>
-              <a:t>	</a:t>
-            </a:r>
-          </a:p>
-          <a:p>
-            <a:pPr marL="0" indent="0">
-              <a:buNone/>
-            </a:pPr>
-            <a:endParaRPr lang="en-US" dirty="0"/>
-          </a:p>
-          <a:p>
-            <a:pPr marL="0" indent="0">
-              <a:buNone/>
-            </a:pPr>
-            <a:endParaRPr lang="en-US" dirty="0"/>
-          </a:p>
-        </p:txBody>
-      </p:sp>
-      <p:sp>
-        <p:nvSpPr>
-          <p:cNvPr id="6" name="Rectangle 5">
-            <a:extLst>
-              <a:ext uri="{FF2B5EF4-FFF2-40B4-BE49-F238E27FC236}">
-                <a16:creationId xmlns:a16="http://schemas.microsoft.com/office/drawing/2014/main" id="{C1F076FB-8F7F-3119-0F15-4A9EFE7EE5F1}"/>
-              </a:ext>
-            </a:extLst>
-          </p:cNvPr>
-          <p:cNvSpPr/>
-          <p:nvPr/>
-        </p:nvSpPr>
-        <p:spPr>
-          <a:xfrm>
-            <a:off x="4300178" y="114768"/>
-            <a:ext cx="3744227" cy="550438"/>
-          </a:xfrm>
-          <a:prstGeom prst="rect">
-            <a:avLst/>
-          </a:prstGeom>
-          <a:solidFill>
-            <a:srgbClr val="F5CDCE"/>
-          </a:solidFill>
-          <a:scene3d>
-            <a:camera prst="orthographicFront"/>
-            <a:lightRig rig="threePt" dir="t"/>
-          </a:scene3d>
-          <a:sp3d>
-            <a:bevelT w="165100" prst="coolSlant"/>
-          </a:sp3d>
-        </p:spPr>
-        <p:style>
-          <a:lnRef idx="2">
-            <a:schemeClr val="accent1">
-              <a:shade val="15000"/>
-            </a:schemeClr>
-          </a:lnRef>
-          <a:fillRef idx="1">
-            <a:schemeClr val="accent1"/>
-          </a:fillRef>
-          <a:effectRef idx="0">
-            <a:schemeClr val="accent1"/>
-          </a:effectRef>
-          <a:fontRef idx="minor">
-            <a:schemeClr val="lt1"/>
-          </a:fontRef>
-        </p:style>
-        <p:txBody>
-          <a:bodyPr rtlCol="0" anchor="ctr"/>
-          <a:lstStyle/>
-          <a:p>
-            <a:pPr algn="ctr"/>
-            <a:endParaRPr lang="en-IN"/>
-          </a:p>
-        </p:txBody>
-      </p:sp>
-      <p:sp>
-        <p:nvSpPr>
-          <p:cNvPr id="4" name="Footer Placeholder 3">
-            <a:extLst>
-              <a:ext uri="{FF2B5EF4-FFF2-40B4-BE49-F238E27FC236}">
-                <a16:creationId xmlns:a16="http://schemas.microsoft.com/office/drawing/2014/main" id="{5CADA85B-C3A2-FC5A-1070-4AF5622A1D5A}"/>
-              </a:ext>
-            </a:extLst>
-          </p:cNvPr>
-          <p:cNvSpPr>
-            <a:spLocks noGrp="1"/>
-          </p:cNvSpPr>
-          <p:nvPr>
-            <p:ph type="ftr" sz="quarter" idx="11"/>
-          </p:nvPr>
-        </p:nvSpPr>
-        <p:spPr>
-          <a:xfrm>
-            <a:off x="4296320" y="256597"/>
-            <a:ext cx="3984000" cy="274320"/>
-          </a:xfrm>
-        </p:spPr>
-        <p:txBody>
-          <a:bodyPr/>
-          <a:lstStyle/>
-          <a:p>
-            <a:r>
-              <a:rPr lang="en-US" sz="3200" b="1" dirty="0">
-                <a:latin typeface="+mj-lt"/>
-              </a:rPr>
-              <a:t>Investor Metrics</a:t>
-            </a:r>
-          </a:p>
-        </p:txBody>
-      </p:sp>
-      <p:sp>
-        <p:nvSpPr>
-          <p:cNvPr id="5" name="Slide Number Placeholder 4">
-            <a:extLst>
-              <a:ext uri="{FF2B5EF4-FFF2-40B4-BE49-F238E27FC236}">
-                <a16:creationId xmlns:a16="http://schemas.microsoft.com/office/drawing/2014/main" id="{8F7B6822-5084-6171-ECBD-CA814C69D183}"/>
-              </a:ext>
-            </a:extLst>
-          </p:cNvPr>
-          <p:cNvSpPr>
-            <a:spLocks noGrp="1"/>
-          </p:cNvSpPr>
-          <p:nvPr>
-            <p:ph type="sldNum" sz="quarter" idx="12"/>
-          </p:nvPr>
-        </p:nvSpPr>
-        <p:spPr/>
-        <p:txBody>
-          <a:bodyPr/>
-          <a:lstStyle/>
-          <a:p>
-            <a:fld id="{48F63A3B-78C7-47BE-AE5E-E10140E04643}" type="slidenum">
-              <a:rPr lang="en-US" smtClean="0"/>
-              <a:t>26</a:t>
-            </a:fld>
-            <a:endParaRPr lang="en-US" dirty="0"/>
-          </a:p>
-        </p:txBody>
-      </p:sp>
-      <p:sp>
-        <p:nvSpPr>
-          <p:cNvPr id="9" name="Rectangle: Rounded Corners 8">
-            <a:extLst>
-              <a:ext uri="{FF2B5EF4-FFF2-40B4-BE49-F238E27FC236}">
-                <a16:creationId xmlns:a16="http://schemas.microsoft.com/office/drawing/2014/main" id="{2CF20CC9-103C-611F-3BEA-37C975AA9957}"/>
-              </a:ext>
-            </a:extLst>
-          </p:cNvPr>
-          <p:cNvSpPr/>
-          <p:nvPr/>
-        </p:nvSpPr>
-        <p:spPr>
-          <a:xfrm>
-            <a:off x="725234" y="3950562"/>
-            <a:ext cx="10889314" cy="2310679"/>
-          </a:xfrm>
-          <a:prstGeom prst="roundRect">
-            <a:avLst/>
-          </a:prstGeom>
-          <a:effectLst>
-            <a:outerShdw blurRad="152400" dist="317500" dir="5400000" sx="90000" sy="-19000" rotWithShape="0">
-              <a:prstClr val="black">
-                <a:alpha val="15000"/>
-              </a:prstClr>
-            </a:outerShdw>
-          </a:effectLst>
-        </p:spPr>
-        <p:style>
-          <a:lnRef idx="2">
-            <a:schemeClr val="accent1">
-              <a:shade val="15000"/>
-            </a:schemeClr>
-          </a:lnRef>
-          <a:fillRef idx="1">
-            <a:schemeClr val="accent1"/>
-          </a:fillRef>
-          <a:effectRef idx="0">
-            <a:schemeClr val="accent1"/>
-          </a:effectRef>
-          <a:fontRef idx="minor">
-            <a:schemeClr val="lt1"/>
-          </a:fontRef>
-        </p:style>
-        <p:txBody>
-          <a:bodyPr rtlCol="0" anchor="ctr"/>
-          <a:lstStyle/>
-          <a:p>
-            <a:pPr algn="ctr"/>
-            <a:endParaRPr lang="en-IN"/>
-          </a:p>
-        </p:txBody>
-      </p:sp>
-      <p:sp>
-        <p:nvSpPr>
-          <p:cNvPr id="10" name="TextBox 9">
-            <a:extLst>
-              <a:ext uri="{FF2B5EF4-FFF2-40B4-BE49-F238E27FC236}">
-                <a16:creationId xmlns:a16="http://schemas.microsoft.com/office/drawing/2014/main" id="{42E07593-0F8D-90BE-5E8E-3609076B7CCC}"/>
-              </a:ext>
-            </a:extLst>
-          </p:cNvPr>
-          <p:cNvSpPr txBox="1"/>
-          <p:nvPr/>
-        </p:nvSpPr>
-        <p:spPr>
-          <a:xfrm>
-            <a:off x="876808" y="3611392"/>
-            <a:ext cx="5163846" cy="369332"/>
-          </a:xfrm>
-          <a:prstGeom prst="rect">
-            <a:avLst/>
-          </a:prstGeom>
-          <a:noFill/>
-        </p:spPr>
-        <p:txBody>
-          <a:bodyPr wrap="square" rtlCol="0">
-            <a:spAutoFit/>
-          </a:bodyPr>
-          <a:lstStyle/>
-          <a:p>
-            <a:r>
-              <a:rPr lang="en-US" b="1" u="sng" dirty="0">
-                <a:highlight>
-                  <a:srgbClr val="AAC4E9"/>
-                </a:highlight>
-              </a:rPr>
-              <a:t>Query (to find users who have liked all posts</a:t>
-            </a:r>
-            <a:r>
-              <a:rPr lang="en-IN" b="1" u="sng" dirty="0">
-                <a:highlight>
-                  <a:srgbClr val="AAC4E9"/>
-                </a:highlight>
-              </a:rPr>
-              <a:t>) :</a:t>
-            </a:r>
-          </a:p>
-        </p:txBody>
-      </p:sp>
-      <p:sp>
-        <p:nvSpPr>
-          <p:cNvPr id="8" name="TextBox 7">
-            <a:extLst>
-              <a:ext uri="{FF2B5EF4-FFF2-40B4-BE49-F238E27FC236}">
-                <a16:creationId xmlns:a16="http://schemas.microsoft.com/office/drawing/2014/main" id="{987BF796-5E36-A870-2E88-016E1047FA0A}"/>
-              </a:ext>
-            </a:extLst>
-          </p:cNvPr>
-          <p:cNvSpPr txBox="1"/>
-          <p:nvPr/>
-        </p:nvSpPr>
-        <p:spPr>
-          <a:xfrm>
-            <a:off x="876808" y="3930880"/>
-            <a:ext cx="10438384" cy="2393846"/>
-          </a:xfrm>
-          <a:prstGeom prst="rect">
-            <a:avLst/>
-          </a:prstGeom>
-          <a:noFill/>
-        </p:spPr>
-        <p:txBody>
-          <a:bodyPr wrap="square" numCol="2" rtlCol="0">
-            <a:spAutoFit/>
-          </a:bodyPr>
-          <a:lstStyle/>
-          <a:p>
-            <a:r>
-              <a:rPr lang="en-US" dirty="0">
-                <a:solidFill>
-                  <a:srgbClr val="202C8F"/>
-                </a:solidFill>
-              </a:rPr>
-              <a:t>SELECT</a:t>
-            </a:r>
-          </a:p>
-          <a:p>
-            <a:r>
-              <a:rPr lang="en-US" dirty="0">
-                <a:solidFill>
-                  <a:srgbClr val="202C8F"/>
-                </a:solidFill>
-              </a:rPr>
-              <a:t>  id, username,</a:t>
-            </a:r>
-          </a:p>
-          <a:p>
-            <a:r>
-              <a:rPr lang="en-US" dirty="0">
-                <a:solidFill>
-                  <a:srgbClr val="202C8F"/>
-                </a:solidFill>
-              </a:rPr>
-              <a:t>  (SELECT COUNT(*) FROM likes WHERE </a:t>
-            </a:r>
-            <a:r>
-              <a:rPr lang="en-US" dirty="0" err="1">
-                <a:solidFill>
-                  <a:srgbClr val="202C8F"/>
-                </a:solidFill>
-              </a:rPr>
-              <a:t>user_id</a:t>
-            </a:r>
-            <a:r>
-              <a:rPr lang="en-US" dirty="0">
-                <a:solidFill>
-                  <a:srgbClr val="202C8F"/>
-                </a:solidFill>
-              </a:rPr>
-              <a:t> = users.id) AS </a:t>
-            </a:r>
-            <a:r>
-              <a:rPr lang="en-US" dirty="0" err="1">
-                <a:solidFill>
-                  <a:srgbClr val="202C8F"/>
-                </a:solidFill>
-              </a:rPr>
-              <a:t>total_likes_per_user</a:t>
-            </a:r>
-            <a:endParaRPr lang="en-US" dirty="0">
-              <a:solidFill>
-                <a:srgbClr val="202C8F"/>
-              </a:solidFill>
-            </a:endParaRPr>
-          </a:p>
-          <a:p>
-            <a:r>
-              <a:rPr lang="en-US" dirty="0">
-                <a:solidFill>
-                  <a:srgbClr val="202C8F"/>
-                </a:solidFill>
-              </a:rPr>
-              <a:t>FROM users</a:t>
-            </a:r>
-          </a:p>
-          <a:p>
-            <a:r>
-              <a:rPr lang="en-US" dirty="0">
-                <a:solidFill>
-                  <a:srgbClr val="202C8F"/>
-                </a:solidFill>
-              </a:rPr>
-              <a:t>HAVING</a:t>
-            </a:r>
-          </a:p>
-          <a:p>
-            <a:r>
-              <a:rPr lang="en-US" dirty="0">
-                <a:solidFill>
-                  <a:srgbClr val="202C8F"/>
-                </a:solidFill>
-              </a:rPr>
-              <a:t>  </a:t>
-            </a:r>
-            <a:r>
-              <a:rPr lang="en-US" dirty="0" err="1">
-                <a:solidFill>
-                  <a:srgbClr val="202C8F"/>
-                </a:solidFill>
-              </a:rPr>
-              <a:t>total_likes_per_user</a:t>
-            </a:r>
-            <a:r>
-              <a:rPr lang="en-US" dirty="0">
-                <a:solidFill>
-                  <a:srgbClr val="202C8F"/>
-                </a:solidFill>
-              </a:rPr>
-              <a:t> = (SELECT COUNT(*) FROM photos);</a:t>
-            </a:r>
-            <a:endParaRPr lang="en-IN" dirty="0">
-              <a:solidFill>
-                <a:srgbClr val="202C8F"/>
-              </a:solidFill>
-            </a:endParaRPr>
-          </a:p>
-        </p:txBody>
-      </p:sp>
-    </p:spTree>
-    <p:extLst>
-      <p:ext uri="{BB962C8B-B14F-4D97-AF65-F5344CB8AC3E}">
-        <p14:creationId xmlns:p14="http://schemas.microsoft.com/office/powerpoint/2010/main" val="3233542078"/>
       </p:ext>
     </p:extLst>
   </p:cSld>
@@ -39500,6 +40165,592 @@
           <a:p>
             <a:pPr algn="l"/>
             <a:r>
+              <a:rPr lang="en-US" sz="2000" u="sng" dirty="0">
+                <a:solidFill>
+                  <a:srgbClr val="DF8C8C"/>
+                </a:solidFill>
+              </a:rPr>
+              <a:t>Bots &amp; Fake Accounts: </a:t>
+            </a:r>
+            <a:r>
+              <a:rPr lang="en-US" sz="1600" b="0" dirty="0">
+                <a:solidFill>
+                  <a:schemeClr val="tx1">
+                    <a:lumMod val="85000"/>
+                    <a:lumOff val="15000"/>
+                  </a:schemeClr>
+                </a:solidFill>
+              </a:rPr>
+              <a:t>The investors want to know if the platform is crowded with fake and dummy accounts</a:t>
+            </a:r>
+            <a:r>
+              <a:rPr lang="en-US" sz="1600" b="0" i="0" dirty="0">
+                <a:solidFill>
+                  <a:schemeClr val="tx1">
+                    <a:lumMod val="85000"/>
+                    <a:lumOff val="15000"/>
+                  </a:schemeClr>
+                </a:solidFill>
+                <a:effectLst/>
+                <a:latin typeface="+mj-lt"/>
+              </a:rPr>
+              <a:t>. By providing data on the users who have liked every single photo on the site. (Because normal users don’t like every photo)</a:t>
+            </a:r>
+            <a:endParaRPr lang="en-IN" sz="2000" dirty="0">
+              <a:solidFill>
+                <a:srgbClr val="00B0F0"/>
+              </a:solidFill>
+            </a:endParaRPr>
+          </a:p>
+        </p:txBody>
+      </p:sp>
+      <p:sp>
+        <p:nvSpPr>
+          <p:cNvPr id="3" name="Content Placeholder 2">
+            <a:extLst>
+              <a:ext uri="{FF2B5EF4-FFF2-40B4-BE49-F238E27FC236}">
+                <a16:creationId xmlns:a16="http://schemas.microsoft.com/office/drawing/2014/main" id="{14040B9D-6C90-E727-B66B-09BC523F9813}"/>
+              </a:ext>
+            </a:extLst>
+          </p:cNvPr>
+          <p:cNvSpPr>
+            <a:spLocks noGrp="1"/>
+          </p:cNvSpPr>
+          <p:nvPr>
+            <p:ph sz="half" idx="1"/>
+          </p:nvPr>
+        </p:nvSpPr>
+        <p:spPr>
+          <a:xfrm>
+            <a:off x="536448" y="1650464"/>
+            <a:ext cx="11466162" cy="1714173"/>
+          </a:xfrm>
+        </p:spPr>
+        <p:txBody>
+          <a:bodyPr/>
+          <a:lstStyle/>
+          <a:p>
+            <a:r>
+              <a:rPr lang="en-US" dirty="0"/>
+              <a:t>Steps for finding the inactive users (i.e. users who have never posted a single photo on Instagram.) : </a:t>
+            </a:r>
+          </a:p>
+          <a:p>
+            <a:pPr marL="0" indent="0">
+              <a:buNone/>
+            </a:pPr>
+            <a:r>
+              <a:rPr lang="en-US" dirty="0"/>
+              <a:t>	Step 1) I have selected id &amp; username columns from users column. </a:t>
+            </a:r>
+          </a:p>
+          <a:p>
+            <a:pPr marL="0" indent="0">
+              <a:buNone/>
+            </a:pPr>
+            <a:r>
+              <a:rPr lang="en-US" dirty="0"/>
+              <a:t>	Step 2) Then I derived a table of total number of likes by each users  from a Subquery as ‘total likes per user’.</a:t>
+            </a:r>
+          </a:p>
+          <a:p>
+            <a:pPr marL="0" indent="0">
+              <a:buNone/>
+            </a:pPr>
+            <a:r>
+              <a:rPr lang="en-US" dirty="0"/>
+              <a:t>	Step 3) Then after that column is derived I have applied HAVING command to filter those rows to get only 	             those rows which have maximum number of likes. (i.e. likes all photos.)</a:t>
+            </a:r>
+          </a:p>
+          <a:p>
+            <a:pPr marL="0" indent="0">
+              <a:buNone/>
+            </a:pPr>
+            <a:r>
+              <a:rPr lang="en-US" dirty="0"/>
+              <a:t>	</a:t>
+            </a:r>
+          </a:p>
+          <a:p>
+            <a:pPr marL="0" indent="0">
+              <a:buNone/>
+            </a:pPr>
+            <a:endParaRPr lang="en-US" dirty="0"/>
+          </a:p>
+          <a:p>
+            <a:pPr marL="0" indent="0">
+              <a:buNone/>
+            </a:pPr>
+            <a:endParaRPr lang="en-US" dirty="0"/>
+          </a:p>
+        </p:txBody>
+      </p:sp>
+      <p:sp>
+        <p:nvSpPr>
+          <p:cNvPr id="6" name="Rectangle 5">
+            <a:extLst>
+              <a:ext uri="{FF2B5EF4-FFF2-40B4-BE49-F238E27FC236}">
+                <a16:creationId xmlns:a16="http://schemas.microsoft.com/office/drawing/2014/main" id="{C1F076FB-8F7F-3119-0F15-4A9EFE7EE5F1}"/>
+              </a:ext>
+            </a:extLst>
+          </p:cNvPr>
+          <p:cNvSpPr/>
+          <p:nvPr/>
+        </p:nvSpPr>
+        <p:spPr>
+          <a:xfrm>
+            <a:off x="4300178" y="114768"/>
+            <a:ext cx="3744227" cy="550438"/>
+          </a:xfrm>
+          <a:prstGeom prst="rect">
+            <a:avLst/>
+          </a:prstGeom>
+          <a:solidFill>
+            <a:srgbClr val="F5CDCE"/>
+          </a:solidFill>
+          <a:scene3d>
+            <a:camera prst="orthographicFront"/>
+            <a:lightRig rig="threePt" dir="t"/>
+          </a:scene3d>
+          <a:sp3d>
+            <a:bevelT w="165100" prst="coolSlant"/>
+          </a:sp3d>
+        </p:spPr>
+        <p:style>
+          <a:lnRef idx="2">
+            <a:schemeClr val="accent1">
+              <a:shade val="15000"/>
+            </a:schemeClr>
+          </a:lnRef>
+          <a:fillRef idx="1">
+            <a:schemeClr val="accent1"/>
+          </a:fillRef>
+          <a:effectRef idx="0">
+            <a:schemeClr val="accent1"/>
+          </a:effectRef>
+          <a:fontRef idx="minor">
+            <a:schemeClr val="lt1"/>
+          </a:fontRef>
+        </p:style>
+        <p:txBody>
+          <a:bodyPr rtlCol="0" anchor="ctr"/>
+          <a:lstStyle/>
+          <a:p>
+            <a:pPr algn="ctr"/>
+            <a:endParaRPr lang="en-IN"/>
+          </a:p>
+        </p:txBody>
+      </p:sp>
+      <p:sp>
+        <p:nvSpPr>
+          <p:cNvPr id="4" name="Footer Placeholder 3">
+            <a:extLst>
+              <a:ext uri="{FF2B5EF4-FFF2-40B4-BE49-F238E27FC236}">
+                <a16:creationId xmlns:a16="http://schemas.microsoft.com/office/drawing/2014/main" id="{5CADA85B-C3A2-FC5A-1070-4AF5622A1D5A}"/>
+              </a:ext>
+            </a:extLst>
+          </p:cNvPr>
+          <p:cNvSpPr>
+            <a:spLocks noGrp="1"/>
+          </p:cNvSpPr>
+          <p:nvPr>
+            <p:ph type="ftr" sz="quarter" idx="11"/>
+          </p:nvPr>
+        </p:nvSpPr>
+        <p:spPr>
+          <a:xfrm>
+            <a:off x="4296320" y="256597"/>
+            <a:ext cx="3984000" cy="274320"/>
+          </a:xfrm>
+        </p:spPr>
+        <p:txBody>
+          <a:bodyPr/>
+          <a:lstStyle/>
+          <a:p>
+            <a:r>
+              <a:rPr lang="en-US" sz="3200" b="1" dirty="0">
+                <a:latin typeface="+mj-lt"/>
+              </a:rPr>
+              <a:t>Investor Metrics</a:t>
+            </a:r>
+          </a:p>
+        </p:txBody>
+      </p:sp>
+      <p:sp>
+        <p:nvSpPr>
+          <p:cNvPr id="5" name="Slide Number Placeholder 4">
+            <a:extLst>
+              <a:ext uri="{FF2B5EF4-FFF2-40B4-BE49-F238E27FC236}">
+                <a16:creationId xmlns:a16="http://schemas.microsoft.com/office/drawing/2014/main" id="{8F7B6822-5084-6171-ECBD-CA814C69D183}"/>
+              </a:ext>
+            </a:extLst>
+          </p:cNvPr>
+          <p:cNvSpPr>
+            <a:spLocks noGrp="1"/>
+          </p:cNvSpPr>
+          <p:nvPr>
+            <p:ph type="sldNum" sz="quarter" idx="12"/>
+          </p:nvPr>
+        </p:nvSpPr>
+        <p:spPr/>
+        <p:txBody>
+          <a:bodyPr/>
+          <a:lstStyle/>
+          <a:p>
+            <a:fld id="{48F63A3B-78C7-47BE-AE5E-E10140E04643}" type="slidenum">
+              <a:rPr lang="en-US" smtClean="0"/>
+              <a:t>27</a:t>
+            </a:fld>
+            <a:endParaRPr lang="en-US" dirty="0"/>
+          </a:p>
+        </p:txBody>
+      </p:sp>
+      <p:sp>
+        <p:nvSpPr>
+          <p:cNvPr id="9" name="Rectangle: Rounded Corners 8">
+            <a:extLst>
+              <a:ext uri="{FF2B5EF4-FFF2-40B4-BE49-F238E27FC236}">
+                <a16:creationId xmlns:a16="http://schemas.microsoft.com/office/drawing/2014/main" id="{2CF20CC9-103C-611F-3BEA-37C975AA9957}"/>
+              </a:ext>
+            </a:extLst>
+          </p:cNvPr>
+          <p:cNvSpPr/>
+          <p:nvPr/>
+        </p:nvSpPr>
+        <p:spPr>
+          <a:xfrm>
+            <a:off x="725234" y="3950562"/>
+            <a:ext cx="10889314" cy="2310679"/>
+          </a:xfrm>
+          <a:prstGeom prst="roundRect">
+            <a:avLst/>
+          </a:prstGeom>
+          <a:effectLst>
+            <a:outerShdw blurRad="152400" dist="317500" dir="5400000" sx="90000" sy="-19000" rotWithShape="0">
+              <a:prstClr val="black">
+                <a:alpha val="15000"/>
+              </a:prstClr>
+            </a:outerShdw>
+          </a:effectLst>
+        </p:spPr>
+        <p:style>
+          <a:lnRef idx="2">
+            <a:schemeClr val="accent1">
+              <a:shade val="15000"/>
+            </a:schemeClr>
+          </a:lnRef>
+          <a:fillRef idx="1">
+            <a:schemeClr val="accent1"/>
+          </a:fillRef>
+          <a:effectRef idx="0">
+            <a:schemeClr val="accent1"/>
+          </a:effectRef>
+          <a:fontRef idx="minor">
+            <a:schemeClr val="lt1"/>
+          </a:fontRef>
+        </p:style>
+        <p:txBody>
+          <a:bodyPr rtlCol="0" anchor="ctr"/>
+          <a:lstStyle/>
+          <a:p>
+            <a:pPr algn="ctr"/>
+            <a:endParaRPr lang="en-IN"/>
+          </a:p>
+        </p:txBody>
+      </p:sp>
+      <p:sp>
+        <p:nvSpPr>
+          <p:cNvPr id="10" name="TextBox 9">
+            <a:extLst>
+              <a:ext uri="{FF2B5EF4-FFF2-40B4-BE49-F238E27FC236}">
+                <a16:creationId xmlns:a16="http://schemas.microsoft.com/office/drawing/2014/main" id="{42E07593-0F8D-90BE-5E8E-3609076B7CCC}"/>
+              </a:ext>
+            </a:extLst>
+          </p:cNvPr>
+          <p:cNvSpPr txBox="1"/>
+          <p:nvPr/>
+        </p:nvSpPr>
+        <p:spPr>
+          <a:xfrm>
+            <a:off x="876808" y="3611392"/>
+            <a:ext cx="5163846" cy="369332"/>
+          </a:xfrm>
+          <a:prstGeom prst="rect">
+            <a:avLst/>
+          </a:prstGeom>
+          <a:noFill/>
+        </p:spPr>
+        <p:txBody>
+          <a:bodyPr wrap="square" rtlCol="0">
+            <a:spAutoFit/>
+          </a:bodyPr>
+          <a:lstStyle/>
+          <a:p>
+            <a:r>
+              <a:rPr lang="en-US" b="1" u="sng" dirty="0">
+                <a:highlight>
+                  <a:srgbClr val="AAC4E9"/>
+                </a:highlight>
+              </a:rPr>
+              <a:t>Query (to find users who have liked all posts</a:t>
+            </a:r>
+            <a:r>
+              <a:rPr lang="en-IN" b="1" u="sng" dirty="0">
+                <a:highlight>
+                  <a:srgbClr val="AAC4E9"/>
+                </a:highlight>
+              </a:rPr>
+              <a:t>) :</a:t>
+            </a:r>
+          </a:p>
+        </p:txBody>
+      </p:sp>
+      <p:sp>
+        <p:nvSpPr>
+          <p:cNvPr id="8" name="TextBox 7">
+            <a:extLst>
+              <a:ext uri="{FF2B5EF4-FFF2-40B4-BE49-F238E27FC236}">
+                <a16:creationId xmlns:a16="http://schemas.microsoft.com/office/drawing/2014/main" id="{987BF796-5E36-A870-2E88-016E1047FA0A}"/>
+              </a:ext>
+            </a:extLst>
+          </p:cNvPr>
+          <p:cNvSpPr txBox="1"/>
+          <p:nvPr/>
+        </p:nvSpPr>
+        <p:spPr>
+          <a:xfrm>
+            <a:off x="876808" y="3930880"/>
+            <a:ext cx="10438384" cy="2393846"/>
+          </a:xfrm>
+          <a:prstGeom prst="rect">
+            <a:avLst/>
+          </a:prstGeom>
+          <a:noFill/>
+        </p:spPr>
+        <p:txBody>
+          <a:bodyPr wrap="square" numCol="2" rtlCol="0">
+            <a:spAutoFit/>
+          </a:bodyPr>
+          <a:lstStyle/>
+          <a:p>
+            <a:r>
+              <a:rPr lang="en-US" dirty="0">
+                <a:solidFill>
+                  <a:srgbClr val="202C8F"/>
+                </a:solidFill>
+              </a:rPr>
+              <a:t>SELECT</a:t>
+            </a:r>
+          </a:p>
+          <a:p>
+            <a:r>
+              <a:rPr lang="en-US" dirty="0">
+                <a:solidFill>
+                  <a:srgbClr val="202C8F"/>
+                </a:solidFill>
+              </a:rPr>
+              <a:t>  id, username,</a:t>
+            </a:r>
+          </a:p>
+          <a:p>
+            <a:r>
+              <a:rPr lang="en-US" dirty="0">
+                <a:solidFill>
+                  <a:srgbClr val="202C8F"/>
+                </a:solidFill>
+              </a:rPr>
+              <a:t>  (SELECT COUNT(*) FROM likes WHERE </a:t>
+            </a:r>
+            <a:r>
+              <a:rPr lang="en-US" dirty="0" err="1">
+                <a:solidFill>
+                  <a:srgbClr val="202C8F"/>
+                </a:solidFill>
+              </a:rPr>
+              <a:t>user_id</a:t>
+            </a:r>
+            <a:r>
+              <a:rPr lang="en-US" dirty="0">
+                <a:solidFill>
+                  <a:srgbClr val="202C8F"/>
+                </a:solidFill>
+              </a:rPr>
+              <a:t> = users.id) AS </a:t>
+            </a:r>
+            <a:r>
+              <a:rPr lang="en-US" dirty="0" err="1">
+                <a:solidFill>
+                  <a:srgbClr val="202C8F"/>
+                </a:solidFill>
+              </a:rPr>
+              <a:t>total_likes_per_user</a:t>
+            </a:r>
+            <a:endParaRPr lang="en-US" dirty="0">
+              <a:solidFill>
+                <a:srgbClr val="202C8F"/>
+              </a:solidFill>
+            </a:endParaRPr>
+          </a:p>
+          <a:p>
+            <a:r>
+              <a:rPr lang="en-US" dirty="0">
+                <a:solidFill>
+                  <a:srgbClr val="202C8F"/>
+                </a:solidFill>
+              </a:rPr>
+              <a:t>FROM users</a:t>
+            </a:r>
+          </a:p>
+          <a:p>
+            <a:r>
+              <a:rPr lang="en-US" dirty="0">
+                <a:solidFill>
+                  <a:srgbClr val="202C8F"/>
+                </a:solidFill>
+              </a:rPr>
+              <a:t>HAVING</a:t>
+            </a:r>
+          </a:p>
+          <a:p>
+            <a:r>
+              <a:rPr lang="en-US" dirty="0">
+                <a:solidFill>
+                  <a:srgbClr val="202C8F"/>
+                </a:solidFill>
+              </a:rPr>
+              <a:t>  </a:t>
+            </a:r>
+            <a:r>
+              <a:rPr lang="en-US" dirty="0" err="1">
+                <a:solidFill>
+                  <a:srgbClr val="202C8F"/>
+                </a:solidFill>
+              </a:rPr>
+              <a:t>total_likes_per_user</a:t>
+            </a:r>
+            <a:r>
+              <a:rPr lang="en-US" dirty="0">
+                <a:solidFill>
+                  <a:srgbClr val="202C8F"/>
+                </a:solidFill>
+              </a:rPr>
+              <a:t> = (SELECT COUNT(*) FROM photos);</a:t>
+            </a:r>
+            <a:endParaRPr lang="en-IN" dirty="0">
+              <a:solidFill>
+                <a:srgbClr val="202C8F"/>
+              </a:solidFill>
+            </a:endParaRPr>
+          </a:p>
+        </p:txBody>
+      </p:sp>
+    </p:spTree>
+    <p:extLst>
+      <p:ext uri="{BB962C8B-B14F-4D97-AF65-F5344CB8AC3E}">
+        <p14:creationId xmlns:p14="http://schemas.microsoft.com/office/powerpoint/2010/main" val="3233542078"/>
+      </p:ext>
+    </p:extLst>
+  </p:cSld>
+  <p:clrMapOvr>
+    <a:masterClrMapping/>
+  </p:clrMapOvr>
+</p:sld>
+</file>
+
+<file path=ppt/slides/slide28.xml><?xml version="1.0" encoding="utf-8"?>
+<p:sld xmlns:a="http://schemas.openxmlformats.org/drawingml/2006/main" xmlns:r="http://schemas.openxmlformats.org/officeDocument/2006/relationships" xmlns:p="http://schemas.openxmlformats.org/presentationml/2006/main">
+  <p:cSld>
+    <p:spTree>
+      <p:nvGrpSpPr>
+        <p:cNvPr id="1" name=""/>
+        <p:cNvGrpSpPr/>
+        <p:nvPr/>
+      </p:nvGrpSpPr>
+      <p:grpSpPr>
+        <a:xfrm>
+          <a:off x="0" y="0"/>
+          <a:ext cx="0" cy="0"/>
+          <a:chOff x="0" y="0"/>
+          <a:chExt cx="0" cy="0"/>
+        </a:xfrm>
+      </p:grpSpPr>
+      <p:sp>
+        <p:nvSpPr>
+          <p:cNvPr id="7" name="Rectangle 6">
+            <a:extLst>
+              <a:ext uri="{FF2B5EF4-FFF2-40B4-BE49-F238E27FC236}">
+                <a16:creationId xmlns:a16="http://schemas.microsoft.com/office/drawing/2014/main" id="{9188DFD6-2733-9425-D029-39399B4E550D}"/>
+              </a:ext>
+            </a:extLst>
+          </p:cNvPr>
+          <p:cNvSpPr/>
+          <p:nvPr/>
+        </p:nvSpPr>
+        <p:spPr>
+          <a:xfrm>
+            <a:off x="552723" y="728437"/>
+            <a:ext cx="11242113" cy="795564"/>
+          </a:xfrm>
+          <a:prstGeom prst="rect">
+            <a:avLst/>
+          </a:prstGeom>
+          <a:solidFill>
+            <a:srgbClr val="AAC4E9"/>
+          </a:solidFill>
+        </p:spPr>
+        <p:style>
+          <a:lnRef idx="2">
+            <a:schemeClr val="accent1">
+              <a:shade val="15000"/>
+            </a:schemeClr>
+          </a:lnRef>
+          <a:fillRef idx="1">
+            <a:schemeClr val="accent1"/>
+          </a:fillRef>
+          <a:effectRef idx="0">
+            <a:schemeClr val="accent1"/>
+          </a:effectRef>
+          <a:fontRef idx="minor">
+            <a:schemeClr val="lt1"/>
+          </a:fontRef>
+        </p:style>
+        <p:txBody>
+          <a:bodyPr rtlCol="0" anchor="ctr"/>
+          <a:lstStyle/>
+          <a:p>
+            <a:pPr algn="ctr"/>
+            <a:endParaRPr lang="en-IN" dirty="0"/>
+          </a:p>
+        </p:txBody>
+      </p:sp>
+      <p:sp>
+        <p:nvSpPr>
+          <p:cNvPr id="2" name="Title 1">
+            <a:extLst>
+              <a:ext uri="{FF2B5EF4-FFF2-40B4-BE49-F238E27FC236}">
+                <a16:creationId xmlns:a16="http://schemas.microsoft.com/office/drawing/2014/main" id="{B4B3367A-E398-B7CE-074D-4A6E1F9F17E6}"/>
+              </a:ext>
+            </a:extLst>
+          </p:cNvPr>
+          <p:cNvSpPr>
+            <a:spLocks noGrp="1"/>
+          </p:cNvSpPr>
+          <p:nvPr>
+            <p:ph type="title"/>
+          </p:nvPr>
+        </p:nvSpPr>
+        <p:spPr>
+          <a:xfrm>
+            <a:off x="552723" y="667779"/>
+            <a:ext cx="11380197" cy="922027"/>
+          </a:xfrm>
+        </p:spPr>
+        <p:txBody>
+          <a:bodyPr/>
+          <a:lstStyle/>
+          <a:p>
+            <a:pPr algn="l"/>
+            <a:r>
               <a:rPr kumimoji="0" lang="en-US" sz="2000" b="1" i="0" u="sng" strike="noStrike" kern="1200" cap="all" spc="0" normalizeH="0" baseline="0" noProof="0" dirty="0">
                 <a:ln>
                   <a:noFill/>
@@ -39718,7 +40969,7 @@
           <a:p>
             <a:fld id="{48F63A3B-78C7-47BE-AE5E-E10140E04643}" type="slidenum">
               <a:rPr lang="en-US" smtClean="0"/>
-              <a:t>27</a:t>
+              <a:t>28</a:t>
             </a:fld>
             <a:endParaRPr lang="en-US" dirty="0"/>
           </a:p>
@@ -40794,7 +42045,7 @@
 </p:sld>
 </file>
 
-<file path=ppt/slides/slide28.xml><?xml version="1.0" encoding="utf-8"?>
+<file path=ppt/slides/slide29.xml><?xml version="1.0" encoding="utf-8"?>
 <p:sld xmlns:a="http://schemas.openxmlformats.org/drawingml/2006/main" xmlns:r="http://schemas.openxmlformats.org/officeDocument/2006/relationships" xmlns:p="http://schemas.openxmlformats.org/presentationml/2006/main">
   <p:cSld>
     <p:spTree>
@@ -40849,318 +42100,6 @@
     <p:extLst>
       <p:ext uri="{BB962C8B-B14F-4D97-AF65-F5344CB8AC3E}">
         <p14:creationId xmlns:p14="http://schemas.microsoft.com/office/powerpoint/2010/main" val="2563908345"/>
-      </p:ext>
-    </p:extLst>
-  </p:cSld>
-  <p:clrMapOvr>
-    <a:masterClrMapping/>
-  </p:clrMapOvr>
-</p:sld>
-</file>
-
-<file path=ppt/slides/slide29.xml><?xml version="1.0" encoding="utf-8"?>
-<p:sld xmlns:a="http://schemas.openxmlformats.org/drawingml/2006/main" xmlns:r="http://schemas.openxmlformats.org/officeDocument/2006/relationships" xmlns:p="http://schemas.openxmlformats.org/presentationml/2006/main">
-  <p:cSld>
-    <p:spTree>
-      <p:nvGrpSpPr>
-        <p:cNvPr id="1" name=""/>
-        <p:cNvGrpSpPr/>
-        <p:nvPr/>
-      </p:nvGrpSpPr>
-      <p:grpSpPr>
-        <a:xfrm>
-          <a:off x="0" y="0"/>
-          <a:ext cx="0" cy="0"/>
-          <a:chOff x="0" y="0"/>
-          <a:chExt cx="0" cy="0"/>
-        </a:xfrm>
-      </p:grpSpPr>
-      <p:sp>
-        <p:nvSpPr>
-          <p:cNvPr id="2" name="Title 1">
-            <a:extLst>
-              <a:ext uri="{FF2B5EF4-FFF2-40B4-BE49-F238E27FC236}">
-                <a16:creationId xmlns:a16="http://schemas.microsoft.com/office/drawing/2014/main" id="{400D5647-04CB-787C-A1C3-B97E98379E56}"/>
-              </a:ext>
-            </a:extLst>
-          </p:cNvPr>
-          <p:cNvSpPr>
-            <a:spLocks noGrp="1"/>
-          </p:cNvSpPr>
-          <p:nvPr>
-            <p:ph type="title"/>
-          </p:nvPr>
-        </p:nvSpPr>
-        <p:spPr>
-          <a:xfrm>
-            <a:off x="4224528" y="820287"/>
-            <a:ext cx="6766560" cy="768096"/>
-          </a:xfrm>
-        </p:spPr>
-        <p:txBody>
-          <a:bodyPr/>
-          <a:lstStyle/>
-          <a:p>
-            <a:r>
-              <a:rPr lang="en-US" sz="4400" b="1" dirty="0">
-                <a:solidFill>
-                  <a:schemeClr val="accent6"/>
-                </a:solidFill>
-                <a:latin typeface="Arial Black" panose="020B0604020202020204" pitchFamily="34" charset="0"/>
-                <a:cs typeface="Arial Black" panose="020B0604020202020204" pitchFamily="34" charset="0"/>
-              </a:rPr>
-              <a:t>Conclusion</a:t>
-            </a:r>
-            <a:endParaRPr lang="en-IN" dirty="0"/>
-          </a:p>
-        </p:txBody>
-      </p:sp>
-      <p:sp>
-        <p:nvSpPr>
-          <p:cNvPr id="3" name="Content Placeholder 2">
-            <a:extLst>
-              <a:ext uri="{FF2B5EF4-FFF2-40B4-BE49-F238E27FC236}">
-                <a16:creationId xmlns:a16="http://schemas.microsoft.com/office/drawing/2014/main" id="{C75CEC30-5FF8-5032-61E6-71DB1B55D356}"/>
-              </a:ext>
-            </a:extLst>
-          </p:cNvPr>
-          <p:cNvSpPr>
-            <a:spLocks noGrp="1"/>
-          </p:cNvSpPr>
-          <p:nvPr>
-            <p:ph idx="1"/>
-          </p:nvPr>
-        </p:nvSpPr>
-        <p:spPr>
-          <a:xfrm>
-            <a:off x="4224528" y="1775691"/>
-            <a:ext cx="6766560" cy="2876208"/>
-          </a:xfrm>
-        </p:spPr>
-        <p:txBody>
-          <a:bodyPr/>
-          <a:lstStyle/>
-          <a:p>
-            <a:pPr marL="285750" indent="-285750">
-              <a:buFont typeface="Wingdings" panose="05000000000000000000" pitchFamily="2" charset="2"/>
-              <a:buChar char="v"/>
-            </a:pPr>
-            <a:r>
-              <a:rPr lang="en-US" sz="1800" dirty="0"/>
-              <a:t>Thus, I have explored provided Instagram data and performed user analytics.</a:t>
-            </a:r>
-          </a:p>
-          <a:p>
-            <a:pPr marL="285750" indent="-285750">
-              <a:buFont typeface="Wingdings" panose="05000000000000000000" pitchFamily="2" charset="2"/>
-              <a:buChar char="v"/>
-            </a:pPr>
-            <a:r>
-              <a:rPr lang="en-US" sz="1800" dirty="0"/>
-              <a:t>Given all the required insights into the Marketing and Investees Matrices.</a:t>
-            </a:r>
-          </a:p>
-          <a:p>
-            <a:pPr marL="285750" indent="-285750">
-              <a:buFont typeface="Wingdings" panose="05000000000000000000" pitchFamily="2" charset="2"/>
-              <a:buChar char="v"/>
-            </a:pPr>
-            <a:r>
-              <a:rPr lang="en-US" sz="1800" dirty="0"/>
-              <a:t>I have learned to handle the database on the MySQL Workbench.</a:t>
-            </a:r>
-          </a:p>
-          <a:p>
-            <a:pPr marL="285750" indent="-285750">
-              <a:buFont typeface="Wingdings" panose="05000000000000000000" pitchFamily="2" charset="2"/>
-              <a:buChar char="v"/>
-            </a:pPr>
-            <a:r>
-              <a:rPr lang="en-US" sz="1800" dirty="0"/>
-              <a:t>I have learned to gain insights by using Queries.</a:t>
-            </a:r>
-          </a:p>
-          <a:p>
-            <a:pPr marL="285750" indent="-285750">
-              <a:buFont typeface="Wingdings" panose="05000000000000000000" pitchFamily="2" charset="2"/>
-              <a:buChar char="v"/>
-            </a:pPr>
-            <a:r>
-              <a:rPr lang="en-US" sz="1800" dirty="0"/>
-              <a:t>All the respective queries and their output is attached to this report.</a:t>
-            </a:r>
-          </a:p>
-          <a:p>
-            <a:pPr marL="285750" indent="-285750">
-              <a:buFont typeface="Wingdings" panose="05000000000000000000" pitchFamily="2" charset="2"/>
-              <a:buChar char="v"/>
-            </a:pPr>
-            <a:r>
-              <a:rPr lang="en-US" sz="1800" dirty="0"/>
-              <a:t>GitHub Repository and drive links are given as follows.</a:t>
-            </a:r>
-          </a:p>
-        </p:txBody>
-      </p:sp>
-      <p:sp>
-        <p:nvSpPr>
-          <p:cNvPr id="5" name="Slide Number Placeholder 4">
-            <a:extLst>
-              <a:ext uri="{FF2B5EF4-FFF2-40B4-BE49-F238E27FC236}">
-                <a16:creationId xmlns:a16="http://schemas.microsoft.com/office/drawing/2014/main" id="{F978D649-4983-7997-D761-8447CD8AA9EF}"/>
-              </a:ext>
-            </a:extLst>
-          </p:cNvPr>
-          <p:cNvSpPr>
-            <a:spLocks noGrp="1"/>
-          </p:cNvSpPr>
-          <p:nvPr>
-            <p:ph type="sldNum" sz="quarter" idx="12"/>
-          </p:nvPr>
-        </p:nvSpPr>
-        <p:spPr/>
-        <p:txBody>
-          <a:bodyPr/>
-          <a:lstStyle/>
-          <a:p>
-            <a:fld id="{48F63A3B-78C7-47BE-AE5E-E10140E04643}" type="slidenum">
-              <a:rPr lang="en-US" smtClean="0"/>
-              <a:t>29</a:t>
-            </a:fld>
-            <a:endParaRPr lang="en-US" dirty="0"/>
-          </a:p>
-        </p:txBody>
-      </p:sp>
-      <p:sp>
-        <p:nvSpPr>
-          <p:cNvPr id="9" name="TextBox 8">
-            <a:extLst>
-              <a:ext uri="{FF2B5EF4-FFF2-40B4-BE49-F238E27FC236}">
-                <a16:creationId xmlns:a16="http://schemas.microsoft.com/office/drawing/2014/main" id="{7CF30CFE-B40F-3932-1FAB-C2B4ADD3C5EF}"/>
-              </a:ext>
-            </a:extLst>
-          </p:cNvPr>
-          <p:cNvSpPr txBox="1"/>
-          <p:nvPr/>
-        </p:nvSpPr>
-        <p:spPr>
-          <a:xfrm>
-            <a:off x="3559947" y="4998128"/>
-            <a:ext cx="8372974" cy="369332"/>
-          </a:xfrm>
-          <a:prstGeom prst="rect">
-            <a:avLst/>
-          </a:prstGeom>
-          <a:noFill/>
-        </p:spPr>
-        <p:txBody>
-          <a:bodyPr wrap="square" rtlCol="0">
-            <a:spAutoFit/>
-          </a:bodyPr>
-          <a:lstStyle/>
-          <a:p>
-            <a:r>
-              <a:rPr lang="en-US" dirty="0">
-                <a:highlight>
-                  <a:srgbClr val="FFFF00"/>
-                </a:highlight>
-              </a:rPr>
-              <a:t>GitHub Repository:-</a:t>
-            </a:r>
-            <a:r>
-              <a:rPr lang="en-US" dirty="0"/>
-              <a:t>   </a:t>
-            </a:r>
-            <a:r>
-              <a:rPr lang="en-US" dirty="0">
-                <a:solidFill>
-                  <a:srgbClr val="202C8F"/>
-                </a:solidFill>
-                <a:hlinkClick r:id="rId2">
-                  <a:extLst>
-                    <a:ext uri="{A12FA001-AC4F-418D-AE19-62706E023703}">
-                      <ahyp:hlinkClr xmlns:ahyp="http://schemas.microsoft.com/office/drawing/2018/hyperlinkcolor" val="tx"/>
-                    </a:ext>
-                  </a:extLst>
-                </a:hlinkClick>
-              </a:rPr>
-              <a:t>https://github.com/ShindeYash/Instagram_User_Analytics.git</a:t>
-            </a:r>
-            <a:endParaRPr lang="en-IN" dirty="0">
-              <a:solidFill>
-                <a:srgbClr val="202C8F"/>
-              </a:solidFill>
-            </a:endParaRPr>
-          </a:p>
-        </p:txBody>
-      </p:sp>
-      <p:sp>
-        <p:nvSpPr>
-          <p:cNvPr id="4" name="TextBox 3">
-            <a:extLst>
-              <a:ext uri="{FF2B5EF4-FFF2-40B4-BE49-F238E27FC236}">
-                <a16:creationId xmlns:a16="http://schemas.microsoft.com/office/drawing/2014/main" id="{A58BE69E-0155-4992-7AE6-486AF94FDB02}"/>
-              </a:ext>
-            </a:extLst>
-          </p:cNvPr>
-          <p:cNvSpPr txBox="1"/>
-          <p:nvPr/>
-        </p:nvSpPr>
-        <p:spPr>
-          <a:xfrm>
-            <a:off x="3559947" y="5640257"/>
-            <a:ext cx="8372974" cy="923330"/>
-          </a:xfrm>
-          <a:prstGeom prst="rect">
-            <a:avLst/>
-          </a:prstGeom>
-          <a:noFill/>
-        </p:spPr>
-        <p:txBody>
-          <a:bodyPr wrap="square" rtlCol="0">
-            <a:spAutoFit/>
-          </a:bodyPr>
-          <a:lstStyle/>
-          <a:p>
-            <a:r>
-              <a:rPr lang="en-US" dirty="0">
-                <a:highlight>
-                  <a:srgbClr val="FFFF00"/>
-                </a:highlight>
-              </a:rPr>
-              <a:t>Drive Link:-</a:t>
-            </a:r>
-            <a:r>
-              <a:rPr lang="en-US" dirty="0"/>
-              <a:t>   </a:t>
-            </a:r>
-            <a:r>
-              <a:rPr lang="en-US" dirty="0">
-                <a:solidFill>
-                  <a:srgbClr val="202C8F"/>
-                </a:solidFill>
-                <a:hlinkClick r:id="rId3">
-                  <a:extLst>
-                    <a:ext uri="{A12FA001-AC4F-418D-AE19-62706E023703}">
-                      <ahyp:hlinkClr xmlns:ahyp="http://schemas.microsoft.com/office/drawing/2018/hyperlinkcolor" val="tx"/>
-                    </a:ext>
-                  </a:extLst>
-                </a:hlinkClick>
-              </a:rPr>
-              <a:t>https://drive.google.com/drive/folders/14QqMxwuKXOVNEjOHJ4mtFlWPdXSox71r?usp=drive_link</a:t>
-            </a:r>
-            <a:endParaRPr lang="en-IN" dirty="0">
-              <a:solidFill>
-                <a:srgbClr val="202C8F"/>
-              </a:solidFill>
-            </a:endParaRPr>
-          </a:p>
-        </p:txBody>
-      </p:sp>
-    </p:spTree>
-    <p:extLst>
-      <p:ext uri="{BB962C8B-B14F-4D97-AF65-F5344CB8AC3E}">
-        <p14:creationId xmlns:p14="http://schemas.microsoft.com/office/powerpoint/2010/main" val="3510910335"/>
       </p:ext>
     </p:extLst>
   </p:cSld>
@@ -41241,6 +42180,318 @@
 </file>
 
 <file path=ppt/slides/slide30.xml><?xml version="1.0" encoding="utf-8"?>
+<p:sld xmlns:a="http://schemas.openxmlformats.org/drawingml/2006/main" xmlns:r="http://schemas.openxmlformats.org/officeDocument/2006/relationships" xmlns:p="http://schemas.openxmlformats.org/presentationml/2006/main">
+  <p:cSld>
+    <p:spTree>
+      <p:nvGrpSpPr>
+        <p:cNvPr id="1" name=""/>
+        <p:cNvGrpSpPr/>
+        <p:nvPr/>
+      </p:nvGrpSpPr>
+      <p:grpSpPr>
+        <a:xfrm>
+          <a:off x="0" y="0"/>
+          <a:ext cx="0" cy="0"/>
+          <a:chOff x="0" y="0"/>
+          <a:chExt cx="0" cy="0"/>
+        </a:xfrm>
+      </p:grpSpPr>
+      <p:sp>
+        <p:nvSpPr>
+          <p:cNvPr id="2" name="Title 1">
+            <a:extLst>
+              <a:ext uri="{FF2B5EF4-FFF2-40B4-BE49-F238E27FC236}">
+                <a16:creationId xmlns:a16="http://schemas.microsoft.com/office/drawing/2014/main" id="{400D5647-04CB-787C-A1C3-B97E98379E56}"/>
+              </a:ext>
+            </a:extLst>
+          </p:cNvPr>
+          <p:cNvSpPr>
+            <a:spLocks noGrp="1"/>
+          </p:cNvSpPr>
+          <p:nvPr>
+            <p:ph type="title"/>
+          </p:nvPr>
+        </p:nvSpPr>
+        <p:spPr>
+          <a:xfrm>
+            <a:off x="4224528" y="820287"/>
+            <a:ext cx="6766560" cy="768096"/>
+          </a:xfrm>
+        </p:spPr>
+        <p:txBody>
+          <a:bodyPr/>
+          <a:lstStyle/>
+          <a:p>
+            <a:r>
+              <a:rPr lang="en-US" sz="4400" b="1" dirty="0">
+                <a:solidFill>
+                  <a:schemeClr val="accent6"/>
+                </a:solidFill>
+                <a:latin typeface="Arial Black" panose="020B0604020202020204" pitchFamily="34" charset="0"/>
+                <a:cs typeface="Arial Black" panose="020B0604020202020204" pitchFamily="34" charset="0"/>
+              </a:rPr>
+              <a:t>Conclusion</a:t>
+            </a:r>
+            <a:endParaRPr lang="en-IN" dirty="0"/>
+          </a:p>
+        </p:txBody>
+      </p:sp>
+      <p:sp>
+        <p:nvSpPr>
+          <p:cNvPr id="3" name="Content Placeholder 2">
+            <a:extLst>
+              <a:ext uri="{FF2B5EF4-FFF2-40B4-BE49-F238E27FC236}">
+                <a16:creationId xmlns:a16="http://schemas.microsoft.com/office/drawing/2014/main" id="{C75CEC30-5FF8-5032-61E6-71DB1B55D356}"/>
+              </a:ext>
+            </a:extLst>
+          </p:cNvPr>
+          <p:cNvSpPr>
+            <a:spLocks noGrp="1"/>
+          </p:cNvSpPr>
+          <p:nvPr>
+            <p:ph idx="1"/>
+          </p:nvPr>
+        </p:nvSpPr>
+        <p:spPr>
+          <a:xfrm>
+            <a:off x="4224528" y="1775691"/>
+            <a:ext cx="6766560" cy="2876208"/>
+          </a:xfrm>
+        </p:spPr>
+        <p:txBody>
+          <a:bodyPr/>
+          <a:lstStyle/>
+          <a:p>
+            <a:pPr marL="285750" indent="-285750">
+              <a:buFont typeface="Wingdings" panose="05000000000000000000" pitchFamily="2" charset="2"/>
+              <a:buChar char="v"/>
+            </a:pPr>
+            <a:r>
+              <a:rPr lang="en-US" sz="1800" dirty="0"/>
+              <a:t>Thus, I have explored provided Instagram data and performed user analytics.</a:t>
+            </a:r>
+          </a:p>
+          <a:p>
+            <a:pPr marL="285750" indent="-285750">
+              <a:buFont typeface="Wingdings" panose="05000000000000000000" pitchFamily="2" charset="2"/>
+              <a:buChar char="v"/>
+            </a:pPr>
+            <a:r>
+              <a:rPr lang="en-US" sz="1800" dirty="0"/>
+              <a:t>Given all the required insights into the Marketing and Investees Matrices.</a:t>
+            </a:r>
+          </a:p>
+          <a:p>
+            <a:pPr marL="285750" indent="-285750">
+              <a:buFont typeface="Wingdings" panose="05000000000000000000" pitchFamily="2" charset="2"/>
+              <a:buChar char="v"/>
+            </a:pPr>
+            <a:r>
+              <a:rPr lang="en-US" sz="1800" dirty="0"/>
+              <a:t>I have learned to handle the database on the MySQL Workbench.</a:t>
+            </a:r>
+          </a:p>
+          <a:p>
+            <a:pPr marL="285750" indent="-285750">
+              <a:buFont typeface="Wingdings" panose="05000000000000000000" pitchFamily="2" charset="2"/>
+              <a:buChar char="v"/>
+            </a:pPr>
+            <a:r>
+              <a:rPr lang="en-US" sz="1800" dirty="0"/>
+              <a:t>I have learned to gain insights by using Queries.</a:t>
+            </a:r>
+          </a:p>
+          <a:p>
+            <a:pPr marL="285750" indent="-285750">
+              <a:buFont typeface="Wingdings" panose="05000000000000000000" pitchFamily="2" charset="2"/>
+              <a:buChar char="v"/>
+            </a:pPr>
+            <a:r>
+              <a:rPr lang="en-US" sz="1800" dirty="0"/>
+              <a:t>All the respective queries and their output is attached to this report.</a:t>
+            </a:r>
+          </a:p>
+          <a:p>
+            <a:pPr marL="285750" indent="-285750">
+              <a:buFont typeface="Wingdings" panose="05000000000000000000" pitchFamily="2" charset="2"/>
+              <a:buChar char="v"/>
+            </a:pPr>
+            <a:r>
+              <a:rPr lang="en-US" sz="1800" dirty="0"/>
+              <a:t>GitHub Repository and drive links are given as follows.</a:t>
+            </a:r>
+          </a:p>
+        </p:txBody>
+      </p:sp>
+      <p:sp>
+        <p:nvSpPr>
+          <p:cNvPr id="5" name="Slide Number Placeholder 4">
+            <a:extLst>
+              <a:ext uri="{FF2B5EF4-FFF2-40B4-BE49-F238E27FC236}">
+                <a16:creationId xmlns:a16="http://schemas.microsoft.com/office/drawing/2014/main" id="{F978D649-4983-7997-D761-8447CD8AA9EF}"/>
+              </a:ext>
+            </a:extLst>
+          </p:cNvPr>
+          <p:cNvSpPr>
+            <a:spLocks noGrp="1"/>
+          </p:cNvSpPr>
+          <p:nvPr>
+            <p:ph type="sldNum" sz="quarter" idx="12"/>
+          </p:nvPr>
+        </p:nvSpPr>
+        <p:spPr/>
+        <p:txBody>
+          <a:bodyPr/>
+          <a:lstStyle/>
+          <a:p>
+            <a:fld id="{48F63A3B-78C7-47BE-AE5E-E10140E04643}" type="slidenum">
+              <a:rPr lang="en-US" smtClean="0"/>
+              <a:t>30</a:t>
+            </a:fld>
+            <a:endParaRPr lang="en-US" dirty="0"/>
+          </a:p>
+        </p:txBody>
+      </p:sp>
+      <p:sp>
+        <p:nvSpPr>
+          <p:cNvPr id="9" name="TextBox 8">
+            <a:extLst>
+              <a:ext uri="{FF2B5EF4-FFF2-40B4-BE49-F238E27FC236}">
+                <a16:creationId xmlns:a16="http://schemas.microsoft.com/office/drawing/2014/main" id="{7CF30CFE-B40F-3932-1FAB-C2B4ADD3C5EF}"/>
+              </a:ext>
+            </a:extLst>
+          </p:cNvPr>
+          <p:cNvSpPr txBox="1"/>
+          <p:nvPr/>
+        </p:nvSpPr>
+        <p:spPr>
+          <a:xfrm>
+            <a:off x="3559947" y="4998128"/>
+            <a:ext cx="8372974" cy="369332"/>
+          </a:xfrm>
+          <a:prstGeom prst="rect">
+            <a:avLst/>
+          </a:prstGeom>
+          <a:noFill/>
+        </p:spPr>
+        <p:txBody>
+          <a:bodyPr wrap="square" rtlCol="0">
+            <a:spAutoFit/>
+          </a:bodyPr>
+          <a:lstStyle/>
+          <a:p>
+            <a:r>
+              <a:rPr lang="en-US" dirty="0">
+                <a:highlight>
+                  <a:srgbClr val="FFFF00"/>
+                </a:highlight>
+              </a:rPr>
+              <a:t>GitHub Repository:-</a:t>
+            </a:r>
+            <a:r>
+              <a:rPr lang="en-US" dirty="0"/>
+              <a:t>   </a:t>
+            </a:r>
+            <a:r>
+              <a:rPr lang="en-US" dirty="0">
+                <a:solidFill>
+                  <a:srgbClr val="202C8F"/>
+                </a:solidFill>
+                <a:hlinkClick r:id="rId2">
+                  <a:extLst>
+                    <a:ext uri="{A12FA001-AC4F-418D-AE19-62706E023703}">
+                      <ahyp:hlinkClr xmlns:ahyp="http://schemas.microsoft.com/office/drawing/2018/hyperlinkcolor" val="tx"/>
+                    </a:ext>
+                  </a:extLst>
+                </a:hlinkClick>
+              </a:rPr>
+              <a:t>https://github.com/ShindeYash/Instagram_User_Analytics.git</a:t>
+            </a:r>
+            <a:endParaRPr lang="en-IN" dirty="0">
+              <a:solidFill>
+                <a:srgbClr val="202C8F"/>
+              </a:solidFill>
+            </a:endParaRPr>
+          </a:p>
+        </p:txBody>
+      </p:sp>
+      <p:sp>
+        <p:nvSpPr>
+          <p:cNvPr id="4" name="TextBox 3">
+            <a:extLst>
+              <a:ext uri="{FF2B5EF4-FFF2-40B4-BE49-F238E27FC236}">
+                <a16:creationId xmlns:a16="http://schemas.microsoft.com/office/drawing/2014/main" id="{A58BE69E-0155-4992-7AE6-486AF94FDB02}"/>
+              </a:ext>
+            </a:extLst>
+          </p:cNvPr>
+          <p:cNvSpPr txBox="1"/>
+          <p:nvPr/>
+        </p:nvSpPr>
+        <p:spPr>
+          <a:xfrm>
+            <a:off x="3559947" y="5640257"/>
+            <a:ext cx="8372974" cy="923330"/>
+          </a:xfrm>
+          <a:prstGeom prst="rect">
+            <a:avLst/>
+          </a:prstGeom>
+          <a:noFill/>
+        </p:spPr>
+        <p:txBody>
+          <a:bodyPr wrap="square" rtlCol="0">
+            <a:spAutoFit/>
+          </a:bodyPr>
+          <a:lstStyle/>
+          <a:p>
+            <a:r>
+              <a:rPr lang="en-US" dirty="0">
+                <a:highlight>
+                  <a:srgbClr val="FFFF00"/>
+                </a:highlight>
+              </a:rPr>
+              <a:t>Drive Link:-</a:t>
+            </a:r>
+            <a:r>
+              <a:rPr lang="en-US" dirty="0"/>
+              <a:t>   </a:t>
+            </a:r>
+            <a:r>
+              <a:rPr lang="en-US" dirty="0">
+                <a:solidFill>
+                  <a:srgbClr val="202C8F"/>
+                </a:solidFill>
+                <a:hlinkClick r:id="rId3">
+                  <a:extLst>
+                    <a:ext uri="{A12FA001-AC4F-418D-AE19-62706E023703}">
+                      <ahyp:hlinkClr xmlns:ahyp="http://schemas.microsoft.com/office/drawing/2018/hyperlinkcolor" val="tx"/>
+                    </a:ext>
+                  </a:extLst>
+                </a:hlinkClick>
+              </a:rPr>
+              <a:t>https://drive.google.com/drive/folders/14QqMxwuKXOVNEjOHJ4mtFlWPdXSox71r?usp=drive_link</a:t>
+            </a:r>
+            <a:endParaRPr lang="en-IN" dirty="0">
+              <a:solidFill>
+                <a:srgbClr val="202C8F"/>
+              </a:solidFill>
+            </a:endParaRPr>
+          </a:p>
+        </p:txBody>
+      </p:sp>
+    </p:spTree>
+    <p:extLst>
+      <p:ext uri="{BB962C8B-B14F-4D97-AF65-F5344CB8AC3E}">
+        <p14:creationId xmlns:p14="http://schemas.microsoft.com/office/powerpoint/2010/main" val="3510910335"/>
+      </p:ext>
+    </p:extLst>
+  </p:cSld>
+  <p:clrMapOvr>
+    <a:masterClrMapping/>
+  </p:clrMapOvr>
+</p:sld>
+</file>
+
+<file path=ppt/slides/slide31.xml><?xml version="1.0" encoding="utf-8"?>
 <p:sld xmlns:a="http://schemas.openxmlformats.org/drawingml/2006/main" xmlns:r="http://schemas.openxmlformats.org/officeDocument/2006/relationships" xmlns:p="http://schemas.openxmlformats.org/presentationml/2006/main">
   <p:cSld>
     <p:spTree>
@@ -42166,55 +43417,6 @@
       </p:grpSpPr>
       <p:sp>
         <p:nvSpPr>
-          <p:cNvPr id="7" name="Rectangle 6">
-            <a:extLst>
-              <a:ext uri="{FF2B5EF4-FFF2-40B4-BE49-F238E27FC236}">
-                <a16:creationId xmlns:a16="http://schemas.microsoft.com/office/drawing/2014/main" id="{9188DFD6-2733-9425-D029-39399B4E550D}"/>
-              </a:ext>
-            </a:extLst>
-          </p:cNvPr>
-          <p:cNvSpPr/>
-          <p:nvPr/>
-        </p:nvSpPr>
-        <p:spPr>
-          <a:xfrm>
-            <a:off x="483680" y="1015624"/>
-            <a:ext cx="11242113" cy="795564"/>
-          </a:xfrm>
-          <a:prstGeom prst="rect">
-            <a:avLst/>
-          </a:prstGeom>
-          <a:solidFill>
-            <a:srgbClr val="AAC4E9"/>
-          </a:solidFill>
-        </p:spPr>
-        <p:style>
-          <a:lnRef idx="2">
-            <a:schemeClr val="accent1">
-              <a:shade val="15000"/>
-            </a:schemeClr>
-          </a:lnRef>
-          <a:fillRef idx="1">
-            <a:schemeClr val="accent1"/>
-          </a:fillRef>
-          <a:effectRef idx="0">
-            <a:schemeClr val="accent1"/>
-          </a:effectRef>
-          <a:fontRef idx="minor">
-            <a:schemeClr val="lt1"/>
-          </a:fontRef>
-        </p:style>
-        <p:txBody>
-          <a:bodyPr rtlCol="0" anchor="ctr"/>
-          <a:lstStyle/>
-          <a:p>
-            <a:pPr algn="ctr"/>
-            <a:endParaRPr lang="en-IN" dirty="0"/>
-          </a:p>
-        </p:txBody>
-      </p:sp>
-      <p:sp>
-        <p:nvSpPr>
           <p:cNvPr id="2" name="Title 1">
             <a:extLst>
               <a:ext uri="{FF2B5EF4-FFF2-40B4-BE49-F238E27FC236}">
@@ -42231,8 +43433,8 @@
         </p:nvSpPr>
         <p:spPr>
           <a:xfrm>
-            <a:off x="483680" y="952393"/>
-            <a:ext cx="11380197" cy="922027"/>
+            <a:off x="608633" y="996158"/>
+            <a:ext cx="10336735" cy="1022589"/>
           </a:xfrm>
         </p:spPr>
         <p:txBody>
@@ -42246,8 +43448,15 @@
                   <a:srgbClr val="DF8C8C"/>
                 </a:solidFill>
               </a:rPr>
-              <a:t>Rewarding most loyal users : </a:t>
-            </a:r>
+              <a:t>Jobs Reviewed Over Time: </a:t>
+            </a:r>
+            <a:br>
+              <a:rPr lang="en-US" sz="2000" u="sng" dirty="0">
+                <a:solidFill>
+                  <a:srgbClr val="DF8C8C"/>
+                </a:solidFill>
+              </a:rPr>
+            </a:br>
             <a:r>
               <a:rPr lang="en-US" sz="1600" b="0" i="0" dirty="0">
                 <a:solidFill>
@@ -42259,16 +43468,42 @@
                 <a:effectLst/>
                 <a:latin typeface="+mj-lt"/>
               </a:rPr>
-              <a:t>People who have been using the platform for the longest time. That means, Finding 5 oldest users of the Instagram from the database.</a:t>
+              <a:t>Objective: Calculate the number of jobs reviewed per hour for each day in November 2020.</a:t>
             </a:r>
             <a:br>
-              <a:rPr lang="en-IN" sz="1800" dirty="0">
+              <a:rPr lang="en-US" sz="1600" b="0" i="0" dirty="0">
                 <a:solidFill>
                   <a:schemeClr val="tx1">
                     <a:lumMod val="85000"/>
                     <a:lumOff val="15000"/>
                   </a:schemeClr>
                 </a:solidFill>
+                <a:effectLst/>
+                <a:latin typeface="+mj-lt"/>
+              </a:rPr>
+            </a:br>
+            <a:r>
+              <a:rPr lang="en-US" sz="1600" b="0" i="0" dirty="0">
+                <a:solidFill>
+                  <a:schemeClr val="tx1">
+                    <a:lumMod val="85000"/>
+                    <a:lumOff val="15000"/>
+                  </a:schemeClr>
+                </a:solidFill>
+                <a:effectLst/>
+                <a:latin typeface="+mj-lt"/>
+              </a:rPr>
+              <a:t>Task: Write an SQL query to calculate the number of jobs reviewed per hour for each day in November 2020.</a:t>
+            </a:r>
+            <a:br>
+              <a:rPr lang="en-US" sz="1600" b="0" i="0" dirty="0">
+                <a:solidFill>
+                  <a:schemeClr val="tx1">
+                    <a:lumMod val="85000"/>
+                    <a:lumOff val="15000"/>
+                  </a:schemeClr>
+                </a:solidFill>
+                <a:effectLst/>
                 <a:latin typeface="+mj-lt"/>
               </a:rPr>
             </a:br>
@@ -42400,96 +43635,304 @@
           </a:p>
         </p:txBody>
       </p:sp>
-      <p:pic>
-        <p:nvPicPr>
-          <p:cNvPr id="18" name="Picture 17">
+      <p:sp>
+        <p:nvSpPr>
+          <p:cNvPr id="12" name="Title 1">
             <a:extLst>
               <a:ext uri="{FF2B5EF4-FFF2-40B4-BE49-F238E27FC236}">
-                <a16:creationId xmlns:a16="http://schemas.microsoft.com/office/drawing/2014/main" id="{9586E6FD-4D1B-5A1A-71CC-186A903E5EC0}"/>
+                <a16:creationId xmlns:a16="http://schemas.microsoft.com/office/drawing/2014/main" id="{1888EE10-B30C-01CB-8EBF-C3376B0FC265}"/>
               </a:ext>
             </a:extLst>
           </p:cNvPr>
-          <p:cNvPicPr>
-            <a:picLocks noChangeAspect="1"/>
-          </p:cNvPicPr>
+          <p:cNvSpPr txBox="1">
+            <a:spLocks/>
+          </p:cNvSpPr>
           <p:nvPr/>
-        </p:nvPicPr>
-        <p:blipFill>
-          <a:blip r:embed="rId2"/>
-          <a:stretch>
-            <a:fillRect/>
-          </a:stretch>
-        </p:blipFill>
+        </p:nvSpPr>
         <p:spPr>
           <a:xfrm>
-            <a:off x="371360" y="3205461"/>
-            <a:ext cx="11449280" cy="999831"/>
+            <a:off x="608632" y="2508268"/>
+            <a:ext cx="11380197" cy="669360"/>
           </a:xfrm>
           <a:prstGeom prst="rect">
             <a:avLst/>
           </a:prstGeom>
         </p:spPr>
-      </p:pic>
-      <p:pic>
-        <p:nvPicPr>
-          <p:cNvPr id="19" name="Picture 18">
+        <p:txBody>
+          <a:bodyPr vert="horz" lIns="91440" tIns="45720" rIns="91440" bIns="45720" rtlCol="0" anchor="t">
+            <a:noAutofit/>
+          </a:bodyPr>
+          <a:lstStyle>
+            <a:lvl1pPr algn="ctr" defTabSz="914400" rtl="0" eaLnBrk="1" latinLnBrk="0" hangingPunct="1">
+              <a:lnSpc>
+                <a:spcPct val="100000"/>
+              </a:lnSpc>
+              <a:spcBef>
+                <a:spcPct val="0"/>
+              </a:spcBef>
+              <a:buNone/>
+              <a:defRPr sz="4400" b="1" kern="1200" cap="all" baseline="0">
+                <a:solidFill>
+                  <a:schemeClr val="accent6"/>
+                </a:solidFill>
+                <a:latin typeface="+mj-lt"/>
+                <a:ea typeface="+mj-ea"/>
+                <a:cs typeface="+mj-cs"/>
+              </a:defRPr>
+            </a:lvl1pPr>
+          </a:lstStyle>
+          <a:p>
+            <a:pPr algn="l"/>
+            <a:r>
+              <a:rPr lang="en-US" sz="2000" u="sng" dirty="0">
+                <a:solidFill>
+                  <a:srgbClr val="DF8C8C"/>
+                </a:solidFill>
+              </a:rPr>
+              <a:t>Throughput Analysis: </a:t>
+            </a:r>
+          </a:p>
+          <a:p>
+            <a:pPr algn="l"/>
+            <a:r>
+              <a:rPr lang="en-US" sz="1600" b="0" dirty="0">
+                <a:solidFill>
+                  <a:schemeClr val="tx1">
+                    <a:lumMod val="85000"/>
+                    <a:lumOff val="15000"/>
+                  </a:schemeClr>
+                </a:solidFill>
+              </a:rPr>
+              <a:t>Objective: Calculate the 7-day rolling average of throughput.</a:t>
+            </a:r>
+          </a:p>
+          <a:p>
+            <a:pPr algn="l"/>
+            <a:r>
+              <a:rPr lang="en-US" sz="1600" b="0" dirty="0">
+                <a:solidFill>
+                  <a:schemeClr val="tx1">
+                    <a:lumMod val="85000"/>
+                    <a:lumOff val="15000"/>
+                  </a:schemeClr>
+                </a:solidFill>
+              </a:rPr>
+              <a:t> Task: Write an SQL query to calculate the 7-day rolling average of throughput. Also, explain why you prefer using the daily metric or the 7-day rolling average for throughput.</a:t>
+            </a:r>
+            <a:endParaRPr lang="en-IN" sz="2000" dirty="0">
+              <a:solidFill>
+                <a:srgbClr val="00B0F0"/>
+              </a:solidFill>
+            </a:endParaRPr>
+          </a:p>
+        </p:txBody>
+      </p:sp>
+      <p:sp>
+        <p:nvSpPr>
+          <p:cNvPr id="13" name="Title 1">
             <a:extLst>
               <a:ext uri="{FF2B5EF4-FFF2-40B4-BE49-F238E27FC236}">
-                <a16:creationId xmlns:a16="http://schemas.microsoft.com/office/drawing/2014/main" id="{C0E9BFD1-9418-77A5-59C9-4C15F71730B0}"/>
+                <a16:creationId xmlns:a16="http://schemas.microsoft.com/office/drawing/2014/main" id="{D52250F2-7DF5-BFC4-4741-202D9B0B31F5}"/>
               </a:ext>
             </a:extLst>
           </p:cNvPr>
-          <p:cNvPicPr>
-            <a:picLocks noChangeAspect="1"/>
-          </p:cNvPicPr>
+          <p:cNvSpPr txBox="1">
+            <a:spLocks/>
+          </p:cNvSpPr>
           <p:nvPr/>
-        </p:nvPicPr>
-        <p:blipFill>
-          <a:blip r:embed="rId2"/>
-          <a:stretch>
-            <a:fillRect/>
-          </a:stretch>
-        </p:blipFill>
+        </p:nvSpPr>
         <p:spPr>
           <a:xfrm>
-            <a:off x="371360" y="2015971"/>
-            <a:ext cx="11449280" cy="999831"/>
+            <a:off x="608633" y="4078608"/>
+            <a:ext cx="11380197" cy="669360"/>
           </a:xfrm>
           <a:prstGeom prst="rect">
             <a:avLst/>
           </a:prstGeom>
         </p:spPr>
-      </p:pic>
-      <p:pic>
-        <p:nvPicPr>
-          <p:cNvPr id="20" name="Picture 19">
+        <p:txBody>
+          <a:bodyPr vert="horz" lIns="91440" tIns="45720" rIns="91440" bIns="45720" rtlCol="0" anchor="t">
+            <a:noAutofit/>
+          </a:bodyPr>
+          <a:lstStyle>
+            <a:lvl1pPr algn="ctr" defTabSz="914400" rtl="0" eaLnBrk="1" latinLnBrk="0" hangingPunct="1">
+              <a:lnSpc>
+                <a:spcPct val="100000"/>
+              </a:lnSpc>
+              <a:spcBef>
+                <a:spcPct val="0"/>
+              </a:spcBef>
+              <a:buNone/>
+              <a:defRPr sz="4400" b="1" kern="1200" cap="all" baseline="0">
+                <a:solidFill>
+                  <a:schemeClr val="accent6"/>
+                </a:solidFill>
+                <a:latin typeface="+mj-lt"/>
+                <a:ea typeface="+mj-ea"/>
+                <a:cs typeface="+mj-cs"/>
+              </a:defRPr>
+            </a:lvl1pPr>
+          </a:lstStyle>
+          <a:p>
+            <a:pPr algn="l"/>
+            <a:r>
+              <a:rPr lang="en-US" sz="2000" u="sng" dirty="0">
+                <a:solidFill>
+                  <a:srgbClr val="DF8C8C"/>
+                </a:solidFill>
+              </a:rPr>
+              <a:t>Language Share Analysis: </a:t>
+            </a:r>
+          </a:p>
+          <a:p>
+            <a:pPr algn="l"/>
+            <a:r>
+              <a:rPr lang="en-US" sz="1600" b="0" dirty="0">
+                <a:solidFill>
+                  <a:schemeClr val="tx1">
+                    <a:lumMod val="85000"/>
+                    <a:lumOff val="15000"/>
+                  </a:schemeClr>
+                </a:solidFill>
+              </a:rPr>
+              <a:t>Objective: Calculate the percentage share of each language in the last 30 days.</a:t>
+            </a:r>
+          </a:p>
+          <a:p>
+            <a:pPr algn="l"/>
+            <a:r>
+              <a:rPr lang="en-US" sz="1600" b="0" dirty="0">
+                <a:solidFill>
+                  <a:schemeClr val="tx1">
+                    <a:lumMod val="85000"/>
+                    <a:lumOff val="15000"/>
+                  </a:schemeClr>
+                </a:solidFill>
+              </a:rPr>
+              <a:t>Task: Write an SQL query to calculate the percentage share of each language over the last 30 days.</a:t>
+            </a:r>
+            <a:endParaRPr lang="en-IN" sz="2000" dirty="0">
+              <a:solidFill>
+                <a:srgbClr val="00B0F0"/>
+              </a:solidFill>
+            </a:endParaRPr>
+          </a:p>
+        </p:txBody>
+      </p:sp>
+      <p:sp>
+        <p:nvSpPr>
+          <p:cNvPr id="14" name="Title 1">
             <a:extLst>
               <a:ext uri="{FF2B5EF4-FFF2-40B4-BE49-F238E27FC236}">
-                <a16:creationId xmlns:a16="http://schemas.microsoft.com/office/drawing/2014/main" id="{D7A89662-4C66-1EC1-DBE9-21896118598A}"/>
+                <a16:creationId xmlns:a16="http://schemas.microsoft.com/office/drawing/2014/main" id="{EE8EE10D-B3B4-FD70-677F-28FAB3058158}"/>
               </a:ext>
             </a:extLst>
           </p:cNvPr>
-          <p:cNvPicPr>
-            <a:picLocks noChangeAspect="1"/>
-          </p:cNvPicPr>
+          <p:cNvSpPr txBox="1">
+            <a:spLocks/>
+          </p:cNvSpPr>
           <p:nvPr/>
-        </p:nvPicPr>
-        <p:blipFill>
-          <a:blip r:embed="rId2"/>
-          <a:stretch>
-            <a:fillRect/>
-          </a:stretch>
-        </p:blipFill>
+        </p:nvSpPr>
         <p:spPr>
           <a:xfrm>
-            <a:off x="371359" y="4342113"/>
-            <a:ext cx="11449280" cy="999831"/>
+            <a:off x="552722" y="5314268"/>
+            <a:ext cx="11380197" cy="669360"/>
           </a:xfrm>
           <a:prstGeom prst="rect">
             <a:avLst/>
           </a:prstGeom>
         </p:spPr>
-      </p:pic>
+        <p:txBody>
+          <a:bodyPr vert="horz" lIns="91440" tIns="45720" rIns="91440" bIns="45720" rtlCol="0" anchor="t">
+            <a:noAutofit/>
+          </a:bodyPr>
+          <a:lstStyle>
+            <a:lvl1pPr algn="ctr" defTabSz="914400" rtl="0" eaLnBrk="1" latinLnBrk="0" hangingPunct="1">
+              <a:lnSpc>
+                <a:spcPct val="100000"/>
+              </a:lnSpc>
+              <a:spcBef>
+                <a:spcPct val="0"/>
+              </a:spcBef>
+              <a:buNone/>
+              <a:defRPr sz="4400" b="1" kern="1200" cap="all" baseline="0">
+                <a:solidFill>
+                  <a:schemeClr val="accent6"/>
+                </a:solidFill>
+                <a:latin typeface="+mj-lt"/>
+                <a:ea typeface="+mj-ea"/>
+                <a:cs typeface="+mj-cs"/>
+              </a:defRPr>
+            </a:lvl1pPr>
+          </a:lstStyle>
+          <a:p>
+            <a:pPr algn="l"/>
+            <a:r>
+              <a:rPr lang="en-US" sz="2000" u="sng" dirty="0">
+                <a:solidFill>
+                  <a:srgbClr val="DF8C8C"/>
+                </a:solidFill>
+              </a:rPr>
+              <a:t>Duplicate Rows Detection: </a:t>
+            </a:r>
+          </a:p>
+          <a:p>
+            <a:pPr algn="l"/>
+            <a:r>
+              <a:rPr lang="en-US" sz="1600" b="0" dirty="0">
+                <a:solidFill>
+                  <a:schemeClr val="tx1">
+                    <a:lumMod val="85000"/>
+                    <a:lumOff val="15000"/>
+                  </a:schemeClr>
+                </a:solidFill>
+              </a:rPr>
+              <a:t>Objective: Identify duplicate rows in the data.</a:t>
+            </a:r>
+          </a:p>
+          <a:p>
+            <a:pPr algn="l"/>
+            <a:r>
+              <a:rPr lang="en-US" sz="1600" b="0" dirty="0">
+                <a:solidFill>
+                  <a:schemeClr val="tx1">
+                    <a:lumMod val="85000"/>
+                    <a:lumOff val="15000"/>
+                  </a:schemeClr>
+                </a:solidFill>
+              </a:rPr>
+              <a:t>Task: Write an SQL query to display duplicate rows from the </a:t>
+            </a:r>
+            <a:r>
+              <a:rPr lang="en-US" sz="1600" b="0" dirty="0" err="1">
+                <a:solidFill>
+                  <a:schemeClr val="tx1">
+                    <a:lumMod val="85000"/>
+                    <a:lumOff val="15000"/>
+                  </a:schemeClr>
+                </a:solidFill>
+              </a:rPr>
+              <a:t>job_data</a:t>
+            </a:r>
+            <a:r>
+              <a:rPr lang="en-US" sz="1600" b="0" dirty="0">
+                <a:solidFill>
+                  <a:schemeClr val="tx1">
+                    <a:lumMod val="85000"/>
+                    <a:lumOff val="15000"/>
+                  </a:schemeClr>
+                </a:solidFill>
+              </a:rPr>
+              <a:t> table.</a:t>
+            </a:r>
+            <a:endParaRPr lang="en-IN" sz="2000" dirty="0">
+              <a:solidFill>
+                <a:srgbClr val="00B0F0"/>
+              </a:solidFill>
+            </a:endParaRPr>
+          </a:p>
+        </p:txBody>
+      </p:sp>
     </p:spTree>
     <p:extLst>
       <p:ext uri="{BB962C8B-B14F-4D97-AF65-F5344CB8AC3E}">

--- a/Report - Operation_and_Metric_Analytics.pptx
+++ b/Report - Operation_and_Metric_Analytics.pptx
@@ -41552,12 +41552,10 @@
               </a:rPr>
               <a:t>Drive Link:-</a:t>
             </a:r>
-            <a:r>
-              <a:rPr lang="en-US" dirty="0"/>
-              <a:t>   </a:t>
-            </a:r>
-            <a:r>
-              <a:rPr lang="en-US" dirty="0">
+          </a:p>
+          <a:p>
+            <a:r>
+              <a:rPr lang="en-IN" dirty="0">
                 <a:solidFill>
                   <a:srgbClr val="202C8F"/>
                 </a:solidFill>
@@ -41569,7 +41567,7 @@
                   </a:extLst>
                 </a:hlinkClick>
               </a:rPr>
-              <a:t>https://drive.google.com/drive/folders/14QqMxwuKXOVNEjOHJ4mtFlWPdXSox71r?usp=drive_link</a:t>
+              <a:t>https://drive.google.com/file/d/1vZ5FddRzskdvGVb0qUUvbh5-N7eKAI6E/view?usp=sharing</a:t>
             </a:r>
             <a:endParaRPr lang="en-IN" dirty="0">
               <a:solidFill>
@@ -43432,7 +43430,7 @@
         <p:spPr>
           <a:xfrm>
             <a:off x="3559947" y="4998128"/>
-            <a:ext cx="8372974" cy="369332"/>
+            <a:ext cx="8372974" cy="646331"/>
           </a:xfrm>
           <a:prstGeom prst="rect">
             <a:avLst/>
@@ -43470,7 +43468,7 @@
                   </a:extLst>
                 </a:hlinkClick>
               </a:rPr>
-              <a:t>https://github.com/ShindeYash/Instagram_User_Analytics.git</a:t>
+              <a:t>https://github.com/ShindeYash/Operation_and_Metric_Analytics.git</a:t>
             </a:r>
             <a:endParaRPr lang="en-IN" dirty="0">
               <a:solidFill>
@@ -43533,7 +43531,7 @@
                   </a:extLst>
                 </a:hlinkClick>
               </a:rPr>
-              <a:t>https://drive.google.com/drive/folders/14QqMxwuKXOVNEjOHJ4mtFlWPdXSox71r?usp=drive_link</a:t>
+              <a:t>https://drive.google.com/drive/folders/1AG1LqrLAbPbGbaLKe0rd3Cpz24Ndh9w9?usp=sharing</a:t>
             </a:r>
             <a:endParaRPr lang="en-IN" dirty="0">
               <a:solidFill>

--- a/Report - Operation_and_Metric_Analytics.pptx
+++ b/Report - Operation_and_Metric_Analytics.pptx
@@ -30655,7 +30655,7 @@
           <a:p>
             <a:r>
               <a:rPr lang="en-US" dirty="0"/>
-              <a:t>Steps for finding the percentage share of each language : </a:t>
+              <a:t>Steps for finding the duplicate rows : </a:t>
             </a:r>
           </a:p>
           <a:p>
@@ -32679,7 +32679,7 @@
           <a:p>
             <a:r>
               <a:rPr lang="en-US" dirty="0"/>
-              <a:t>Steps for finding the percentage share of each language : </a:t>
+              <a:t>Steps for finding the weekly user engagement : </a:t>
             </a:r>
           </a:p>
           <a:p>
@@ -34632,7 +34632,7 @@
           <a:p>
             <a:r>
               <a:rPr lang="en-US" sz="2000" dirty="0"/>
-              <a:t>Steps for finding the percentage share of each language : </a:t>
+              <a:t>Steps for finding the user growth analysis : </a:t>
             </a:r>
           </a:p>
           <a:p>
